--- a/trunk/Training/Training.pptx
+++ b/trunk/Training/Training.pptx
@@ -5,19 +5,31 @@
     <p:sldMasterId id="2147483648" r:id="rId1"/>
   </p:sldMasterIdLst>
   <p:notesMasterIdLst>
-    <p:notesMasterId r:id="rId12"/>
+    <p:notesMasterId r:id="rId24"/>
   </p:notesMasterIdLst>
   <p:sldIdLst>
     <p:sldId id="257" r:id="rId2"/>
     <p:sldId id="268" r:id="rId3"/>
-    <p:sldId id="283" r:id="rId4"/>
-    <p:sldId id="284" r:id="rId5"/>
-    <p:sldId id="285" r:id="rId6"/>
-    <p:sldId id="286" r:id="rId7"/>
-    <p:sldId id="288" r:id="rId8"/>
-    <p:sldId id="287" r:id="rId9"/>
-    <p:sldId id="289" r:id="rId10"/>
-    <p:sldId id="276" r:id="rId11"/>
+    <p:sldId id="290" r:id="rId4"/>
+    <p:sldId id="291" r:id="rId5"/>
+    <p:sldId id="292" r:id="rId6"/>
+    <p:sldId id="293" r:id="rId7"/>
+    <p:sldId id="294" r:id="rId8"/>
+    <p:sldId id="295" r:id="rId9"/>
+    <p:sldId id="296" r:id="rId10"/>
+    <p:sldId id="297" r:id="rId11"/>
+    <p:sldId id="298" r:id="rId12"/>
+    <p:sldId id="299" r:id="rId13"/>
+    <p:sldId id="300" r:id="rId14"/>
+    <p:sldId id="301" r:id="rId15"/>
+    <p:sldId id="283" r:id="rId16"/>
+    <p:sldId id="284" r:id="rId17"/>
+    <p:sldId id="285" r:id="rId18"/>
+    <p:sldId id="286" r:id="rId19"/>
+    <p:sldId id="288" r:id="rId20"/>
+    <p:sldId id="287" r:id="rId21"/>
+    <p:sldId id="289" r:id="rId22"/>
+    <p:sldId id="276" r:id="rId23"/>
   </p:sldIdLst>
   <p:sldSz cx="9144000" cy="5715000" type="screen16x10"/>
   <p:notesSz cx="6858000" cy="9144000"/>
@@ -232,7 +244,7 @@
           <a:p>
             <a:fld id="{087C8094-29D6-43C1-94E7-CB5935C8FF5D}" type="datetimeFigureOut">
               <a:rPr lang="en-US" smtClean="0"/>
-              <a:t>11/12/2013</a:t>
+              <a:t>11/13/2013</a:t>
             </a:fld>
             <a:endParaRPr lang="en-US"/>
           </a:p>
@@ -565,7 +577,343 @@
           <a:p>
             <a:fld id="{B5254392-1531-43D2-94F5-336C9745D357}" type="slidenum">
               <a:rPr lang="en-US" smtClean="0"/>
-              <a:t>6</a:t>
+              <a:t>3</a:t>
+            </a:fld>
+            <a:endParaRPr lang="en-US"/>
+          </a:p>
+        </p:txBody>
+      </p:sp>
+    </p:spTree>
+    <p:extLst>
+      <p:ext uri="{BB962C8B-B14F-4D97-AF65-F5344CB8AC3E}">
+        <p14:creationId xmlns:p14="http://schemas.microsoft.com/office/powerpoint/2010/main" val="3943217172"/>
+      </p:ext>
+    </p:extLst>
+  </p:cSld>
+  <p:clrMapOvr>
+    <a:masterClrMapping/>
+  </p:clrMapOvr>
+</p:notes>
+</file>
+
+<file path=ppt/notesSlides/notesSlide10.xml><?xml version="1.0" encoding="utf-8"?>
+<p:notes xmlns:a="http://schemas.openxmlformats.org/drawingml/2006/main" xmlns:r="http://schemas.openxmlformats.org/officeDocument/2006/relationships" xmlns:p="http://schemas.openxmlformats.org/presentationml/2006/main">
+  <p:cSld>
+    <p:spTree>
+      <p:nvGrpSpPr>
+        <p:cNvPr id="1" name=""/>
+        <p:cNvGrpSpPr/>
+        <p:nvPr/>
+      </p:nvGrpSpPr>
+      <p:grpSpPr>
+        <a:xfrm>
+          <a:off x="0" y="0"/>
+          <a:ext cx="0" cy="0"/>
+          <a:chOff x="0" y="0"/>
+          <a:chExt cx="0" cy="0"/>
+        </a:xfrm>
+      </p:grpSpPr>
+      <p:sp>
+        <p:nvSpPr>
+          <p:cNvPr id="2" name="Slide Image Placeholder 1"/>
+          <p:cNvSpPr>
+            <a:spLocks noGrp="1" noRot="1" noChangeAspect="1"/>
+          </p:cNvSpPr>
+          <p:nvPr>
+            <p:ph type="sldImg"/>
+          </p:nvPr>
+        </p:nvSpPr>
+        <p:spPr/>
+      </p:sp>
+      <p:sp>
+        <p:nvSpPr>
+          <p:cNvPr id="3" name="Notes Placeholder 2"/>
+          <p:cNvSpPr>
+            <a:spLocks noGrp="1"/>
+          </p:cNvSpPr>
+          <p:nvPr>
+            <p:ph type="body" idx="1"/>
+          </p:nvPr>
+        </p:nvSpPr>
+        <p:spPr/>
+        <p:txBody>
+          <a:bodyPr/>
+          <a:lstStyle/>
+          <a:p>
+            <a:endParaRPr lang="en-US"/>
+          </a:p>
+        </p:txBody>
+      </p:sp>
+      <p:sp>
+        <p:nvSpPr>
+          <p:cNvPr id="4" name="Slide Number Placeholder 3"/>
+          <p:cNvSpPr>
+            <a:spLocks noGrp="1"/>
+          </p:cNvSpPr>
+          <p:nvPr>
+            <p:ph type="sldNum" sz="quarter" idx="10"/>
+          </p:nvPr>
+        </p:nvSpPr>
+        <p:spPr/>
+        <p:txBody>
+          <a:bodyPr/>
+          <a:lstStyle/>
+          <a:p>
+            <a:fld id="{B5254392-1531-43D2-94F5-336C9745D357}" type="slidenum">
+              <a:rPr lang="en-US" smtClean="0"/>
+              <a:t>12</a:t>
+            </a:fld>
+            <a:endParaRPr lang="en-US"/>
+          </a:p>
+        </p:txBody>
+      </p:sp>
+    </p:spTree>
+    <p:extLst>
+      <p:ext uri="{BB962C8B-B14F-4D97-AF65-F5344CB8AC3E}">
+        <p14:creationId xmlns:p14="http://schemas.microsoft.com/office/powerpoint/2010/main" val="1320929213"/>
+      </p:ext>
+    </p:extLst>
+  </p:cSld>
+  <p:clrMapOvr>
+    <a:masterClrMapping/>
+  </p:clrMapOvr>
+</p:notes>
+</file>
+
+<file path=ppt/notesSlides/notesSlide11.xml><?xml version="1.0" encoding="utf-8"?>
+<p:notes xmlns:a="http://schemas.openxmlformats.org/drawingml/2006/main" xmlns:r="http://schemas.openxmlformats.org/officeDocument/2006/relationships" xmlns:p="http://schemas.openxmlformats.org/presentationml/2006/main">
+  <p:cSld>
+    <p:spTree>
+      <p:nvGrpSpPr>
+        <p:cNvPr id="1" name=""/>
+        <p:cNvGrpSpPr/>
+        <p:nvPr/>
+      </p:nvGrpSpPr>
+      <p:grpSpPr>
+        <a:xfrm>
+          <a:off x="0" y="0"/>
+          <a:ext cx="0" cy="0"/>
+          <a:chOff x="0" y="0"/>
+          <a:chExt cx="0" cy="0"/>
+        </a:xfrm>
+      </p:grpSpPr>
+      <p:sp>
+        <p:nvSpPr>
+          <p:cNvPr id="2" name="Slide Image Placeholder 1"/>
+          <p:cNvSpPr>
+            <a:spLocks noGrp="1" noRot="1" noChangeAspect="1"/>
+          </p:cNvSpPr>
+          <p:nvPr>
+            <p:ph type="sldImg"/>
+          </p:nvPr>
+        </p:nvSpPr>
+        <p:spPr/>
+      </p:sp>
+      <p:sp>
+        <p:nvSpPr>
+          <p:cNvPr id="3" name="Notes Placeholder 2"/>
+          <p:cNvSpPr>
+            <a:spLocks noGrp="1"/>
+          </p:cNvSpPr>
+          <p:nvPr>
+            <p:ph type="body" idx="1"/>
+          </p:nvPr>
+        </p:nvSpPr>
+        <p:spPr/>
+        <p:txBody>
+          <a:bodyPr/>
+          <a:lstStyle/>
+          <a:p>
+            <a:endParaRPr lang="en-US"/>
+          </a:p>
+        </p:txBody>
+      </p:sp>
+      <p:sp>
+        <p:nvSpPr>
+          <p:cNvPr id="4" name="Slide Number Placeholder 3"/>
+          <p:cNvSpPr>
+            <a:spLocks noGrp="1"/>
+          </p:cNvSpPr>
+          <p:nvPr>
+            <p:ph type="sldNum" sz="quarter" idx="10"/>
+          </p:nvPr>
+        </p:nvSpPr>
+        <p:spPr/>
+        <p:txBody>
+          <a:bodyPr/>
+          <a:lstStyle/>
+          <a:p>
+            <a:fld id="{B5254392-1531-43D2-94F5-336C9745D357}" type="slidenum">
+              <a:rPr lang="en-US" smtClean="0"/>
+              <a:t>13</a:t>
+            </a:fld>
+            <a:endParaRPr lang="en-US"/>
+          </a:p>
+        </p:txBody>
+      </p:sp>
+    </p:spTree>
+    <p:extLst>
+      <p:ext uri="{BB962C8B-B14F-4D97-AF65-F5344CB8AC3E}">
+        <p14:creationId xmlns:p14="http://schemas.microsoft.com/office/powerpoint/2010/main" val="1704118203"/>
+      </p:ext>
+    </p:extLst>
+  </p:cSld>
+  <p:clrMapOvr>
+    <a:masterClrMapping/>
+  </p:clrMapOvr>
+</p:notes>
+</file>
+
+<file path=ppt/notesSlides/notesSlide12.xml><?xml version="1.0" encoding="utf-8"?>
+<p:notes xmlns:a="http://schemas.openxmlformats.org/drawingml/2006/main" xmlns:r="http://schemas.openxmlformats.org/officeDocument/2006/relationships" xmlns:p="http://schemas.openxmlformats.org/presentationml/2006/main">
+  <p:cSld>
+    <p:spTree>
+      <p:nvGrpSpPr>
+        <p:cNvPr id="1" name=""/>
+        <p:cNvGrpSpPr/>
+        <p:nvPr/>
+      </p:nvGrpSpPr>
+      <p:grpSpPr>
+        <a:xfrm>
+          <a:off x="0" y="0"/>
+          <a:ext cx="0" cy="0"/>
+          <a:chOff x="0" y="0"/>
+          <a:chExt cx="0" cy="0"/>
+        </a:xfrm>
+      </p:grpSpPr>
+      <p:sp>
+        <p:nvSpPr>
+          <p:cNvPr id="2" name="Slide Image Placeholder 1"/>
+          <p:cNvSpPr>
+            <a:spLocks noGrp="1" noRot="1" noChangeAspect="1"/>
+          </p:cNvSpPr>
+          <p:nvPr>
+            <p:ph type="sldImg"/>
+          </p:nvPr>
+        </p:nvSpPr>
+        <p:spPr/>
+      </p:sp>
+      <p:sp>
+        <p:nvSpPr>
+          <p:cNvPr id="3" name="Notes Placeholder 2"/>
+          <p:cNvSpPr>
+            <a:spLocks noGrp="1"/>
+          </p:cNvSpPr>
+          <p:nvPr>
+            <p:ph type="body" idx="1"/>
+          </p:nvPr>
+        </p:nvSpPr>
+        <p:spPr/>
+        <p:txBody>
+          <a:bodyPr/>
+          <a:lstStyle/>
+          <a:p>
+            <a:endParaRPr lang="en-US"/>
+          </a:p>
+        </p:txBody>
+      </p:sp>
+      <p:sp>
+        <p:nvSpPr>
+          <p:cNvPr id="4" name="Slide Number Placeholder 3"/>
+          <p:cNvSpPr>
+            <a:spLocks noGrp="1"/>
+          </p:cNvSpPr>
+          <p:nvPr>
+            <p:ph type="sldNum" sz="quarter" idx="10"/>
+          </p:nvPr>
+        </p:nvSpPr>
+        <p:spPr/>
+        <p:txBody>
+          <a:bodyPr/>
+          <a:lstStyle/>
+          <a:p>
+            <a:fld id="{B5254392-1531-43D2-94F5-336C9745D357}" type="slidenum">
+              <a:rPr lang="en-US" smtClean="0"/>
+              <a:t>14</a:t>
+            </a:fld>
+            <a:endParaRPr lang="en-US"/>
+          </a:p>
+        </p:txBody>
+      </p:sp>
+    </p:spTree>
+    <p:extLst>
+      <p:ext uri="{BB962C8B-B14F-4D97-AF65-F5344CB8AC3E}">
+        <p14:creationId xmlns:p14="http://schemas.microsoft.com/office/powerpoint/2010/main" val="298827874"/>
+      </p:ext>
+    </p:extLst>
+  </p:cSld>
+  <p:clrMapOvr>
+    <a:masterClrMapping/>
+  </p:clrMapOvr>
+</p:notes>
+</file>
+
+<file path=ppt/notesSlides/notesSlide13.xml><?xml version="1.0" encoding="utf-8"?>
+<p:notes xmlns:a="http://schemas.openxmlformats.org/drawingml/2006/main" xmlns:r="http://schemas.openxmlformats.org/officeDocument/2006/relationships" xmlns:p="http://schemas.openxmlformats.org/presentationml/2006/main">
+  <p:cSld>
+    <p:spTree>
+      <p:nvGrpSpPr>
+        <p:cNvPr id="1" name=""/>
+        <p:cNvGrpSpPr/>
+        <p:nvPr/>
+      </p:nvGrpSpPr>
+      <p:grpSpPr>
+        <a:xfrm>
+          <a:off x="0" y="0"/>
+          <a:ext cx="0" cy="0"/>
+          <a:chOff x="0" y="0"/>
+          <a:chExt cx="0" cy="0"/>
+        </a:xfrm>
+      </p:grpSpPr>
+      <p:sp>
+        <p:nvSpPr>
+          <p:cNvPr id="2" name="Slide Image Placeholder 1"/>
+          <p:cNvSpPr>
+            <a:spLocks noGrp="1" noRot="1" noChangeAspect="1"/>
+          </p:cNvSpPr>
+          <p:nvPr>
+            <p:ph type="sldImg"/>
+          </p:nvPr>
+        </p:nvSpPr>
+        <p:spPr/>
+      </p:sp>
+      <p:sp>
+        <p:nvSpPr>
+          <p:cNvPr id="3" name="Notes Placeholder 2"/>
+          <p:cNvSpPr>
+            <a:spLocks noGrp="1"/>
+          </p:cNvSpPr>
+          <p:nvPr>
+            <p:ph type="body" idx="1"/>
+          </p:nvPr>
+        </p:nvSpPr>
+        <p:spPr/>
+        <p:txBody>
+          <a:bodyPr/>
+          <a:lstStyle/>
+          <a:p>
+            <a:endParaRPr lang="en-US"/>
+          </a:p>
+        </p:txBody>
+      </p:sp>
+      <p:sp>
+        <p:nvSpPr>
+          <p:cNvPr id="4" name="Slide Number Placeholder 3"/>
+          <p:cNvSpPr>
+            <a:spLocks noGrp="1"/>
+          </p:cNvSpPr>
+          <p:nvPr>
+            <p:ph type="sldNum" sz="quarter" idx="10"/>
+          </p:nvPr>
+        </p:nvSpPr>
+        <p:spPr/>
+        <p:txBody>
+          <a:bodyPr/>
+          <a:lstStyle/>
+          <a:p>
+            <a:fld id="{B5254392-1531-43D2-94F5-336C9745D357}" type="slidenum">
+              <a:rPr lang="en-US" smtClean="0"/>
+              <a:t>18</a:t>
             </a:fld>
             <a:endParaRPr lang="en-US"/>
           </a:p>
@@ -575,6 +923,348 @@
     <p:extLst>
       <p:ext uri="{BB962C8B-B14F-4D97-AF65-F5344CB8AC3E}">
         <p14:creationId xmlns:p14="http://schemas.microsoft.com/office/powerpoint/2010/main" val="2581746745"/>
+      </p:ext>
+    </p:extLst>
+  </p:cSld>
+  <p:clrMapOvr>
+    <a:masterClrMapping/>
+  </p:clrMapOvr>
+</p:notes>
+</file>
+
+<file path=ppt/notesSlides/notesSlide14.xml><?xml version="1.0" encoding="utf-8"?>
+<p:notes xmlns:a="http://schemas.openxmlformats.org/drawingml/2006/main" xmlns:r="http://schemas.openxmlformats.org/officeDocument/2006/relationships" xmlns:p="http://schemas.openxmlformats.org/presentationml/2006/main">
+  <p:cSld>
+    <p:spTree>
+      <p:nvGrpSpPr>
+        <p:cNvPr id="1" name=""/>
+        <p:cNvGrpSpPr/>
+        <p:nvPr/>
+      </p:nvGrpSpPr>
+      <p:grpSpPr>
+        <a:xfrm>
+          <a:off x="0" y="0"/>
+          <a:ext cx="0" cy="0"/>
+          <a:chOff x="0" y="0"/>
+          <a:chExt cx="0" cy="0"/>
+        </a:xfrm>
+      </p:grpSpPr>
+      <p:sp>
+        <p:nvSpPr>
+          <p:cNvPr id="2" name="Slide Image Placeholder 1"/>
+          <p:cNvSpPr>
+            <a:spLocks noGrp="1" noRot="1" noChangeAspect="1"/>
+          </p:cNvSpPr>
+          <p:nvPr>
+            <p:ph type="sldImg"/>
+          </p:nvPr>
+        </p:nvSpPr>
+        <p:spPr/>
+      </p:sp>
+      <p:sp>
+        <p:nvSpPr>
+          <p:cNvPr id="3" name="Notes Placeholder 2"/>
+          <p:cNvSpPr>
+            <a:spLocks noGrp="1"/>
+          </p:cNvSpPr>
+          <p:nvPr>
+            <p:ph type="body" idx="1"/>
+          </p:nvPr>
+        </p:nvSpPr>
+        <p:spPr/>
+        <p:txBody>
+          <a:bodyPr/>
+          <a:lstStyle/>
+          <a:p>
+            <a:endParaRPr lang="en-US"/>
+          </a:p>
+        </p:txBody>
+      </p:sp>
+      <p:sp>
+        <p:nvSpPr>
+          <p:cNvPr id="4" name="Slide Number Placeholder 3"/>
+          <p:cNvSpPr>
+            <a:spLocks noGrp="1"/>
+          </p:cNvSpPr>
+          <p:nvPr>
+            <p:ph type="sldNum" sz="quarter" idx="10"/>
+          </p:nvPr>
+        </p:nvSpPr>
+        <p:spPr/>
+        <p:txBody>
+          <a:bodyPr/>
+          <a:lstStyle/>
+          <a:p>
+            <a:fld id="{B5254392-1531-43D2-94F5-336C9745D357}" type="slidenum">
+              <a:rPr lang="en-US" smtClean="0"/>
+              <a:t>19</a:t>
+            </a:fld>
+            <a:endParaRPr lang="en-US"/>
+          </a:p>
+        </p:txBody>
+      </p:sp>
+    </p:spTree>
+    <p:extLst>
+      <p:ext uri="{BB962C8B-B14F-4D97-AF65-F5344CB8AC3E}">
+        <p14:creationId xmlns:p14="http://schemas.microsoft.com/office/powerpoint/2010/main" val="2831650469"/>
+      </p:ext>
+    </p:extLst>
+  </p:cSld>
+  <p:clrMapOvr>
+    <a:masterClrMapping/>
+  </p:clrMapOvr>
+</p:notes>
+</file>
+
+<file path=ppt/notesSlides/notesSlide15.xml><?xml version="1.0" encoding="utf-8"?>
+<p:notes xmlns:a="http://schemas.openxmlformats.org/drawingml/2006/main" xmlns:r="http://schemas.openxmlformats.org/officeDocument/2006/relationships" xmlns:p="http://schemas.openxmlformats.org/presentationml/2006/main">
+  <p:cSld>
+    <p:spTree>
+      <p:nvGrpSpPr>
+        <p:cNvPr id="1" name=""/>
+        <p:cNvGrpSpPr/>
+        <p:nvPr/>
+      </p:nvGrpSpPr>
+      <p:grpSpPr>
+        <a:xfrm>
+          <a:off x="0" y="0"/>
+          <a:ext cx="0" cy="0"/>
+          <a:chOff x="0" y="0"/>
+          <a:chExt cx="0" cy="0"/>
+        </a:xfrm>
+      </p:grpSpPr>
+      <p:sp>
+        <p:nvSpPr>
+          <p:cNvPr id="2" name="Slide Image Placeholder 1"/>
+          <p:cNvSpPr>
+            <a:spLocks noGrp="1" noRot="1" noChangeAspect="1"/>
+          </p:cNvSpPr>
+          <p:nvPr>
+            <p:ph type="sldImg"/>
+          </p:nvPr>
+        </p:nvSpPr>
+        <p:spPr/>
+      </p:sp>
+      <p:sp>
+        <p:nvSpPr>
+          <p:cNvPr id="3" name="Notes Placeholder 2"/>
+          <p:cNvSpPr>
+            <a:spLocks noGrp="1"/>
+          </p:cNvSpPr>
+          <p:nvPr>
+            <p:ph type="body" idx="1"/>
+          </p:nvPr>
+        </p:nvSpPr>
+        <p:spPr/>
+        <p:txBody>
+          <a:bodyPr/>
+          <a:lstStyle/>
+          <a:p>
+            <a:pPr marL="0" marR="0" indent="0" algn="l" defTabSz="914400" rtl="0" eaLnBrk="1" fontAlgn="auto" latinLnBrk="0" hangingPunct="1">
+              <a:lnSpc>
+                <a:spcPct val="100000"/>
+              </a:lnSpc>
+              <a:spcBef>
+                <a:spcPts val="0"/>
+              </a:spcBef>
+              <a:spcAft>
+                <a:spcPts val="0"/>
+              </a:spcAft>
+              <a:buClrTx/>
+              <a:buSzTx/>
+              <a:buFontTx/>
+              <a:buNone/>
+              <a:tabLst/>
+              <a:defRPr/>
+            </a:pPr>
+            <a:r>
+              <a:rPr lang="en-US" smtClean="0"/>
+              <a:t>API (</a:t>
+            </a:r>
+            <a:r>
+              <a:rPr lang="en-US" sz="1200" b="1" i="0" kern="1200" smtClean="0">
+                <a:solidFill>
+                  <a:schemeClr val="tx1"/>
+                </a:solidFill>
+                <a:effectLst/>
+                <a:latin typeface="+mn-lt"/>
+                <a:ea typeface="+mn-ea"/>
+                <a:cs typeface="+mn-cs"/>
+                <a:hlinkClick r:id="rId3"/>
+              </a:rPr>
+              <a:t>Application programming interface</a:t>
+            </a:r>
+            <a:r>
+              <a:rPr lang="en-US" sz="1200" b="0" i="0" kern="1200" smtClean="0">
+                <a:solidFill>
+                  <a:schemeClr val="tx1"/>
+                </a:solidFill>
+                <a:effectLst/>
+                <a:latin typeface="+mn-lt"/>
+                <a:ea typeface="+mn-ea"/>
+                <a:cs typeface="+mn-cs"/>
+              </a:rPr>
+              <a:t>)</a:t>
+            </a:r>
+          </a:p>
+        </p:txBody>
+      </p:sp>
+      <p:sp>
+        <p:nvSpPr>
+          <p:cNvPr id="4" name="Slide Number Placeholder 3"/>
+          <p:cNvSpPr>
+            <a:spLocks noGrp="1"/>
+          </p:cNvSpPr>
+          <p:nvPr>
+            <p:ph type="sldNum" sz="quarter" idx="10"/>
+          </p:nvPr>
+        </p:nvSpPr>
+        <p:spPr/>
+        <p:txBody>
+          <a:bodyPr/>
+          <a:lstStyle/>
+          <a:p>
+            <a:fld id="{B5254392-1531-43D2-94F5-336C9745D357}" type="slidenum">
+              <a:rPr lang="en-US" smtClean="0"/>
+              <a:t>20</a:t>
+            </a:fld>
+            <a:endParaRPr lang="en-US"/>
+          </a:p>
+        </p:txBody>
+      </p:sp>
+    </p:spTree>
+    <p:extLst>
+      <p:ext uri="{BB962C8B-B14F-4D97-AF65-F5344CB8AC3E}">
+        <p14:creationId xmlns:p14="http://schemas.microsoft.com/office/powerpoint/2010/main" val="379317495"/>
+      </p:ext>
+    </p:extLst>
+  </p:cSld>
+  <p:clrMapOvr>
+    <a:masterClrMapping/>
+  </p:clrMapOvr>
+</p:notes>
+</file>
+
+<file path=ppt/notesSlides/notesSlide16.xml><?xml version="1.0" encoding="utf-8"?>
+<p:notes xmlns:a="http://schemas.openxmlformats.org/drawingml/2006/main" xmlns:r="http://schemas.openxmlformats.org/officeDocument/2006/relationships" xmlns:p="http://schemas.openxmlformats.org/presentationml/2006/main">
+  <p:cSld>
+    <p:spTree>
+      <p:nvGrpSpPr>
+        <p:cNvPr id="1" name=""/>
+        <p:cNvGrpSpPr/>
+        <p:nvPr/>
+      </p:nvGrpSpPr>
+      <p:grpSpPr>
+        <a:xfrm>
+          <a:off x="0" y="0"/>
+          <a:ext cx="0" cy="0"/>
+          <a:chOff x="0" y="0"/>
+          <a:chExt cx="0" cy="0"/>
+        </a:xfrm>
+      </p:grpSpPr>
+      <p:sp>
+        <p:nvSpPr>
+          <p:cNvPr id="2" name="Slide Image Placeholder 1"/>
+          <p:cNvSpPr>
+            <a:spLocks noGrp="1" noRot="1" noChangeAspect="1"/>
+          </p:cNvSpPr>
+          <p:nvPr>
+            <p:ph type="sldImg"/>
+          </p:nvPr>
+        </p:nvSpPr>
+        <p:spPr/>
+      </p:sp>
+      <p:sp>
+        <p:nvSpPr>
+          <p:cNvPr id="3" name="Notes Placeholder 2"/>
+          <p:cNvSpPr>
+            <a:spLocks noGrp="1"/>
+          </p:cNvSpPr>
+          <p:nvPr>
+            <p:ph type="body" idx="1"/>
+          </p:nvPr>
+        </p:nvSpPr>
+        <p:spPr/>
+        <p:txBody>
+          <a:bodyPr/>
+          <a:lstStyle/>
+          <a:p>
+            <a:pPr marL="0" marR="0" indent="0" algn="l" defTabSz="914400" rtl="0" eaLnBrk="1" fontAlgn="auto" latinLnBrk="0" hangingPunct="1">
+              <a:lnSpc>
+                <a:spcPct val="100000"/>
+              </a:lnSpc>
+              <a:spcBef>
+                <a:spcPts val="0"/>
+              </a:spcBef>
+              <a:spcAft>
+                <a:spcPts val="0"/>
+              </a:spcAft>
+              <a:buClrTx/>
+              <a:buSzTx/>
+              <a:buFontTx/>
+              <a:buNone/>
+              <a:tabLst/>
+              <a:defRPr/>
+            </a:pPr>
+            <a:r>
+              <a:rPr lang="en-US" smtClean="0"/>
+              <a:t>API (</a:t>
+            </a:r>
+            <a:r>
+              <a:rPr lang="en-US" sz="1200" b="1" i="0" kern="1200" smtClean="0">
+                <a:solidFill>
+                  <a:schemeClr val="tx1"/>
+                </a:solidFill>
+                <a:effectLst/>
+                <a:latin typeface="+mn-lt"/>
+                <a:ea typeface="+mn-ea"/>
+                <a:cs typeface="+mn-cs"/>
+                <a:hlinkClick r:id="rId3"/>
+              </a:rPr>
+              <a:t>Application programming interface</a:t>
+            </a:r>
+            <a:r>
+              <a:rPr lang="en-US" sz="1200" b="0" i="0" kern="1200" smtClean="0">
+                <a:solidFill>
+                  <a:schemeClr val="tx1"/>
+                </a:solidFill>
+                <a:effectLst/>
+                <a:latin typeface="+mn-lt"/>
+                <a:ea typeface="+mn-ea"/>
+                <a:cs typeface="+mn-cs"/>
+              </a:rPr>
+              <a:t>)</a:t>
+            </a:r>
+          </a:p>
+        </p:txBody>
+      </p:sp>
+      <p:sp>
+        <p:nvSpPr>
+          <p:cNvPr id="4" name="Slide Number Placeholder 3"/>
+          <p:cNvSpPr>
+            <a:spLocks noGrp="1"/>
+          </p:cNvSpPr>
+          <p:nvPr>
+            <p:ph type="sldNum" sz="quarter" idx="10"/>
+          </p:nvPr>
+        </p:nvSpPr>
+        <p:spPr/>
+        <p:txBody>
+          <a:bodyPr/>
+          <a:lstStyle/>
+          <a:p>
+            <a:fld id="{B5254392-1531-43D2-94F5-336C9745D357}" type="slidenum">
+              <a:rPr lang="en-US" smtClean="0"/>
+              <a:t>21</a:t>
+            </a:fld>
+            <a:endParaRPr lang="en-US"/>
+          </a:p>
+        </p:txBody>
+      </p:sp>
+    </p:spTree>
+    <p:extLst>
+      <p:ext uri="{BB962C8B-B14F-4D97-AF65-F5344CB8AC3E}">
+        <p14:creationId xmlns:p14="http://schemas.microsoft.com/office/powerpoint/2010/main" val="2120258710"/>
       </p:ext>
     </p:extLst>
   </p:cSld>
@@ -649,7 +1339,7 @@
           <a:p>
             <a:fld id="{B5254392-1531-43D2-94F5-336C9745D357}" type="slidenum">
               <a:rPr lang="en-US" smtClean="0"/>
-              <a:t>7</a:t>
+              <a:t>4</a:t>
             </a:fld>
             <a:endParaRPr lang="en-US"/>
           </a:p>
@@ -658,7 +1348,7 @@
     </p:spTree>
     <p:extLst>
       <p:ext uri="{BB962C8B-B14F-4D97-AF65-F5344CB8AC3E}">
-        <p14:creationId xmlns:p14="http://schemas.microsoft.com/office/powerpoint/2010/main" val="2831650469"/>
+        <p14:creationId xmlns:p14="http://schemas.microsoft.com/office/powerpoint/2010/main" val="1039176592"/>
       </p:ext>
     </p:extLst>
   </p:cSld>
@@ -712,52 +1402,7 @@
           <a:bodyPr/>
           <a:lstStyle/>
           <a:p>
-            <a:pPr marL="0" marR="0" indent="0" algn="l" defTabSz="914400" rtl="0" eaLnBrk="1" fontAlgn="auto" latinLnBrk="0" hangingPunct="1">
-              <a:lnSpc>
-                <a:spcPct val="100000"/>
-              </a:lnSpc>
-              <a:spcBef>
-                <a:spcPts val="0"/>
-              </a:spcBef>
-              <a:spcAft>
-                <a:spcPts val="0"/>
-              </a:spcAft>
-              <a:buClrTx/>
-              <a:buSzTx/>
-              <a:buFontTx/>
-              <a:buNone/>
-              <a:tabLst/>
-              <a:defRPr/>
-            </a:pPr>
-            <a:r>
-              <a:rPr lang="en-US" smtClean="0"/>
-              <a:t>API (</a:t>
-            </a:r>
-            <a:r>
-              <a:rPr lang="en-US" sz="1200" b="1" i="0" kern="1200" smtClean="0">
-                <a:solidFill>
-                  <a:schemeClr val="tx1"/>
-                </a:solidFill>
-                <a:effectLst/>
-                <a:latin typeface="+mn-lt"/>
-                <a:ea typeface="+mn-ea"/>
-                <a:cs typeface="+mn-cs"/>
-                <a:hlinkClick r:id="rId3"/>
-              </a:rPr>
-              <a:t>Application programming interface</a:t>
-            </a:r>
-            <a:r>
-              <a:rPr lang="en-US" sz="1200" b="0" i="0" kern="1200" smtClean="0">
-                <a:solidFill>
-                  <a:schemeClr val="tx1"/>
-                </a:solidFill>
-                <a:effectLst/>
-                <a:latin typeface="+mn-lt"/>
-                <a:ea typeface="+mn-ea"/>
-                <a:cs typeface="+mn-cs"/>
-              </a:rPr>
-              <a:t>)</a:t>
-            </a:r>
+            <a:endParaRPr lang="en-US"/>
           </a:p>
         </p:txBody>
       </p:sp>
@@ -778,7 +1423,7 @@
           <a:p>
             <a:fld id="{B5254392-1531-43D2-94F5-336C9745D357}" type="slidenum">
               <a:rPr lang="en-US" smtClean="0"/>
-              <a:t>8</a:t>
+              <a:t>5</a:t>
             </a:fld>
             <a:endParaRPr lang="en-US"/>
           </a:p>
@@ -787,7 +1432,7 @@
     </p:spTree>
     <p:extLst>
       <p:ext uri="{BB962C8B-B14F-4D97-AF65-F5344CB8AC3E}">
-        <p14:creationId xmlns:p14="http://schemas.microsoft.com/office/powerpoint/2010/main" val="379317495"/>
+        <p14:creationId xmlns:p14="http://schemas.microsoft.com/office/powerpoint/2010/main" val="2454443525"/>
       </p:ext>
     </p:extLst>
   </p:cSld>
@@ -841,52 +1486,259 @@
           <a:bodyPr/>
           <a:lstStyle/>
           <a:p>
-            <a:pPr marL="0" marR="0" indent="0" algn="l" defTabSz="914400" rtl="0" eaLnBrk="1" fontAlgn="auto" latinLnBrk="0" hangingPunct="1">
-              <a:lnSpc>
-                <a:spcPct val="100000"/>
-              </a:lnSpc>
-              <a:spcBef>
-                <a:spcPts val="0"/>
-              </a:spcBef>
-              <a:spcAft>
-                <a:spcPts val="0"/>
-              </a:spcAft>
-              <a:buClrTx/>
-              <a:buSzTx/>
-              <a:buFontTx/>
-              <a:buNone/>
-              <a:tabLst/>
-              <a:defRPr/>
-            </a:pPr>
-            <a:r>
+            <a:endParaRPr lang="en-US"/>
+          </a:p>
+        </p:txBody>
+      </p:sp>
+      <p:sp>
+        <p:nvSpPr>
+          <p:cNvPr id="4" name="Slide Number Placeholder 3"/>
+          <p:cNvSpPr>
+            <a:spLocks noGrp="1"/>
+          </p:cNvSpPr>
+          <p:nvPr>
+            <p:ph type="sldNum" sz="quarter" idx="10"/>
+          </p:nvPr>
+        </p:nvSpPr>
+        <p:spPr/>
+        <p:txBody>
+          <a:bodyPr/>
+          <a:lstStyle/>
+          <a:p>
+            <a:fld id="{B5254392-1531-43D2-94F5-336C9745D357}" type="slidenum">
               <a:rPr lang="en-US" smtClean="0"/>
-              <a:t>API (</a:t>
-            </a:r>
-            <a:r>
-              <a:rPr lang="en-US" sz="1200" b="1" i="0" kern="1200" smtClean="0">
-                <a:solidFill>
-                  <a:schemeClr val="tx1"/>
-                </a:solidFill>
-                <a:effectLst/>
-                <a:latin typeface="+mn-lt"/>
-                <a:ea typeface="+mn-ea"/>
-                <a:cs typeface="+mn-cs"/>
-                <a:hlinkClick r:id="rId3"/>
-              </a:rPr>
-              <a:t>Application programming interface</a:t>
-            </a:r>
-            <a:r>
-              <a:rPr lang="en-US" sz="1200" b="0" i="0" kern="1200" smtClean="0">
-                <a:solidFill>
-                  <a:schemeClr val="tx1"/>
-                </a:solidFill>
-                <a:effectLst/>
-                <a:latin typeface="+mn-lt"/>
-                <a:ea typeface="+mn-ea"/>
-                <a:cs typeface="+mn-cs"/>
-              </a:rPr>
-              <a:t>)</a:t>
-            </a:r>
+              <a:t>6</a:t>
+            </a:fld>
+            <a:endParaRPr lang="en-US"/>
+          </a:p>
+        </p:txBody>
+      </p:sp>
+    </p:spTree>
+    <p:extLst>
+      <p:ext uri="{BB962C8B-B14F-4D97-AF65-F5344CB8AC3E}">
+        <p14:creationId xmlns:p14="http://schemas.microsoft.com/office/powerpoint/2010/main" val="2250531871"/>
+      </p:ext>
+    </p:extLst>
+  </p:cSld>
+  <p:clrMapOvr>
+    <a:masterClrMapping/>
+  </p:clrMapOvr>
+</p:notes>
+</file>
+
+<file path=ppt/notesSlides/notesSlide5.xml><?xml version="1.0" encoding="utf-8"?>
+<p:notes xmlns:a="http://schemas.openxmlformats.org/drawingml/2006/main" xmlns:r="http://schemas.openxmlformats.org/officeDocument/2006/relationships" xmlns:p="http://schemas.openxmlformats.org/presentationml/2006/main">
+  <p:cSld>
+    <p:spTree>
+      <p:nvGrpSpPr>
+        <p:cNvPr id="1" name=""/>
+        <p:cNvGrpSpPr/>
+        <p:nvPr/>
+      </p:nvGrpSpPr>
+      <p:grpSpPr>
+        <a:xfrm>
+          <a:off x="0" y="0"/>
+          <a:ext cx="0" cy="0"/>
+          <a:chOff x="0" y="0"/>
+          <a:chExt cx="0" cy="0"/>
+        </a:xfrm>
+      </p:grpSpPr>
+      <p:sp>
+        <p:nvSpPr>
+          <p:cNvPr id="2" name="Slide Image Placeholder 1"/>
+          <p:cNvSpPr>
+            <a:spLocks noGrp="1" noRot="1" noChangeAspect="1"/>
+          </p:cNvSpPr>
+          <p:nvPr>
+            <p:ph type="sldImg"/>
+          </p:nvPr>
+        </p:nvSpPr>
+        <p:spPr/>
+      </p:sp>
+      <p:sp>
+        <p:nvSpPr>
+          <p:cNvPr id="3" name="Notes Placeholder 2"/>
+          <p:cNvSpPr>
+            <a:spLocks noGrp="1"/>
+          </p:cNvSpPr>
+          <p:nvPr>
+            <p:ph type="body" idx="1"/>
+          </p:nvPr>
+        </p:nvSpPr>
+        <p:spPr/>
+        <p:txBody>
+          <a:bodyPr/>
+          <a:lstStyle/>
+          <a:p>
+            <a:endParaRPr lang="en-US"/>
+          </a:p>
+        </p:txBody>
+      </p:sp>
+      <p:sp>
+        <p:nvSpPr>
+          <p:cNvPr id="4" name="Slide Number Placeholder 3"/>
+          <p:cNvSpPr>
+            <a:spLocks noGrp="1"/>
+          </p:cNvSpPr>
+          <p:nvPr>
+            <p:ph type="sldNum" sz="quarter" idx="10"/>
+          </p:nvPr>
+        </p:nvSpPr>
+        <p:spPr/>
+        <p:txBody>
+          <a:bodyPr/>
+          <a:lstStyle/>
+          <a:p>
+            <a:fld id="{B5254392-1531-43D2-94F5-336C9745D357}" type="slidenum">
+              <a:rPr lang="en-US" smtClean="0"/>
+              <a:t>7</a:t>
+            </a:fld>
+            <a:endParaRPr lang="en-US"/>
+          </a:p>
+        </p:txBody>
+      </p:sp>
+    </p:spTree>
+    <p:extLst>
+      <p:ext uri="{BB962C8B-B14F-4D97-AF65-F5344CB8AC3E}">
+        <p14:creationId xmlns:p14="http://schemas.microsoft.com/office/powerpoint/2010/main" val="604151364"/>
+      </p:ext>
+    </p:extLst>
+  </p:cSld>
+  <p:clrMapOvr>
+    <a:masterClrMapping/>
+  </p:clrMapOvr>
+</p:notes>
+</file>
+
+<file path=ppt/notesSlides/notesSlide6.xml><?xml version="1.0" encoding="utf-8"?>
+<p:notes xmlns:a="http://schemas.openxmlformats.org/drawingml/2006/main" xmlns:r="http://schemas.openxmlformats.org/officeDocument/2006/relationships" xmlns:p="http://schemas.openxmlformats.org/presentationml/2006/main">
+  <p:cSld>
+    <p:spTree>
+      <p:nvGrpSpPr>
+        <p:cNvPr id="1" name=""/>
+        <p:cNvGrpSpPr/>
+        <p:nvPr/>
+      </p:nvGrpSpPr>
+      <p:grpSpPr>
+        <a:xfrm>
+          <a:off x="0" y="0"/>
+          <a:ext cx="0" cy="0"/>
+          <a:chOff x="0" y="0"/>
+          <a:chExt cx="0" cy="0"/>
+        </a:xfrm>
+      </p:grpSpPr>
+      <p:sp>
+        <p:nvSpPr>
+          <p:cNvPr id="2" name="Slide Image Placeholder 1"/>
+          <p:cNvSpPr>
+            <a:spLocks noGrp="1" noRot="1" noChangeAspect="1"/>
+          </p:cNvSpPr>
+          <p:nvPr>
+            <p:ph type="sldImg"/>
+          </p:nvPr>
+        </p:nvSpPr>
+        <p:spPr/>
+      </p:sp>
+      <p:sp>
+        <p:nvSpPr>
+          <p:cNvPr id="3" name="Notes Placeholder 2"/>
+          <p:cNvSpPr>
+            <a:spLocks noGrp="1"/>
+          </p:cNvSpPr>
+          <p:nvPr>
+            <p:ph type="body" idx="1"/>
+          </p:nvPr>
+        </p:nvSpPr>
+        <p:spPr/>
+        <p:txBody>
+          <a:bodyPr/>
+          <a:lstStyle/>
+          <a:p>
+            <a:endParaRPr lang="en-US"/>
+          </a:p>
+        </p:txBody>
+      </p:sp>
+      <p:sp>
+        <p:nvSpPr>
+          <p:cNvPr id="4" name="Slide Number Placeholder 3"/>
+          <p:cNvSpPr>
+            <a:spLocks noGrp="1"/>
+          </p:cNvSpPr>
+          <p:nvPr>
+            <p:ph type="sldNum" sz="quarter" idx="10"/>
+          </p:nvPr>
+        </p:nvSpPr>
+        <p:spPr/>
+        <p:txBody>
+          <a:bodyPr/>
+          <a:lstStyle/>
+          <a:p>
+            <a:fld id="{B5254392-1531-43D2-94F5-336C9745D357}" type="slidenum">
+              <a:rPr lang="en-US" smtClean="0"/>
+              <a:t>8</a:t>
+            </a:fld>
+            <a:endParaRPr lang="en-US"/>
+          </a:p>
+        </p:txBody>
+      </p:sp>
+    </p:spTree>
+    <p:extLst>
+      <p:ext uri="{BB962C8B-B14F-4D97-AF65-F5344CB8AC3E}">
+        <p14:creationId xmlns:p14="http://schemas.microsoft.com/office/powerpoint/2010/main" val="1755392005"/>
+      </p:ext>
+    </p:extLst>
+  </p:cSld>
+  <p:clrMapOvr>
+    <a:masterClrMapping/>
+  </p:clrMapOvr>
+</p:notes>
+</file>
+
+<file path=ppt/notesSlides/notesSlide7.xml><?xml version="1.0" encoding="utf-8"?>
+<p:notes xmlns:a="http://schemas.openxmlformats.org/drawingml/2006/main" xmlns:r="http://schemas.openxmlformats.org/officeDocument/2006/relationships" xmlns:p="http://schemas.openxmlformats.org/presentationml/2006/main">
+  <p:cSld>
+    <p:spTree>
+      <p:nvGrpSpPr>
+        <p:cNvPr id="1" name=""/>
+        <p:cNvGrpSpPr/>
+        <p:nvPr/>
+      </p:nvGrpSpPr>
+      <p:grpSpPr>
+        <a:xfrm>
+          <a:off x="0" y="0"/>
+          <a:ext cx="0" cy="0"/>
+          <a:chOff x="0" y="0"/>
+          <a:chExt cx="0" cy="0"/>
+        </a:xfrm>
+      </p:grpSpPr>
+      <p:sp>
+        <p:nvSpPr>
+          <p:cNvPr id="2" name="Slide Image Placeholder 1"/>
+          <p:cNvSpPr>
+            <a:spLocks noGrp="1" noRot="1" noChangeAspect="1"/>
+          </p:cNvSpPr>
+          <p:nvPr>
+            <p:ph type="sldImg"/>
+          </p:nvPr>
+        </p:nvSpPr>
+        <p:spPr/>
+      </p:sp>
+      <p:sp>
+        <p:nvSpPr>
+          <p:cNvPr id="3" name="Notes Placeholder 2"/>
+          <p:cNvSpPr>
+            <a:spLocks noGrp="1"/>
+          </p:cNvSpPr>
+          <p:nvPr>
+            <p:ph type="body" idx="1"/>
+          </p:nvPr>
+        </p:nvSpPr>
+        <p:spPr/>
+        <p:txBody>
+          <a:bodyPr/>
+          <a:lstStyle/>
+          <a:p>
+            <a:endParaRPr lang="en-US"/>
           </a:p>
         </p:txBody>
       </p:sp>
@@ -916,7 +1768,175 @@
     </p:spTree>
     <p:extLst>
       <p:ext uri="{BB962C8B-B14F-4D97-AF65-F5344CB8AC3E}">
-        <p14:creationId xmlns:p14="http://schemas.microsoft.com/office/powerpoint/2010/main" val="2120258710"/>
+        <p14:creationId xmlns:p14="http://schemas.microsoft.com/office/powerpoint/2010/main" val="3779624313"/>
+      </p:ext>
+    </p:extLst>
+  </p:cSld>
+  <p:clrMapOvr>
+    <a:masterClrMapping/>
+  </p:clrMapOvr>
+</p:notes>
+</file>
+
+<file path=ppt/notesSlides/notesSlide8.xml><?xml version="1.0" encoding="utf-8"?>
+<p:notes xmlns:a="http://schemas.openxmlformats.org/drawingml/2006/main" xmlns:r="http://schemas.openxmlformats.org/officeDocument/2006/relationships" xmlns:p="http://schemas.openxmlformats.org/presentationml/2006/main">
+  <p:cSld>
+    <p:spTree>
+      <p:nvGrpSpPr>
+        <p:cNvPr id="1" name=""/>
+        <p:cNvGrpSpPr/>
+        <p:nvPr/>
+      </p:nvGrpSpPr>
+      <p:grpSpPr>
+        <a:xfrm>
+          <a:off x="0" y="0"/>
+          <a:ext cx="0" cy="0"/>
+          <a:chOff x="0" y="0"/>
+          <a:chExt cx="0" cy="0"/>
+        </a:xfrm>
+      </p:grpSpPr>
+      <p:sp>
+        <p:nvSpPr>
+          <p:cNvPr id="2" name="Slide Image Placeholder 1"/>
+          <p:cNvSpPr>
+            <a:spLocks noGrp="1" noRot="1" noChangeAspect="1"/>
+          </p:cNvSpPr>
+          <p:nvPr>
+            <p:ph type="sldImg"/>
+          </p:nvPr>
+        </p:nvSpPr>
+        <p:spPr/>
+      </p:sp>
+      <p:sp>
+        <p:nvSpPr>
+          <p:cNvPr id="3" name="Notes Placeholder 2"/>
+          <p:cNvSpPr>
+            <a:spLocks noGrp="1"/>
+          </p:cNvSpPr>
+          <p:nvPr>
+            <p:ph type="body" idx="1"/>
+          </p:nvPr>
+        </p:nvSpPr>
+        <p:spPr/>
+        <p:txBody>
+          <a:bodyPr/>
+          <a:lstStyle/>
+          <a:p>
+            <a:endParaRPr lang="en-US"/>
+          </a:p>
+        </p:txBody>
+      </p:sp>
+      <p:sp>
+        <p:nvSpPr>
+          <p:cNvPr id="4" name="Slide Number Placeholder 3"/>
+          <p:cNvSpPr>
+            <a:spLocks noGrp="1"/>
+          </p:cNvSpPr>
+          <p:nvPr>
+            <p:ph type="sldNum" sz="quarter" idx="10"/>
+          </p:nvPr>
+        </p:nvSpPr>
+        <p:spPr/>
+        <p:txBody>
+          <a:bodyPr/>
+          <a:lstStyle/>
+          <a:p>
+            <a:fld id="{B5254392-1531-43D2-94F5-336C9745D357}" type="slidenum">
+              <a:rPr lang="en-US" smtClean="0"/>
+              <a:t>10</a:t>
+            </a:fld>
+            <a:endParaRPr lang="en-US"/>
+          </a:p>
+        </p:txBody>
+      </p:sp>
+    </p:spTree>
+    <p:extLst>
+      <p:ext uri="{BB962C8B-B14F-4D97-AF65-F5344CB8AC3E}">
+        <p14:creationId xmlns:p14="http://schemas.microsoft.com/office/powerpoint/2010/main" val="3338172574"/>
+      </p:ext>
+    </p:extLst>
+  </p:cSld>
+  <p:clrMapOvr>
+    <a:masterClrMapping/>
+  </p:clrMapOvr>
+</p:notes>
+</file>
+
+<file path=ppt/notesSlides/notesSlide9.xml><?xml version="1.0" encoding="utf-8"?>
+<p:notes xmlns:a="http://schemas.openxmlformats.org/drawingml/2006/main" xmlns:r="http://schemas.openxmlformats.org/officeDocument/2006/relationships" xmlns:p="http://schemas.openxmlformats.org/presentationml/2006/main">
+  <p:cSld>
+    <p:spTree>
+      <p:nvGrpSpPr>
+        <p:cNvPr id="1" name=""/>
+        <p:cNvGrpSpPr/>
+        <p:nvPr/>
+      </p:nvGrpSpPr>
+      <p:grpSpPr>
+        <a:xfrm>
+          <a:off x="0" y="0"/>
+          <a:ext cx="0" cy="0"/>
+          <a:chOff x="0" y="0"/>
+          <a:chExt cx="0" cy="0"/>
+        </a:xfrm>
+      </p:grpSpPr>
+      <p:sp>
+        <p:nvSpPr>
+          <p:cNvPr id="2" name="Slide Image Placeholder 1"/>
+          <p:cNvSpPr>
+            <a:spLocks noGrp="1" noRot="1" noChangeAspect="1"/>
+          </p:cNvSpPr>
+          <p:nvPr>
+            <p:ph type="sldImg"/>
+          </p:nvPr>
+        </p:nvSpPr>
+        <p:spPr/>
+      </p:sp>
+      <p:sp>
+        <p:nvSpPr>
+          <p:cNvPr id="3" name="Notes Placeholder 2"/>
+          <p:cNvSpPr>
+            <a:spLocks noGrp="1"/>
+          </p:cNvSpPr>
+          <p:nvPr>
+            <p:ph type="body" idx="1"/>
+          </p:nvPr>
+        </p:nvSpPr>
+        <p:spPr/>
+        <p:txBody>
+          <a:bodyPr/>
+          <a:lstStyle/>
+          <a:p>
+            <a:endParaRPr lang="en-US"/>
+          </a:p>
+        </p:txBody>
+      </p:sp>
+      <p:sp>
+        <p:nvSpPr>
+          <p:cNvPr id="4" name="Slide Number Placeholder 3"/>
+          <p:cNvSpPr>
+            <a:spLocks noGrp="1"/>
+          </p:cNvSpPr>
+          <p:nvPr>
+            <p:ph type="sldNum" sz="quarter" idx="10"/>
+          </p:nvPr>
+        </p:nvSpPr>
+        <p:spPr/>
+        <p:txBody>
+          <a:bodyPr/>
+          <a:lstStyle/>
+          <a:p>
+            <a:fld id="{B5254392-1531-43D2-94F5-336C9745D357}" type="slidenum">
+              <a:rPr lang="en-US" smtClean="0"/>
+              <a:t>11</a:t>
+            </a:fld>
+            <a:endParaRPr lang="en-US"/>
+          </a:p>
+        </p:txBody>
+      </p:sp>
+    </p:spTree>
+    <p:extLst>
+      <p:ext uri="{BB962C8B-B14F-4D97-AF65-F5344CB8AC3E}">
+        <p14:creationId xmlns:p14="http://schemas.microsoft.com/office/powerpoint/2010/main" val="745883819"/>
       </p:ext>
     </p:extLst>
   </p:cSld>
@@ -1833,7 +2853,7 @@
             <a:fld id="{58F9BFDF-4CE1-48F8-B8FC-2855FFBFC5D7}" type="datetimeFigureOut">
               <a:rPr lang="en-GB" smtClean="0"/>
               <a:pPr/>
-              <a:t>12/11/2013</a:t>
+              <a:t>13/11/2013</a:t>
             </a:fld>
             <a:endParaRPr lang="en-GB" dirty="0"/>
           </a:p>
@@ -2399,7 +3419,7 @@
             <a:fld id="{58F9BFDF-4CE1-48F8-B8FC-2855FFBFC5D7}" type="datetimeFigureOut">
               <a:rPr lang="en-GB" smtClean="0"/>
               <a:pPr/>
-              <a:t>12/11/2013</a:t>
+              <a:t>13/11/2013</a:t>
             </a:fld>
             <a:endParaRPr lang="en-GB" dirty="0"/>
           </a:p>
@@ -2909,7 +3929,7 @@
             <a:fld id="{58F9BFDF-4CE1-48F8-B8FC-2855FFBFC5D7}" type="datetimeFigureOut">
               <a:rPr lang="en-GB" smtClean="0"/>
               <a:pPr/>
-              <a:t>12/11/2013</a:t>
+              <a:t>13/11/2013</a:t>
             </a:fld>
             <a:endParaRPr lang="en-GB" dirty="0"/>
           </a:p>
@@ -3389,7 +4409,7 @@
             <a:fld id="{58F9BFDF-4CE1-48F8-B8FC-2855FFBFC5D7}" type="datetimeFigureOut">
               <a:rPr lang="en-GB" smtClean="0"/>
               <a:pPr/>
-              <a:t>12/11/2013</a:t>
+              <a:t>13/11/2013</a:t>
             </a:fld>
             <a:endParaRPr lang="en-GB" dirty="0"/>
           </a:p>
@@ -3845,7 +4865,7 @@
             <a:fld id="{58F9BFDF-4CE1-48F8-B8FC-2855FFBFC5D7}" type="datetimeFigureOut">
               <a:rPr lang="en-GB" smtClean="0"/>
               <a:pPr/>
-              <a:t>12/11/2013</a:t>
+              <a:t>13/11/2013</a:t>
             </a:fld>
             <a:endParaRPr lang="en-GB" dirty="0"/>
           </a:p>
@@ -4683,7 +5703,7 @@
             <a:fld id="{58F9BFDF-4CE1-48F8-B8FC-2855FFBFC5D7}" type="datetimeFigureOut">
               <a:rPr lang="en-GB" smtClean="0"/>
               <a:pPr/>
-              <a:t>12/11/2013</a:t>
+              <a:t>13/11/2013</a:t>
             </a:fld>
             <a:endParaRPr lang="en-GB" dirty="0"/>
           </a:p>
@@ -5621,7 +6641,7 @@
             <a:fld id="{58F9BFDF-4CE1-48F8-B8FC-2855FFBFC5D7}" type="datetimeFigureOut">
               <a:rPr lang="en-GB" smtClean="0"/>
               <a:pPr/>
-              <a:t>12/11/2013</a:t>
+              <a:t>13/11/2013</a:t>
             </a:fld>
             <a:endParaRPr lang="en-GB" dirty="0"/>
           </a:p>
@@ -8190,7 +9210,7 @@
             <a:fld id="{58F9BFDF-4CE1-48F8-B8FC-2855FFBFC5D7}" type="datetimeFigureOut">
               <a:rPr lang="en-GB" smtClean="0"/>
               <a:pPr/>
-              <a:t>12/11/2013</a:t>
+              <a:t>13/11/2013</a:t>
             </a:fld>
             <a:endParaRPr lang="en-GB" dirty="0"/>
           </a:p>
@@ -8436,7 +9456,7 @@
             <a:fld id="{58F9BFDF-4CE1-48F8-B8FC-2855FFBFC5D7}" type="datetimeFigureOut">
               <a:rPr lang="en-GB" smtClean="0"/>
               <a:pPr/>
-              <a:t>12/11/2013</a:t>
+              <a:t>13/11/2013</a:t>
             </a:fld>
             <a:endParaRPr lang="en-GB"/>
           </a:p>
@@ -8900,18 +9920,7 @@
             <a:pPr algn="r"/>
             <a:r>
               <a:rPr lang="en-US" smtClean="0"/>
-              <a:t>Hibernate +</a:t>
-            </a:r>
-            <a:r>
-              <a:rPr lang="en-US"/>
-              <a:t/>
-            </a:r>
-            <a:br>
-              <a:rPr lang="en-US"/>
-            </a:br>
-            <a:r>
-              <a:rPr lang="en-US" smtClean="0"/>
-              <a:t>Maven</a:t>
+              <a:t>Training Week 1</a:t>
             </a:r>
             <a:endParaRPr lang="en-US"/>
           </a:p>
@@ -8956,7 +9965,7 @@
       </p:grpSpPr>
       <p:sp>
         <p:nvSpPr>
-          <p:cNvPr id="4" name="Title 3"/>
+          <p:cNvPr id="7" name="Title 6"/>
           <p:cNvSpPr>
             <a:spLocks noGrp="1"/>
           </p:cNvSpPr>
@@ -8966,273 +9975,60 @@
         </p:nvSpPr>
         <p:spPr/>
         <p:txBody>
-          <a:bodyPr/>
+          <a:bodyPr>
+            <a:normAutofit/>
+          </a:bodyPr>
           <a:lstStyle/>
           <a:p>
             <a:r>
-              <a:rPr lang="en-GB" dirty="0" smtClean="0"/>
-              <a:t>Thank you</a:t>
-            </a:r>
-            <a:r>
-              <a:rPr lang="en-GB" smtClean="0"/>
-              <a:t/>
-            </a:r>
-            <a:br>
-              <a:rPr lang="en-GB" smtClean="0"/>
-            </a:br>
-            <a:endParaRPr lang="en-GB" dirty="0">
-              <a:solidFill>
-                <a:srgbClr val="422F20"/>
-              </a:solidFill>
-            </a:endParaRPr>
+              <a:rPr lang="en-US" b="1" smtClean="0"/>
+              <a:t>Làm việc như thế nào</a:t>
+            </a:r>
+            <a:endParaRPr lang="en-US"/>
           </a:p>
         </p:txBody>
       </p:sp>
       <p:pic>
         <p:nvPicPr>
-          <p:cNvPr id="11" name="Picture Placeholder 10"/>
+          <p:cNvPr id="4" name="Content Placeholder 3" descr="http://lmt.com.vn/home/images/content_category/PHP/T9_2012/mvc-lam-viec-nhu-the-nao.jpg"/>
           <p:cNvPicPr>
-            <a:picLocks noGrp="1" noChangeAspect="1"/>
+            <a:picLocks noGrp="1"/>
           </p:cNvPicPr>
           <p:nvPr>
-            <p:ph type="pic" sz="quarter" idx="10"/>
+            <p:ph idx="1"/>
           </p:nvPr>
         </p:nvPicPr>
         <p:blipFill>
-          <a:blip r:embed="rId2" cstate="print">
+          <a:blip r:embed="rId3">
             <a:extLst>
               <a:ext uri="{28A0092B-C50C-407E-A947-70E740481C1C}">
                 <a14:useLocalDpi xmlns:a14="http://schemas.microsoft.com/office/drawing/2010/main" val="0"/>
               </a:ext>
             </a:extLst>
           </a:blip>
-          <a:srcRect l="42466" r="42466"/>
+          <a:srcRect/>
           <a:stretch>
             <a:fillRect/>
           </a:stretch>
         </p:blipFill>
-        <p:spPr/>
+        <p:spPr bwMode="auto">
+          <a:xfrm>
+            <a:off x="1729740" y="1702434"/>
+            <a:ext cx="5684520" cy="3235325"/>
+          </a:xfrm>
+          <a:prstGeom prst="rect">
+            <a:avLst/>
+          </a:prstGeom>
+          <a:noFill/>
+          <a:ln>
+            <a:noFill/>
+          </a:ln>
+        </p:spPr>
       </p:pic>
-      <p:sp>
-        <p:nvSpPr>
-          <p:cNvPr id="2" name="Subtitle 1"/>
-          <p:cNvSpPr>
-            <a:spLocks noGrp="1"/>
-          </p:cNvSpPr>
-          <p:nvPr>
-            <p:ph type="subTitle" idx="1"/>
-          </p:nvPr>
-        </p:nvSpPr>
-        <p:spPr/>
-        <p:txBody>
-          <a:bodyPr/>
-          <a:lstStyle/>
-          <a:p>
-            <a:endParaRPr lang="en-US"/>
-          </a:p>
-        </p:txBody>
-      </p:sp>
     </p:spTree>
     <p:extLst>
       <p:ext uri="{BB962C8B-B14F-4D97-AF65-F5344CB8AC3E}">
-        <p14:creationId xmlns:p14="http://schemas.microsoft.com/office/powerpoint/2010/main" val="2714980414"/>
-      </p:ext>
-    </p:extLst>
-  </p:cSld>
-  <p:clrMapOvr>
-    <a:masterClrMapping/>
-  </p:clrMapOvr>
-  <p:timing>
-    <p:tnLst>
-      <p:par>
-        <p:cTn id="1" dur="indefinite" restart="never" nodeType="tmRoot">
-          <p:childTnLst>
-            <p:seq concurrent="1" nextAc="seek">
-              <p:cTn id="2" dur="indefinite" nodeType="mainSeq">
-                <p:childTnLst>
-                  <p:par>
-                    <p:cTn id="3" fill="hold">
-                      <p:stCondLst>
-                        <p:cond delay="indefinite"/>
-                        <p:cond evt="onBegin" delay="0">
-                          <p:tn val="2"/>
-                        </p:cond>
-                      </p:stCondLst>
-                      <p:childTnLst>
-                        <p:par>
-                          <p:cTn id="4" fill="hold">
-                            <p:stCondLst>
-                              <p:cond delay="0"/>
-                            </p:stCondLst>
-                            <p:childTnLst>
-                              <p:par>
-                                <p:cTn id="5" presetID="22" presetClass="entr" presetSubtype="8" fill="hold" grpId="0" nodeType="withEffect">
-                                  <p:stCondLst>
-                                    <p:cond delay="0"/>
-                                  </p:stCondLst>
-                                  <p:iterate type="wd">
-                                    <p:tmPct val="10000"/>
-                                  </p:iterate>
-                                  <p:childTnLst>
-                                    <p:set>
-                                      <p:cBhvr>
-                                        <p:cTn id="6" dur="1" fill="hold">
-                                          <p:stCondLst>
-                                            <p:cond delay="0"/>
-                                          </p:stCondLst>
-                                        </p:cTn>
-                                        <p:tgtEl>
-                                          <p:spTgt spid="4"/>
-                                        </p:tgtEl>
-                                        <p:attrNameLst>
-                                          <p:attrName>style.visibility</p:attrName>
-                                        </p:attrNameLst>
-                                      </p:cBhvr>
-                                      <p:to>
-                                        <p:strVal val="visible"/>
-                                      </p:to>
-                                    </p:set>
-                                    <p:animEffect transition="in" filter="wipe(left)">
-                                      <p:cBhvr>
-                                        <p:cTn id="7" dur="500"/>
-                                        <p:tgtEl>
-                                          <p:spTgt spid="4"/>
-                                        </p:tgtEl>
-                                      </p:cBhvr>
-                                    </p:animEffect>
-                                  </p:childTnLst>
-                                </p:cTn>
-                              </p:par>
-                            </p:childTnLst>
-                          </p:cTn>
-                        </p:par>
-                      </p:childTnLst>
-                    </p:cTn>
-                  </p:par>
-                </p:childTnLst>
-              </p:cTn>
-              <p:prevCondLst>
-                <p:cond evt="onPrev" delay="0">
-                  <p:tgtEl>
-                    <p:sldTgt/>
-                  </p:tgtEl>
-                </p:cond>
-              </p:prevCondLst>
-              <p:nextCondLst>
-                <p:cond evt="onNext" delay="0">
-                  <p:tgtEl>
-                    <p:sldTgt/>
-                  </p:tgtEl>
-                </p:cond>
-              </p:nextCondLst>
-            </p:seq>
-          </p:childTnLst>
-        </p:cTn>
-      </p:par>
-    </p:tnLst>
-    <p:bldLst>
-      <p:bldP spid="4" grpId="0"/>
-    </p:bldLst>
-  </p:timing>
-</p:sld>
-</file>
-
-<file path=ppt/slides/slide2.xml><?xml version="1.0" encoding="utf-8"?>
-<p:sld xmlns:a="http://schemas.openxmlformats.org/drawingml/2006/main" xmlns:r="http://schemas.openxmlformats.org/officeDocument/2006/relationships" xmlns:p="http://schemas.openxmlformats.org/presentationml/2006/main">
-  <p:cSld>
-    <p:spTree>
-      <p:nvGrpSpPr>
-        <p:cNvPr id="1" name=""/>
-        <p:cNvGrpSpPr/>
-        <p:nvPr/>
-      </p:nvGrpSpPr>
-      <p:grpSpPr>
-        <a:xfrm>
-          <a:off x="0" y="0"/>
-          <a:ext cx="0" cy="0"/>
-          <a:chOff x="0" y="0"/>
-          <a:chExt cx="0" cy="0"/>
-        </a:xfrm>
-      </p:grpSpPr>
-      <p:sp>
-        <p:nvSpPr>
-          <p:cNvPr id="7" name="Title 6"/>
-          <p:cNvSpPr>
-            <a:spLocks noGrp="1"/>
-          </p:cNvSpPr>
-          <p:nvPr>
-            <p:ph type="title"/>
-          </p:nvPr>
-        </p:nvSpPr>
-        <p:spPr/>
-        <p:txBody>
-          <a:bodyPr/>
-          <a:lstStyle/>
-          <a:p>
-            <a:r>
-              <a:rPr lang="en-GB" smtClean="0"/>
-              <a:t>Nội Dung</a:t>
-            </a:r>
-            <a:endParaRPr lang="en-GB" dirty="0"/>
-          </a:p>
-        </p:txBody>
-      </p:sp>
-      <p:sp>
-        <p:nvSpPr>
-          <p:cNvPr id="9" name="Content Placeholder 8"/>
-          <p:cNvSpPr>
-            <a:spLocks noGrp="1"/>
-          </p:cNvSpPr>
-          <p:nvPr>
-            <p:ph idx="1"/>
-          </p:nvPr>
-        </p:nvSpPr>
-        <p:spPr>
-          <a:xfrm>
-            <a:off x="457200" y="926593"/>
-            <a:ext cx="8229600" cy="4178544"/>
-          </a:xfrm>
-        </p:spPr>
-        <p:txBody>
-          <a:bodyPr/>
-          <a:lstStyle/>
-          <a:p>
-            <a:pPr>
-              <a:lnSpc>
-                <a:spcPct val="200000"/>
-              </a:lnSpc>
-              <a:buFont typeface="Wingdings" panose="05000000000000000000" pitchFamily="2" charset="2"/>
-              <a:buChar char="q"/>
-            </a:pPr>
-            <a:r>
-              <a:rPr lang="en-GB" smtClean="0"/>
-              <a:t>Giới thiệu về Maven</a:t>
-            </a:r>
-          </a:p>
-          <a:p>
-            <a:pPr>
-              <a:lnSpc>
-                <a:spcPct val="200000"/>
-              </a:lnSpc>
-              <a:buFont typeface="Wingdings" panose="05000000000000000000" pitchFamily="2" charset="2"/>
-              <a:buChar char="q"/>
-            </a:pPr>
-            <a:r>
-              <a:rPr lang="en-GB" smtClean="0"/>
-              <a:t>Giới thiệu về </a:t>
-            </a:r>
-            <a:r>
-              <a:rPr lang="en-US"/>
-              <a:t>Hibernate framework </a:t>
-            </a:r>
-            <a:endParaRPr lang="en-GB" smtClean="0"/>
-          </a:p>
-        </p:txBody>
-      </p:sp>
-    </p:spTree>
-    <p:extLst>
-      <p:ext uri="{BB962C8B-B14F-4D97-AF65-F5344CB8AC3E}">
-        <p14:creationId xmlns:p14="http://schemas.microsoft.com/office/powerpoint/2010/main" val="3519353775"/>
+        <p14:creationId xmlns:p14="http://schemas.microsoft.com/office/powerpoint/2010/main" val="1478991276"/>
       </p:ext>
     </p:extLst>
   </p:cSld>
@@ -9297,25 +10093,198 @@
                                   </p:childTnLst>
                                 </p:cTn>
                               </p:par>
+                            </p:childTnLst>
+                          </p:cTn>
+                        </p:par>
+                      </p:childTnLst>
+                    </p:cTn>
+                  </p:par>
+                </p:childTnLst>
+              </p:cTn>
+              <p:prevCondLst>
+                <p:cond evt="onPrev" delay="0">
+                  <p:tgtEl>
+                    <p:sldTgt/>
+                  </p:tgtEl>
+                </p:cond>
+              </p:prevCondLst>
+              <p:nextCondLst>
+                <p:cond evt="onNext" delay="0">
+                  <p:tgtEl>
+                    <p:sldTgt/>
+                  </p:tgtEl>
+                </p:cond>
+              </p:nextCondLst>
+            </p:seq>
+          </p:childTnLst>
+        </p:cTn>
+      </p:par>
+    </p:tnLst>
+    <p:bldLst>
+      <p:bldP spid="7" grpId="0"/>
+    </p:bldLst>
+  </p:timing>
+</p:sld>
+</file>
+
+<file path=ppt/slides/slide11.xml><?xml version="1.0" encoding="utf-8"?>
+<p:sld xmlns:a="http://schemas.openxmlformats.org/drawingml/2006/main" xmlns:r="http://schemas.openxmlformats.org/officeDocument/2006/relationships" xmlns:p="http://schemas.openxmlformats.org/presentationml/2006/main">
+  <p:cSld>
+    <p:spTree>
+      <p:nvGrpSpPr>
+        <p:cNvPr id="1" name=""/>
+        <p:cNvGrpSpPr/>
+        <p:nvPr/>
+      </p:nvGrpSpPr>
+      <p:grpSpPr>
+        <a:xfrm>
+          <a:off x="0" y="0"/>
+          <a:ext cx="0" cy="0"/>
+          <a:chOff x="0" y="0"/>
+          <a:chExt cx="0" cy="0"/>
+        </a:xfrm>
+      </p:grpSpPr>
+      <p:sp>
+        <p:nvSpPr>
+          <p:cNvPr id="7" name="Title 6"/>
+          <p:cNvSpPr>
+            <a:spLocks noGrp="1"/>
+          </p:cNvSpPr>
+          <p:nvPr>
+            <p:ph type="title"/>
+          </p:nvPr>
+        </p:nvSpPr>
+        <p:spPr/>
+        <p:txBody>
+          <a:bodyPr>
+            <a:normAutofit/>
+          </a:bodyPr>
+          <a:lstStyle/>
+          <a:p>
+            <a:r>
+              <a:rPr lang="en-US" b="1" smtClean="0"/>
+              <a:t>Ưu – Nhược điểm</a:t>
+            </a:r>
+            <a:endParaRPr lang="en-US"/>
+          </a:p>
+        </p:txBody>
+      </p:sp>
+      <p:sp>
+        <p:nvSpPr>
+          <p:cNvPr id="2" name="Content Placeholder 1"/>
+          <p:cNvSpPr>
+            <a:spLocks noGrp="1"/>
+          </p:cNvSpPr>
+          <p:nvPr>
+            <p:ph idx="1"/>
+          </p:nvPr>
+        </p:nvSpPr>
+        <p:spPr>
+          <a:xfrm>
+            <a:off x="457200" y="1203961"/>
+            <a:ext cx="8229600" cy="3901176"/>
+          </a:xfrm>
+        </p:spPr>
+        <p:txBody>
+          <a:bodyPr/>
+          <a:lstStyle/>
+          <a:p>
+            <a:pPr>
+              <a:lnSpc>
+                <a:spcPct val="150000"/>
+              </a:lnSpc>
+            </a:pPr>
+            <a:r>
+              <a:rPr lang="vi-VN" smtClean="0"/>
+              <a:t>Ư</a:t>
+            </a:r>
+            <a:r>
+              <a:rPr lang="en-US" smtClean="0"/>
+              <a:t>u điểm:  </a:t>
+            </a:r>
+            <a:r>
+              <a:rPr lang="vi-VN" smtClean="0"/>
+              <a:t>Thể </a:t>
+            </a:r>
+            <a:r>
+              <a:rPr lang="vi-VN"/>
+              <a:t>hiện tính chuyên nghiệp trong lập trình, phân tích thiết kế. Do được chia thành các thành phần độc lập nên giúp phát triển ứng dụng nhanh, đơn giản, dễ nâng cấp, bảo trì..</a:t>
+            </a:r>
+            <a:endParaRPr lang="en-US"/>
+          </a:p>
+          <a:p>
+            <a:pPr>
+              <a:lnSpc>
+                <a:spcPct val="150000"/>
+              </a:lnSpc>
+            </a:pPr>
+            <a:r>
+              <a:rPr lang="en-US" smtClean="0"/>
+              <a:t>Nhược điểm: </a:t>
+            </a:r>
+            <a:r>
+              <a:rPr lang="vi-VN" smtClean="0"/>
+              <a:t>Đối </a:t>
+            </a:r>
+            <a:r>
+              <a:rPr lang="vi-VN"/>
+              <a:t>với dự án nhỏ việc áp dụng mô hình MC gây cồng kềnh, tốn thời gian trong quá trình phát triển. Tốn thời gian trung chuyển dữ liệu của các thành phần.</a:t>
+            </a:r>
+            <a:endParaRPr lang="en-US"/>
+          </a:p>
+          <a:p>
+            <a:endParaRPr lang="en-US"/>
+          </a:p>
+        </p:txBody>
+      </p:sp>
+    </p:spTree>
+    <p:extLst>
+      <p:ext uri="{BB962C8B-B14F-4D97-AF65-F5344CB8AC3E}">
+        <p14:creationId xmlns:p14="http://schemas.microsoft.com/office/powerpoint/2010/main" val="2461920971"/>
+      </p:ext>
+    </p:extLst>
+  </p:cSld>
+  <p:clrMapOvr>
+    <a:masterClrMapping/>
+  </p:clrMapOvr>
+  <p:timing>
+    <p:tnLst>
+      <p:par>
+        <p:cTn id="1" dur="indefinite" restart="never" nodeType="tmRoot">
+          <p:childTnLst>
+            <p:seq concurrent="1" nextAc="seek">
+              <p:cTn id="2" dur="indefinite" nodeType="mainSeq">
+                <p:childTnLst>
+                  <p:par>
+                    <p:cTn id="3" fill="hold">
+                      <p:stCondLst>
+                        <p:cond delay="indefinite"/>
+                        <p:cond evt="onBegin" delay="0">
+                          <p:tn val="2"/>
+                        </p:cond>
+                      </p:stCondLst>
+                      <p:childTnLst>
+                        <p:par>
+                          <p:cTn id="4" fill="hold">
+                            <p:stCondLst>
+                              <p:cond delay="0"/>
+                            </p:stCondLst>
+                            <p:childTnLst>
                               <p:par>
-                                <p:cTn id="8" presetID="10" presetClass="entr" presetSubtype="0" fill="hold" grpId="0" nodeType="withEffect">
+                                <p:cTn id="5" presetID="22" presetClass="entr" presetSubtype="8" fill="hold" grpId="0" nodeType="withEffect">
                                   <p:stCondLst>
                                     <p:cond delay="0"/>
                                   </p:stCondLst>
                                   <p:childTnLst>
                                     <p:set>
                                       <p:cBhvr>
-                                        <p:cTn id="9" dur="1" fill="hold">
+                                        <p:cTn id="6" dur="1" fill="hold">
                                           <p:stCondLst>
                                             <p:cond delay="0"/>
                                           </p:stCondLst>
                                         </p:cTn>
                                         <p:tgtEl>
-                                          <p:spTgt spid="9">
-                                            <p:txEl>
-                                              <p:pRg st="0" end="0"/>
-                                            </p:txEl>
-                                          </p:spTgt>
+                                          <p:spTgt spid="7"/>
                                         </p:tgtEl>
                                         <p:attrNameLst>
                                           <p:attrName>style.visibility</p:attrName>
@@ -9325,76 +10294,11 @@
                                         <p:strVal val="visible"/>
                                       </p:to>
                                     </p:set>
-                                    <p:animEffect transition="in" filter="fade">
+                                    <p:animEffect transition="in" filter="wipe(left)">
                                       <p:cBhvr>
-                                        <p:cTn id="10" dur="500"/>
+                                        <p:cTn id="7" dur="500"/>
                                         <p:tgtEl>
-                                          <p:spTgt spid="9">
-                                            <p:txEl>
-                                              <p:pRg st="0" end="0"/>
-                                            </p:txEl>
-                                          </p:spTgt>
-                                        </p:tgtEl>
-                                      </p:cBhvr>
-                                    </p:animEffect>
-                                  </p:childTnLst>
-                                </p:cTn>
-                              </p:par>
-                            </p:childTnLst>
-                          </p:cTn>
-                        </p:par>
-                      </p:childTnLst>
-                    </p:cTn>
-                  </p:par>
-                  <p:par>
-                    <p:cTn id="11" fill="hold">
-                      <p:stCondLst>
-                        <p:cond delay="indefinite"/>
-                      </p:stCondLst>
-                      <p:childTnLst>
-                        <p:par>
-                          <p:cTn id="12" fill="hold">
-                            <p:stCondLst>
-                              <p:cond delay="0"/>
-                            </p:stCondLst>
-                            <p:childTnLst>
-                              <p:par>
-                                <p:cTn id="13" presetID="10" presetClass="entr" presetSubtype="0" fill="hold" grpId="0" nodeType="clickEffect">
-                                  <p:stCondLst>
-                                    <p:cond delay="0"/>
-                                  </p:stCondLst>
-                                  <p:childTnLst>
-                                    <p:set>
-                                      <p:cBhvr>
-                                        <p:cTn id="14" dur="1" fill="hold">
-                                          <p:stCondLst>
-                                            <p:cond delay="0"/>
-                                          </p:stCondLst>
-                                        </p:cTn>
-                                        <p:tgtEl>
-                                          <p:spTgt spid="9">
-                                            <p:txEl>
-                                              <p:pRg st="1" end="1"/>
-                                            </p:txEl>
-                                          </p:spTgt>
-                                        </p:tgtEl>
-                                        <p:attrNameLst>
-                                          <p:attrName>style.visibility</p:attrName>
-                                        </p:attrNameLst>
-                                      </p:cBhvr>
-                                      <p:to>
-                                        <p:strVal val="visible"/>
-                                      </p:to>
-                                    </p:set>
-                                    <p:animEffect transition="in" filter="fade">
-                                      <p:cBhvr>
-                                        <p:cTn id="15" dur="500"/>
-                                        <p:tgtEl>
-                                          <p:spTgt spid="9">
-                                            <p:txEl>
-                                              <p:pRg st="1" end="1"/>
-                                            </p:txEl>
-                                          </p:spTgt>
+                                          <p:spTgt spid="7"/>
                                         </p:tgtEl>
                                       </p:cBhvr>
                                     </p:animEffect>
@@ -9430,13 +10334,12 @@
     </p:tnLst>
     <p:bldLst>
       <p:bldP spid="7" grpId="0"/>
-      <p:bldP spid="9" grpId="0" uiExpand="1" build="p"/>
     </p:bldLst>
   </p:timing>
 </p:sld>
 </file>
 
-<file path=ppt/slides/slide3.xml><?xml version="1.0" encoding="utf-8"?>
+<file path=ppt/slides/slide12.xml><?xml version="1.0" encoding="utf-8"?>
 <p:sld xmlns:a="http://schemas.openxmlformats.org/drawingml/2006/main" xmlns:r="http://schemas.openxmlformats.org/officeDocument/2006/relationships" xmlns:p="http://schemas.openxmlformats.org/presentationml/2006/main">
   <p:cSld>
     <p:spTree>
@@ -9465,6 +10368,557 @@
         </p:nvSpPr>
         <p:spPr/>
         <p:txBody>
+          <a:bodyPr>
+            <a:normAutofit/>
+          </a:bodyPr>
+          <a:lstStyle/>
+          <a:p>
+            <a:r>
+              <a:rPr lang="en-US" b="1" smtClean="0"/>
+              <a:t>Kiến trúc mô hình MVC</a:t>
+            </a:r>
+            <a:endParaRPr lang="en-US"/>
+          </a:p>
+        </p:txBody>
+      </p:sp>
+      <p:pic>
+        <p:nvPicPr>
+          <p:cNvPr id="4" name="Content Placeholder 3"/>
+          <p:cNvPicPr>
+            <a:picLocks noGrp="1"/>
+          </p:cNvPicPr>
+          <p:nvPr>
+            <p:ph idx="1"/>
+          </p:nvPr>
+        </p:nvPicPr>
+        <p:blipFill>
+          <a:blip r:embed="rId3">
+            <a:extLst>
+              <a:ext uri="{28A0092B-C50C-407E-A947-70E740481C1C}">
+                <a14:useLocalDpi xmlns:a14="http://schemas.microsoft.com/office/drawing/2010/main" val="0"/>
+              </a:ext>
+            </a:extLst>
+          </a:blip>
+          <a:srcRect/>
+          <a:stretch>
+            <a:fillRect/>
+          </a:stretch>
+        </p:blipFill>
+        <p:spPr bwMode="auto">
+          <a:xfrm>
+            <a:off x="960120" y="1203325"/>
+            <a:ext cx="7223760" cy="3902075"/>
+          </a:xfrm>
+          <a:prstGeom prst="rect">
+            <a:avLst/>
+          </a:prstGeom>
+          <a:noFill/>
+          <a:ln>
+            <a:noFill/>
+          </a:ln>
+        </p:spPr>
+      </p:pic>
+    </p:spTree>
+    <p:extLst>
+      <p:ext uri="{BB962C8B-B14F-4D97-AF65-F5344CB8AC3E}">
+        <p14:creationId xmlns:p14="http://schemas.microsoft.com/office/powerpoint/2010/main" val="1600128522"/>
+      </p:ext>
+    </p:extLst>
+  </p:cSld>
+  <p:clrMapOvr>
+    <a:masterClrMapping/>
+  </p:clrMapOvr>
+  <p:timing>
+    <p:tnLst>
+      <p:par>
+        <p:cTn id="1" dur="indefinite" restart="never" nodeType="tmRoot">
+          <p:childTnLst>
+            <p:seq concurrent="1" nextAc="seek">
+              <p:cTn id="2" dur="indefinite" nodeType="mainSeq">
+                <p:childTnLst>
+                  <p:par>
+                    <p:cTn id="3" fill="hold">
+                      <p:stCondLst>
+                        <p:cond delay="indefinite"/>
+                        <p:cond evt="onBegin" delay="0">
+                          <p:tn val="2"/>
+                        </p:cond>
+                      </p:stCondLst>
+                      <p:childTnLst>
+                        <p:par>
+                          <p:cTn id="4" fill="hold">
+                            <p:stCondLst>
+                              <p:cond delay="0"/>
+                            </p:stCondLst>
+                            <p:childTnLst>
+                              <p:par>
+                                <p:cTn id="5" presetID="22" presetClass="entr" presetSubtype="8" fill="hold" grpId="0" nodeType="withEffect">
+                                  <p:stCondLst>
+                                    <p:cond delay="0"/>
+                                  </p:stCondLst>
+                                  <p:childTnLst>
+                                    <p:set>
+                                      <p:cBhvr>
+                                        <p:cTn id="6" dur="1" fill="hold">
+                                          <p:stCondLst>
+                                            <p:cond delay="0"/>
+                                          </p:stCondLst>
+                                        </p:cTn>
+                                        <p:tgtEl>
+                                          <p:spTgt spid="7"/>
+                                        </p:tgtEl>
+                                        <p:attrNameLst>
+                                          <p:attrName>style.visibility</p:attrName>
+                                        </p:attrNameLst>
+                                      </p:cBhvr>
+                                      <p:to>
+                                        <p:strVal val="visible"/>
+                                      </p:to>
+                                    </p:set>
+                                    <p:animEffect transition="in" filter="wipe(left)">
+                                      <p:cBhvr>
+                                        <p:cTn id="7" dur="500"/>
+                                        <p:tgtEl>
+                                          <p:spTgt spid="7"/>
+                                        </p:tgtEl>
+                                      </p:cBhvr>
+                                    </p:animEffect>
+                                  </p:childTnLst>
+                                </p:cTn>
+                              </p:par>
+                            </p:childTnLst>
+                          </p:cTn>
+                        </p:par>
+                      </p:childTnLst>
+                    </p:cTn>
+                  </p:par>
+                </p:childTnLst>
+              </p:cTn>
+              <p:prevCondLst>
+                <p:cond evt="onPrev" delay="0">
+                  <p:tgtEl>
+                    <p:sldTgt/>
+                  </p:tgtEl>
+                </p:cond>
+              </p:prevCondLst>
+              <p:nextCondLst>
+                <p:cond evt="onNext" delay="0">
+                  <p:tgtEl>
+                    <p:sldTgt/>
+                  </p:tgtEl>
+                </p:cond>
+              </p:nextCondLst>
+            </p:seq>
+          </p:childTnLst>
+        </p:cTn>
+      </p:par>
+    </p:tnLst>
+    <p:bldLst>
+      <p:bldP spid="7" grpId="0"/>
+    </p:bldLst>
+  </p:timing>
+</p:sld>
+</file>
+
+<file path=ppt/slides/slide13.xml><?xml version="1.0" encoding="utf-8"?>
+<p:sld xmlns:a="http://schemas.openxmlformats.org/drawingml/2006/main" xmlns:r="http://schemas.openxmlformats.org/officeDocument/2006/relationships" xmlns:p="http://schemas.openxmlformats.org/presentationml/2006/main">
+  <p:cSld>
+    <p:spTree>
+      <p:nvGrpSpPr>
+        <p:cNvPr id="1" name=""/>
+        <p:cNvGrpSpPr/>
+        <p:nvPr/>
+      </p:nvGrpSpPr>
+      <p:grpSpPr>
+        <a:xfrm>
+          <a:off x="0" y="0"/>
+          <a:ext cx="0" cy="0"/>
+          <a:chOff x="0" y="0"/>
+          <a:chExt cx="0" cy="0"/>
+        </a:xfrm>
+      </p:grpSpPr>
+      <p:sp>
+        <p:nvSpPr>
+          <p:cNvPr id="7" name="Title 6"/>
+          <p:cNvSpPr>
+            <a:spLocks noGrp="1"/>
+          </p:cNvSpPr>
+          <p:nvPr>
+            <p:ph type="title"/>
+          </p:nvPr>
+        </p:nvSpPr>
+        <p:spPr/>
+        <p:txBody>
+          <a:bodyPr>
+            <a:normAutofit/>
+          </a:bodyPr>
+          <a:lstStyle/>
+          <a:p>
+            <a:r>
+              <a:rPr lang="en-US" b="1" smtClean="0"/>
+              <a:t>Tổng quan </a:t>
+            </a:r>
+            <a:r>
+              <a:rPr lang="vi-VN" b="1"/>
+              <a:t>Spring Framework</a:t>
+            </a:r>
+            <a:endParaRPr lang="en-US" b="1"/>
+          </a:p>
+        </p:txBody>
+      </p:sp>
+      <p:sp>
+        <p:nvSpPr>
+          <p:cNvPr id="2" name="Content Placeholder 1"/>
+          <p:cNvSpPr>
+            <a:spLocks noGrp="1"/>
+          </p:cNvSpPr>
+          <p:nvPr>
+            <p:ph idx="1"/>
+          </p:nvPr>
+        </p:nvSpPr>
+        <p:spPr>
+          <a:xfrm>
+            <a:off x="457200" y="1021081"/>
+            <a:ext cx="8229600" cy="4084056"/>
+          </a:xfrm>
+        </p:spPr>
+        <p:txBody>
+          <a:bodyPr/>
+          <a:lstStyle/>
+          <a:p>
+            <a:r>
+              <a:rPr lang="vi-VN"/>
+              <a:t>Bản chất framework là các gói thư viện đã implement một hoặc nhiều design pattern nào đó để giúp cho việc xây dựng các ứng dụng dễ dàng hơn và ít tốn </a:t>
+            </a:r>
+            <a:r>
+              <a:rPr lang="vi-VN"/>
+              <a:t>effort </a:t>
+            </a:r>
+            <a:r>
+              <a:rPr lang="vi-VN" smtClean="0"/>
+              <a:t>hơn</a:t>
+            </a:r>
+            <a:r>
+              <a:rPr lang="en-US" smtClean="0"/>
+              <a:t>.</a:t>
+            </a:r>
+          </a:p>
+          <a:p>
+            <a:endParaRPr lang="en-US"/>
+          </a:p>
+        </p:txBody>
+      </p:sp>
+    </p:spTree>
+    <p:extLst>
+      <p:ext uri="{BB962C8B-B14F-4D97-AF65-F5344CB8AC3E}">
+        <p14:creationId xmlns:p14="http://schemas.microsoft.com/office/powerpoint/2010/main" val="2522890512"/>
+      </p:ext>
+    </p:extLst>
+  </p:cSld>
+  <p:clrMapOvr>
+    <a:masterClrMapping/>
+  </p:clrMapOvr>
+  <p:timing>
+    <p:tnLst>
+      <p:par>
+        <p:cTn id="1" dur="indefinite" restart="never" nodeType="tmRoot">
+          <p:childTnLst>
+            <p:seq concurrent="1" nextAc="seek">
+              <p:cTn id="2" dur="indefinite" nodeType="mainSeq">
+                <p:childTnLst>
+                  <p:par>
+                    <p:cTn id="3" fill="hold">
+                      <p:stCondLst>
+                        <p:cond delay="indefinite"/>
+                        <p:cond evt="onBegin" delay="0">
+                          <p:tn val="2"/>
+                        </p:cond>
+                      </p:stCondLst>
+                      <p:childTnLst>
+                        <p:par>
+                          <p:cTn id="4" fill="hold">
+                            <p:stCondLst>
+                              <p:cond delay="0"/>
+                            </p:stCondLst>
+                            <p:childTnLst>
+                              <p:par>
+                                <p:cTn id="5" presetID="22" presetClass="entr" presetSubtype="8" fill="hold" grpId="0" nodeType="withEffect">
+                                  <p:stCondLst>
+                                    <p:cond delay="0"/>
+                                  </p:stCondLst>
+                                  <p:childTnLst>
+                                    <p:set>
+                                      <p:cBhvr>
+                                        <p:cTn id="6" dur="1" fill="hold">
+                                          <p:stCondLst>
+                                            <p:cond delay="0"/>
+                                          </p:stCondLst>
+                                        </p:cTn>
+                                        <p:tgtEl>
+                                          <p:spTgt spid="7"/>
+                                        </p:tgtEl>
+                                        <p:attrNameLst>
+                                          <p:attrName>style.visibility</p:attrName>
+                                        </p:attrNameLst>
+                                      </p:cBhvr>
+                                      <p:to>
+                                        <p:strVal val="visible"/>
+                                      </p:to>
+                                    </p:set>
+                                    <p:animEffect transition="in" filter="wipe(left)">
+                                      <p:cBhvr>
+                                        <p:cTn id="7" dur="500"/>
+                                        <p:tgtEl>
+                                          <p:spTgt spid="7"/>
+                                        </p:tgtEl>
+                                      </p:cBhvr>
+                                    </p:animEffect>
+                                  </p:childTnLst>
+                                </p:cTn>
+                              </p:par>
+                            </p:childTnLst>
+                          </p:cTn>
+                        </p:par>
+                      </p:childTnLst>
+                    </p:cTn>
+                  </p:par>
+                </p:childTnLst>
+              </p:cTn>
+              <p:prevCondLst>
+                <p:cond evt="onPrev" delay="0">
+                  <p:tgtEl>
+                    <p:sldTgt/>
+                  </p:tgtEl>
+                </p:cond>
+              </p:prevCondLst>
+              <p:nextCondLst>
+                <p:cond evt="onNext" delay="0">
+                  <p:tgtEl>
+                    <p:sldTgt/>
+                  </p:tgtEl>
+                </p:cond>
+              </p:nextCondLst>
+            </p:seq>
+          </p:childTnLst>
+        </p:cTn>
+      </p:par>
+    </p:tnLst>
+    <p:bldLst>
+      <p:bldP spid="7" grpId="0"/>
+    </p:bldLst>
+  </p:timing>
+</p:sld>
+</file>
+
+<file path=ppt/slides/slide14.xml><?xml version="1.0" encoding="utf-8"?>
+<p:sld xmlns:a="http://schemas.openxmlformats.org/drawingml/2006/main" xmlns:r="http://schemas.openxmlformats.org/officeDocument/2006/relationships" xmlns:p="http://schemas.openxmlformats.org/presentationml/2006/main">
+  <p:cSld>
+    <p:spTree>
+      <p:nvGrpSpPr>
+        <p:cNvPr id="1" name=""/>
+        <p:cNvGrpSpPr/>
+        <p:nvPr/>
+      </p:nvGrpSpPr>
+      <p:grpSpPr>
+        <a:xfrm>
+          <a:off x="0" y="0"/>
+          <a:ext cx="0" cy="0"/>
+          <a:chOff x="0" y="0"/>
+          <a:chExt cx="0" cy="0"/>
+        </a:xfrm>
+      </p:grpSpPr>
+      <p:sp>
+        <p:nvSpPr>
+          <p:cNvPr id="7" name="Title 6"/>
+          <p:cNvSpPr>
+            <a:spLocks noGrp="1"/>
+          </p:cNvSpPr>
+          <p:nvPr>
+            <p:ph type="title"/>
+          </p:nvPr>
+        </p:nvSpPr>
+        <p:spPr/>
+        <p:txBody>
+          <a:bodyPr>
+            <a:normAutofit/>
+          </a:bodyPr>
+          <a:lstStyle/>
+          <a:p>
+            <a:r>
+              <a:rPr lang="en-US" b="1" smtClean="0"/>
+              <a:t>Tổng quan </a:t>
+            </a:r>
+            <a:r>
+              <a:rPr lang="vi-VN" b="1"/>
+              <a:t>Spring Framework</a:t>
+            </a:r>
+            <a:endParaRPr lang="en-US" b="1"/>
+          </a:p>
+        </p:txBody>
+      </p:sp>
+      <p:pic>
+        <p:nvPicPr>
+          <p:cNvPr id="4" name="Content Placeholder 3"/>
+          <p:cNvPicPr>
+            <a:picLocks noGrp="1"/>
+          </p:cNvPicPr>
+          <p:nvPr>
+            <p:ph idx="1"/>
+          </p:nvPr>
+        </p:nvPicPr>
+        <p:blipFill>
+          <a:blip r:embed="rId3">
+            <a:extLst>
+              <a:ext uri="{28A0092B-C50C-407E-A947-70E740481C1C}">
+                <a14:useLocalDpi xmlns:a14="http://schemas.microsoft.com/office/drawing/2010/main" val="0"/>
+              </a:ext>
+            </a:extLst>
+          </a:blip>
+          <a:stretch>
+            <a:fillRect/>
+          </a:stretch>
+        </p:blipFill>
+        <p:spPr>
+          <a:xfrm>
+            <a:off x="472510" y="1020763"/>
+            <a:ext cx="8198980" cy="4084637"/>
+          </a:xfrm>
+          <a:prstGeom prst="rect">
+            <a:avLst/>
+          </a:prstGeom>
+        </p:spPr>
+      </p:pic>
+    </p:spTree>
+    <p:extLst>
+      <p:ext uri="{BB962C8B-B14F-4D97-AF65-F5344CB8AC3E}">
+        <p14:creationId xmlns:p14="http://schemas.microsoft.com/office/powerpoint/2010/main" val="3406387301"/>
+      </p:ext>
+    </p:extLst>
+  </p:cSld>
+  <p:clrMapOvr>
+    <a:masterClrMapping/>
+  </p:clrMapOvr>
+  <p:timing>
+    <p:tnLst>
+      <p:par>
+        <p:cTn id="1" dur="indefinite" restart="never" nodeType="tmRoot">
+          <p:childTnLst>
+            <p:seq concurrent="1" nextAc="seek">
+              <p:cTn id="2" dur="indefinite" nodeType="mainSeq">
+                <p:childTnLst>
+                  <p:par>
+                    <p:cTn id="3" fill="hold">
+                      <p:stCondLst>
+                        <p:cond delay="indefinite"/>
+                        <p:cond evt="onBegin" delay="0">
+                          <p:tn val="2"/>
+                        </p:cond>
+                      </p:stCondLst>
+                      <p:childTnLst>
+                        <p:par>
+                          <p:cTn id="4" fill="hold">
+                            <p:stCondLst>
+                              <p:cond delay="0"/>
+                            </p:stCondLst>
+                            <p:childTnLst>
+                              <p:par>
+                                <p:cTn id="5" presetID="22" presetClass="entr" presetSubtype="8" fill="hold" grpId="0" nodeType="withEffect">
+                                  <p:stCondLst>
+                                    <p:cond delay="0"/>
+                                  </p:stCondLst>
+                                  <p:childTnLst>
+                                    <p:set>
+                                      <p:cBhvr>
+                                        <p:cTn id="6" dur="1" fill="hold">
+                                          <p:stCondLst>
+                                            <p:cond delay="0"/>
+                                          </p:stCondLst>
+                                        </p:cTn>
+                                        <p:tgtEl>
+                                          <p:spTgt spid="7"/>
+                                        </p:tgtEl>
+                                        <p:attrNameLst>
+                                          <p:attrName>style.visibility</p:attrName>
+                                        </p:attrNameLst>
+                                      </p:cBhvr>
+                                      <p:to>
+                                        <p:strVal val="visible"/>
+                                      </p:to>
+                                    </p:set>
+                                    <p:animEffect transition="in" filter="wipe(left)">
+                                      <p:cBhvr>
+                                        <p:cTn id="7" dur="500"/>
+                                        <p:tgtEl>
+                                          <p:spTgt spid="7"/>
+                                        </p:tgtEl>
+                                      </p:cBhvr>
+                                    </p:animEffect>
+                                  </p:childTnLst>
+                                </p:cTn>
+                              </p:par>
+                            </p:childTnLst>
+                          </p:cTn>
+                        </p:par>
+                      </p:childTnLst>
+                    </p:cTn>
+                  </p:par>
+                </p:childTnLst>
+              </p:cTn>
+              <p:prevCondLst>
+                <p:cond evt="onPrev" delay="0">
+                  <p:tgtEl>
+                    <p:sldTgt/>
+                  </p:tgtEl>
+                </p:cond>
+              </p:prevCondLst>
+              <p:nextCondLst>
+                <p:cond evt="onNext" delay="0">
+                  <p:tgtEl>
+                    <p:sldTgt/>
+                  </p:tgtEl>
+                </p:cond>
+              </p:nextCondLst>
+            </p:seq>
+          </p:childTnLst>
+        </p:cTn>
+      </p:par>
+    </p:tnLst>
+    <p:bldLst>
+      <p:bldP spid="7" grpId="0"/>
+    </p:bldLst>
+  </p:timing>
+</p:sld>
+</file>
+
+<file path=ppt/slides/slide15.xml><?xml version="1.0" encoding="utf-8"?>
+<p:sld xmlns:a="http://schemas.openxmlformats.org/drawingml/2006/main" xmlns:r="http://schemas.openxmlformats.org/officeDocument/2006/relationships" xmlns:p="http://schemas.openxmlformats.org/presentationml/2006/main">
+  <p:cSld>
+    <p:spTree>
+      <p:nvGrpSpPr>
+        <p:cNvPr id="1" name=""/>
+        <p:cNvGrpSpPr/>
+        <p:nvPr/>
+      </p:nvGrpSpPr>
+      <p:grpSpPr>
+        <a:xfrm>
+          <a:off x="0" y="0"/>
+          <a:ext cx="0" cy="0"/>
+          <a:chOff x="0" y="0"/>
+          <a:chExt cx="0" cy="0"/>
+        </a:xfrm>
+      </p:grpSpPr>
+      <p:sp>
+        <p:nvSpPr>
+          <p:cNvPr id="7" name="Title 6"/>
+          <p:cNvSpPr>
+            <a:spLocks noGrp="1"/>
+          </p:cNvSpPr>
+          <p:nvPr>
+            <p:ph type="title"/>
+          </p:nvPr>
+        </p:nvSpPr>
+        <p:spPr/>
+        <p:txBody>
           <a:bodyPr/>
           <a:lstStyle/>
           <a:p>
@@ -9511,11 +10965,7 @@
             </a:r>
             <a:r>
               <a:rPr lang="en-US" sz="2400"/>
-              <a:t> là công cụ quản lý và thiết lập tự động 1 dự án </a:t>
-            </a:r>
-            <a:r>
-              <a:rPr lang="en-US" sz="2400"/>
-              <a:t>phần </a:t>
+              <a:t> là công cụ quản lý và thiết lập tự động 1 dự án phần </a:t>
             </a:r>
             <a:r>
               <a:rPr lang="en-US" sz="2400" smtClean="0"/>
@@ -9532,11 +10982,7 @@
             </a:pPr>
             <a:r>
               <a:rPr lang="en-US" sz="2400"/>
-              <a:t>Chủ yếu dùng cho các lập trình viên java, nhưng nó cũng có thể được dùng để xây dựng và quản lý các dự án dùng C#, Ruby, Scala hay ngôn </a:t>
-            </a:r>
-            <a:r>
-              <a:rPr lang="en-US" sz="2400"/>
-              <a:t>ngữ </a:t>
+              <a:t>Chủ yếu dùng cho các lập trình viên java, nhưng nó cũng có thể được dùng để xây dựng và quản lý các dự án dùng C#, Ruby, Scala hay ngôn ngữ </a:t>
             </a:r>
             <a:r>
               <a:rPr lang="en-US" sz="2400" smtClean="0"/>
@@ -9553,11 +10999,7 @@
             </a:pPr>
             <a:r>
               <a:rPr lang="vi-VN" sz="2400"/>
-              <a:t>Hiểu một cách đơn </a:t>
-            </a:r>
-            <a:r>
-              <a:rPr lang="vi-VN" sz="2400"/>
-              <a:t>giản </a:t>
+              <a:t>Hiểu một cách đơn giản </a:t>
             </a:r>
             <a:r>
               <a:rPr lang="en-US" sz="2400" smtClean="0"/>
@@ -9569,11 +11011,7 @@
             </a:r>
             <a:r>
               <a:rPr lang="vi-VN" sz="2400"/>
-              <a:t>là một công cụ build phổ biến trong thế giới lập trình </a:t>
-            </a:r>
-            <a:r>
-              <a:rPr lang="vi-VN" sz="2400"/>
-              <a:t>Java</a:t>
+              <a:t>là một công cụ build phổ biến trong thế giới lập trình Java</a:t>
             </a:r>
             <a:r>
               <a:rPr lang="vi-VN" sz="2400" smtClean="0"/>
@@ -9944,6 +11382,2696 @@
 </p:sld>
 </file>
 
+<file path=ppt/slides/slide16.xml><?xml version="1.0" encoding="utf-8"?>
+<p:sld xmlns:a="http://schemas.openxmlformats.org/drawingml/2006/main" xmlns:r="http://schemas.openxmlformats.org/officeDocument/2006/relationships" xmlns:p="http://schemas.openxmlformats.org/presentationml/2006/main">
+  <p:cSld>
+    <p:spTree>
+      <p:nvGrpSpPr>
+        <p:cNvPr id="1" name=""/>
+        <p:cNvGrpSpPr/>
+        <p:nvPr/>
+      </p:nvGrpSpPr>
+      <p:grpSpPr>
+        <a:xfrm>
+          <a:off x="0" y="0"/>
+          <a:ext cx="0" cy="0"/>
+          <a:chOff x="0" y="0"/>
+          <a:chExt cx="0" cy="0"/>
+        </a:xfrm>
+      </p:grpSpPr>
+      <p:sp>
+        <p:nvSpPr>
+          <p:cNvPr id="7" name="Title 6"/>
+          <p:cNvSpPr>
+            <a:spLocks noGrp="1"/>
+          </p:cNvSpPr>
+          <p:nvPr>
+            <p:ph type="title"/>
+          </p:nvPr>
+        </p:nvSpPr>
+        <p:spPr/>
+        <p:txBody>
+          <a:bodyPr/>
+          <a:lstStyle/>
+          <a:p>
+            <a:r>
+              <a:rPr lang="en-US" smtClean="0"/>
+              <a:t>Ưu điểm của Maven </a:t>
+            </a:r>
+            <a:endParaRPr lang="en-GB" dirty="0"/>
+          </a:p>
+        </p:txBody>
+      </p:sp>
+      <p:sp>
+        <p:nvSpPr>
+          <p:cNvPr id="9" name="Content Placeholder 8"/>
+          <p:cNvSpPr>
+            <a:spLocks noGrp="1"/>
+          </p:cNvSpPr>
+          <p:nvPr>
+            <p:ph idx="1"/>
+          </p:nvPr>
+        </p:nvSpPr>
+        <p:spPr>
+          <a:xfrm>
+            <a:off x="457200" y="926593"/>
+            <a:ext cx="8229600" cy="4178544"/>
+          </a:xfrm>
+        </p:spPr>
+        <p:txBody>
+          <a:bodyPr>
+            <a:normAutofit/>
+          </a:bodyPr>
+          <a:lstStyle/>
+          <a:p>
+            <a:pPr>
+              <a:lnSpc>
+                <a:spcPct val="150000"/>
+              </a:lnSpc>
+              <a:buFont typeface="Wingdings" panose="05000000000000000000" pitchFamily="2" charset="2"/>
+              <a:buChar char="§"/>
+            </a:pPr>
+            <a:r>
+              <a:rPr lang="en-US" sz="2400"/>
+              <a:t>Tự động hóa toàn bộ quá trình release project, khởi tạo, cập nhật thư viện, build &amp; unit test và </a:t>
+            </a:r>
+            <a:r>
+              <a:rPr lang="en-US" sz="2400" smtClean="0"/>
+              <a:t>release.</a:t>
+            </a:r>
+          </a:p>
+          <a:p>
+            <a:pPr>
+              <a:lnSpc>
+                <a:spcPct val="150000"/>
+              </a:lnSpc>
+              <a:buFont typeface="Wingdings" panose="05000000000000000000" pitchFamily="2" charset="2"/>
+              <a:buChar char="§"/>
+            </a:pPr>
+            <a:r>
+              <a:rPr lang="en-US" sz="2400"/>
+              <a:t>Quản lý các dependency (các thư viện) trong project một các ưu việt: tự động cập nhật, mở rộng dễ dàng, đóng </a:t>
+            </a:r>
+            <a:r>
+              <a:rPr lang="en-US" sz="2400" smtClean="0"/>
+              <a:t>gói.</a:t>
+            </a:r>
+          </a:p>
+          <a:p>
+            <a:pPr>
+              <a:lnSpc>
+                <a:spcPct val="150000"/>
+              </a:lnSpc>
+              <a:buFont typeface="Wingdings" panose="05000000000000000000" pitchFamily="2" charset="2"/>
+              <a:buChar char="§"/>
+            </a:pPr>
+            <a:r>
+              <a:rPr lang="en-US" sz="2400"/>
+              <a:t>Phân chia 1 project lớn thành các module nhỏ, từ đó cho phép làm việc đồng thời trên các module khác nhau, đồng thời vẫn tạo được tính thống nhất</a:t>
+            </a:r>
+            <a:endParaRPr lang="en-GB" sz="2400" dirty="0"/>
+          </a:p>
+        </p:txBody>
+      </p:sp>
+    </p:spTree>
+    <p:extLst>
+      <p:ext uri="{BB962C8B-B14F-4D97-AF65-F5344CB8AC3E}">
+        <p14:creationId xmlns:p14="http://schemas.microsoft.com/office/powerpoint/2010/main" val="3697880506"/>
+      </p:ext>
+    </p:extLst>
+  </p:cSld>
+  <p:clrMapOvr>
+    <a:masterClrMapping/>
+  </p:clrMapOvr>
+  <p:timing>
+    <p:tnLst>
+      <p:par>
+        <p:cTn id="1" dur="indefinite" restart="never" nodeType="tmRoot">
+          <p:childTnLst>
+            <p:seq concurrent="1" nextAc="seek">
+              <p:cTn id="2" dur="indefinite" nodeType="mainSeq">
+                <p:childTnLst>
+                  <p:par>
+                    <p:cTn id="3" fill="hold">
+                      <p:stCondLst>
+                        <p:cond delay="indefinite"/>
+                        <p:cond evt="onBegin" delay="0">
+                          <p:tn val="2"/>
+                        </p:cond>
+                      </p:stCondLst>
+                      <p:childTnLst>
+                        <p:par>
+                          <p:cTn id="4" fill="hold">
+                            <p:stCondLst>
+                              <p:cond delay="0"/>
+                            </p:stCondLst>
+                            <p:childTnLst>
+                              <p:par>
+                                <p:cTn id="5" presetID="22" presetClass="entr" presetSubtype="8" fill="hold" grpId="0" nodeType="withEffect">
+                                  <p:stCondLst>
+                                    <p:cond delay="0"/>
+                                  </p:stCondLst>
+                                  <p:childTnLst>
+                                    <p:set>
+                                      <p:cBhvr>
+                                        <p:cTn id="6" dur="1" fill="hold">
+                                          <p:stCondLst>
+                                            <p:cond delay="0"/>
+                                          </p:stCondLst>
+                                        </p:cTn>
+                                        <p:tgtEl>
+                                          <p:spTgt spid="7"/>
+                                        </p:tgtEl>
+                                        <p:attrNameLst>
+                                          <p:attrName>style.visibility</p:attrName>
+                                        </p:attrNameLst>
+                                      </p:cBhvr>
+                                      <p:to>
+                                        <p:strVal val="visible"/>
+                                      </p:to>
+                                    </p:set>
+                                    <p:animEffect transition="in" filter="wipe(left)">
+                                      <p:cBhvr>
+                                        <p:cTn id="7" dur="500"/>
+                                        <p:tgtEl>
+                                          <p:spTgt spid="7"/>
+                                        </p:tgtEl>
+                                      </p:cBhvr>
+                                    </p:animEffect>
+                                  </p:childTnLst>
+                                </p:cTn>
+                              </p:par>
+                              <p:par>
+                                <p:cTn id="8" presetID="10" presetClass="entr" presetSubtype="0" fill="hold" grpId="0" nodeType="withEffect">
+                                  <p:stCondLst>
+                                    <p:cond delay="0"/>
+                                  </p:stCondLst>
+                                  <p:childTnLst>
+                                    <p:set>
+                                      <p:cBhvr>
+                                        <p:cTn id="9" dur="1" fill="hold">
+                                          <p:stCondLst>
+                                            <p:cond delay="0"/>
+                                          </p:stCondLst>
+                                        </p:cTn>
+                                        <p:tgtEl>
+                                          <p:spTgt spid="9">
+                                            <p:txEl>
+                                              <p:pRg st="0" end="0"/>
+                                            </p:txEl>
+                                          </p:spTgt>
+                                        </p:tgtEl>
+                                        <p:attrNameLst>
+                                          <p:attrName>style.visibility</p:attrName>
+                                        </p:attrNameLst>
+                                      </p:cBhvr>
+                                      <p:to>
+                                        <p:strVal val="visible"/>
+                                      </p:to>
+                                    </p:set>
+                                    <p:animEffect transition="in" filter="fade">
+                                      <p:cBhvr>
+                                        <p:cTn id="10" dur="500"/>
+                                        <p:tgtEl>
+                                          <p:spTgt spid="9">
+                                            <p:txEl>
+                                              <p:pRg st="0" end="0"/>
+                                            </p:txEl>
+                                          </p:spTgt>
+                                        </p:tgtEl>
+                                      </p:cBhvr>
+                                    </p:animEffect>
+                                  </p:childTnLst>
+                                </p:cTn>
+                              </p:par>
+                            </p:childTnLst>
+                          </p:cTn>
+                        </p:par>
+                      </p:childTnLst>
+                    </p:cTn>
+                  </p:par>
+                  <p:par>
+                    <p:cTn id="11" fill="hold">
+                      <p:stCondLst>
+                        <p:cond delay="indefinite"/>
+                      </p:stCondLst>
+                      <p:childTnLst>
+                        <p:par>
+                          <p:cTn id="12" fill="hold">
+                            <p:stCondLst>
+                              <p:cond delay="0"/>
+                            </p:stCondLst>
+                            <p:childTnLst>
+                              <p:par>
+                                <p:cTn id="13" presetID="10" presetClass="entr" presetSubtype="0" fill="hold" grpId="0" nodeType="clickEffect">
+                                  <p:stCondLst>
+                                    <p:cond delay="0"/>
+                                  </p:stCondLst>
+                                  <p:childTnLst>
+                                    <p:set>
+                                      <p:cBhvr>
+                                        <p:cTn id="14" dur="1" fill="hold">
+                                          <p:stCondLst>
+                                            <p:cond delay="0"/>
+                                          </p:stCondLst>
+                                        </p:cTn>
+                                        <p:tgtEl>
+                                          <p:spTgt spid="9">
+                                            <p:txEl>
+                                              <p:pRg st="1" end="1"/>
+                                            </p:txEl>
+                                          </p:spTgt>
+                                        </p:tgtEl>
+                                        <p:attrNameLst>
+                                          <p:attrName>style.visibility</p:attrName>
+                                        </p:attrNameLst>
+                                      </p:cBhvr>
+                                      <p:to>
+                                        <p:strVal val="visible"/>
+                                      </p:to>
+                                    </p:set>
+                                    <p:animEffect transition="in" filter="fade">
+                                      <p:cBhvr>
+                                        <p:cTn id="15" dur="500"/>
+                                        <p:tgtEl>
+                                          <p:spTgt spid="9">
+                                            <p:txEl>
+                                              <p:pRg st="1" end="1"/>
+                                            </p:txEl>
+                                          </p:spTgt>
+                                        </p:tgtEl>
+                                      </p:cBhvr>
+                                    </p:animEffect>
+                                  </p:childTnLst>
+                                </p:cTn>
+                              </p:par>
+                            </p:childTnLst>
+                          </p:cTn>
+                        </p:par>
+                      </p:childTnLst>
+                    </p:cTn>
+                  </p:par>
+                  <p:par>
+                    <p:cTn id="16" fill="hold">
+                      <p:stCondLst>
+                        <p:cond delay="indefinite"/>
+                      </p:stCondLst>
+                      <p:childTnLst>
+                        <p:par>
+                          <p:cTn id="17" fill="hold">
+                            <p:stCondLst>
+                              <p:cond delay="0"/>
+                            </p:stCondLst>
+                            <p:childTnLst>
+                              <p:par>
+                                <p:cTn id="18" presetID="10" presetClass="entr" presetSubtype="0" fill="hold" grpId="0" nodeType="clickEffect">
+                                  <p:stCondLst>
+                                    <p:cond delay="0"/>
+                                  </p:stCondLst>
+                                  <p:childTnLst>
+                                    <p:set>
+                                      <p:cBhvr>
+                                        <p:cTn id="19" dur="1" fill="hold">
+                                          <p:stCondLst>
+                                            <p:cond delay="0"/>
+                                          </p:stCondLst>
+                                        </p:cTn>
+                                        <p:tgtEl>
+                                          <p:spTgt spid="9">
+                                            <p:txEl>
+                                              <p:pRg st="2" end="2"/>
+                                            </p:txEl>
+                                          </p:spTgt>
+                                        </p:tgtEl>
+                                        <p:attrNameLst>
+                                          <p:attrName>style.visibility</p:attrName>
+                                        </p:attrNameLst>
+                                      </p:cBhvr>
+                                      <p:to>
+                                        <p:strVal val="visible"/>
+                                      </p:to>
+                                    </p:set>
+                                    <p:animEffect transition="in" filter="fade">
+                                      <p:cBhvr>
+                                        <p:cTn id="20" dur="500"/>
+                                        <p:tgtEl>
+                                          <p:spTgt spid="9">
+                                            <p:txEl>
+                                              <p:pRg st="2" end="2"/>
+                                            </p:txEl>
+                                          </p:spTgt>
+                                        </p:tgtEl>
+                                      </p:cBhvr>
+                                    </p:animEffect>
+                                  </p:childTnLst>
+                                </p:cTn>
+                              </p:par>
+                            </p:childTnLst>
+                          </p:cTn>
+                        </p:par>
+                      </p:childTnLst>
+                    </p:cTn>
+                  </p:par>
+                </p:childTnLst>
+              </p:cTn>
+              <p:prevCondLst>
+                <p:cond evt="onPrev" delay="0">
+                  <p:tgtEl>
+                    <p:sldTgt/>
+                  </p:tgtEl>
+                </p:cond>
+              </p:prevCondLst>
+              <p:nextCondLst>
+                <p:cond evt="onNext" delay="0">
+                  <p:tgtEl>
+                    <p:sldTgt/>
+                  </p:tgtEl>
+                </p:cond>
+              </p:nextCondLst>
+            </p:seq>
+          </p:childTnLst>
+        </p:cTn>
+      </p:par>
+    </p:tnLst>
+    <p:bldLst>
+      <p:bldP spid="7" grpId="0"/>
+      <p:bldP spid="9" grpId="0" build="p"/>
+    </p:bldLst>
+  </p:timing>
+</p:sld>
+</file>
+
+<file path=ppt/slides/slide17.xml><?xml version="1.0" encoding="utf-8"?>
+<p:sld xmlns:a="http://schemas.openxmlformats.org/drawingml/2006/main" xmlns:r="http://schemas.openxmlformats.org/officeDocument/2006/relationships" xmlns:p="http://schemas.openxmlformats.org/presentationml/2006/main">
+  <p:cSld>
+    <p:spTree>
+      <p:nvGrpSpPr>
+        <p:cNvPr id="1" name=""/>
+        <p:cNvGrpSpPr/>
+        <p:nvPr/>
+      </p:nvGrpSpPr>
+      <p:grpSpPr>
+        <a:xfrm>
+          <a:off x="0" y="0"/>
+          <a:ext cx="0" cy="0"/>
+          <a:chOff x="0" y="0"/>
+          <a:chExt cx="0" cy="0"/>
+        </a:xfrm>
+      </p:grpSpPr>
+      <p:sp>
+        <p:nvSpPr>
+          <p:cNvPr id="2" name="Title 1"/>
+          <p:cNvSpPr>
+            <a:spLocks noGrp="1"/>
+          </p:cNvSpPr>
+          <p:nvPr>
+            <p:ph type="title"/>
+          </p:nvPr>
+        </p:nvSpPr>
+        <p:spPr/>
+        <p:txBody>
+          <a:bodyPr/>
+          <a:lstStyle/>
+          <a:p>
+            <a:r>
+              <a:rPr lang="en-US" smtClean="0"/>
+              <a:t>F</a:t>
+            </a:r>
+            <a:r>
+              <a:rPr lang="vi-VN" smtClean="0"/>
+              <a:t>ramework</a:t>
+            </a:r>
+            <a:endParaRPr lang="en-US"/>
+          </a:p>
+        </p:txBody>
+      </p:sp>
+      <p:sp>
+        <p:nvSpPr>
+          <p:cNvPr id="3" name="Content Placeholder 2"/>
+          <p:cNvSpPr>
+            <a:spLocks noGrp="1"/>
+          </p:cNvSpPr>
+          <p:nvPr>
+            <p:ph idx="1"/>
+          </p:nvPr>
+        </p:nvSpPr>
+        <p:spPr>
+          <a:xfrm>
+            <a:off x="457200" y="1036321"/>
+            <a:ext cx="8229600" cy="4068816"/>
+          </a:xfrm>
+        </p:spPr>
+        <p:txBody>
+          <a:bodyPr>
+            <a:normAutofit/>
+          </a:bodyPr>
+          <a:lstStyle/>
+          <a:p>
+            <a:r>
+              <a:rPr lang="vi-VN" sz="2400"/>
+              <a:t>Theo cộng đồng wikipedia, từ </a:t>
+            </a:r>
+            <a:r>
+              <a:rPr lang="en-US" sz="2400" smtClean="0"/>
+              <a:t>“</a:t>
+            </a:r>
+            <a:r>
+              <a:rPr lang="vi-VN" sz="2400" b="1" smtClean="0"/>
+              <a:t>framework</a:t>
+            </a:r>
+            <a:r>
+              <a:rPr lang="en-US" sz="2400" smtClean="0"/>
+              <a:t>”</a:t>
+            </a:r>
+            <a:r>
+              <a:rPr lang="vi-VN" sz="2400" smtClean="0"/>
+              <a:t> </a:t>
+            </a:r>
+            <a:r>
+              <a:rPr lang="vi-VN" sz="2400"/>
+              <a:t>dùng trong phát triển phần mềm là một khái niệm dùng để chỉ những "</a:t>
+            </a:r>
+            <a:r>
+              <a:rPr lang="vi-VN" sz="2400" b="1"/>
+              <a:t>cấu trúc hỗ trợ được định nghĩa</a:t>
+            </a:r>
+            <a:r>
+              <a:rPr lang="vi-VN" sz="2400"/>
+              <a:t>" mà trong đó những dự án phần mềm khác có thể được sắp xếp vào đó và phát triển. Thông thường, một framework bao gồm những </a:t>
+            </a:r>
+            <a:r>
+              <a:rPr lang="vi-VN" sz="2400" b="1"/>
+              <a:t>program hỗ trợ</a:t>
+            </a:r>
+            <a:r>
+              <a:rPr lang="vi-VN" sz="2400"/>
+              <a:t>, </a:t>
+            </a:r>
+            <a:r>
+              <a:rPr lang="vi-VN" sz="2400" b="1"/>
+              <a:t>code libs </a:t>
+            </a:r>
+            <a:r>
+              <a:rPr lang="vi-VN" sz="2400"/>
+              <a:t>và</a:t>
+            </a:r>
+            <a:r>
+              <a:rPr lang="vi-VN" sz="2400" b="1"/>
+              <a:t> một ngôn ngữ scripting</a:t>
+            </a:r>
+            <a:r>
+              <a:rPr lang="vi-VN" sz="2400"/>
+              <a:t> nằm giữa các chương trình phần mềm khác để giúp phát triển và gắn những thành phần khác nhau trong dự án phần mềm lại với nhau.</a:t>
+            </a:r>
+            <a:endParaRPr lang="en-US" sz="2400"/>
+          </a:p>
+        </p:txBody>
+      </p:sp>
+    </p:spTree>
+    <p:extLst>
+      <p:ext uri="{BB962C8B-B14F-4D97-AF65-F5344CB8AC3E}">
+        <p14:creationId xmlns:p14="http://schemas.microsoft.com/office/powerpoint/2010/main" val="3702408369"/>
+      </p:ext>
+    </p:extLst>
+  </p:cSld>
+  <p:clrMapOvr>
+    <a:masterClrMapping/>
+  </p:clrMapOvr>
+  <p:timing>
+    <p:tnLst>
+      <p:par>
+        <p:cTn id="1" dur="indefinite" restart="never" nodeType="tmRoot"/>
+      </p:par>
+    </p:tnLst>
+  </p:timing>
+</p:sld>
+</file>
+
+<file path=ppt/slides/slide18.xml><?xml version="1.0" encoding="utf-8"?>
+<p:sld xmlns:a="http://schemas.openxmlformats.org/drawingml/2006/main" xmlns:r="http://schemas.openxmlformats.org/officeDocument/2006/relationships" xmlns:p="http://schemas.openxmlformats.org/presentationml/2006/main">
+  <p:cSld>
+    <p:spTree>
+      <p:nvGrpSpPr>
+        <p:cNvPr id="1" name=""/>
+        <p:cNvGrpSpPr/>
+        <p:nvPr/>
+      </p:nvGrpSpPr>
+      <p:grpSpPr>
+        <a:xfrm>
+          <a:off x="0" y="0"/>
+          <a:ext cx="0" cy="0"/>
+          <a:chOff x="0" y="0"/>
+          <a:chExt cx="0" cy="0"/>
+        </a:xfrm>
+      </p:grpSpPr>
+      <p:sp>
+        <p:nvSpPr>
+          <p:cNvPr id="2" name="Title 1"/>
+          <p:cNvSpPr>
+            <a:spLocks noGrp="1"/>
+          </p:cNvSpPr>
+          <p:nvPr>
+            <p:ph type="title"/>
+          </p:nvPr>
+        </p:nvSpPr>
+        <p:spPr/>
+        <p:txBody>
+          <a:bodyPr/>
+          <a:lstStyle/>
+          <a:p>
+            <a:r>
+              <a:rPr lang="en-US"/>
+              <a:t>P</a:t>
+            </a:r>
+            <a:r>
+              <a:rPr lang="en-US" smtClean="0"/>
+              <a:t>ersistence </a:t>
+            </a:r>
+            <a:r>
+              <a:rPr lang="en-US"/>
+              <a:t>L</a:t>
+            </a:r>
+            <a:r>
+              <a:rPr lang="en-US" smtClean="0"/>
+              <a:t>ayer</a:t>
+            </a:r>
+            <a:endParaRPr lang="en-US"/>
+          </a:p>
+        </p:txBody>
+      </p:sp>
+      <p:sp>
+        <p:nvSpPr>
+          <p:cNvPr id="3" name="Content Placeholder 2"/>
+          <p:cNvSpPr>
+            <a:spLocks noGrp="1"/>
+          </p:cNvSpPr>
+          <p:nvPr>
+            <p:ph idx="1"/>
+          </p:nvPr>
+        </p:nvSpPr>
+        <p:spPr>
+          <a:xfrm>
+            <a:off x="457200" y="950976"/>
+            <a:ext cx="8229600" cy="4489704"/>
+          </a:xfrm>
+        </p:spPr>
+        <p:txBody>
+          <a:bodyPr>
+            <a:normAutofit fontScale="92500"/>
+          </a:bodyPr>
+          <a:lstStyle/>
+          <a:p>
+            <a:r>
+              <a:rPr lang="en-US" smtClean="0"/>
+              <a:t>M</a:t>
+            </a:r>
+            <a:r>
+              <a:rPr lang="vi-VN" smtClean="0"/>
+              <a:t>ột </a:t>
+            </a:r>
+            <a:r>
+              <a:rPr lang="vi-VN"/>
+              <a:t>ứng dụng có thể chia làm 3 phần như sau: phần giao diện người dùng (UI layer), phần xử lý nghiệp vụ (business layer) và phần chứa dữ liệu (data layer). Cụ thể ra, business layer sẽ có thể chia nhỏ thành 2 layer con là business logic layer (chỉ quan tâm đến ý nghĩa của các nghiệp vụ, các tính toán mang nhằm thoả mãn yêu cầu của người dùng) và persitence layer. Persistence layer chịu trách nhiệm giao tiếp với data layer (thường là một hệ quản trị cơ sở dữ liệu quan hệ - Relational DBMS). Persistence layer sẽ đảm nhiệm các nhiệm vụ mở kết nối, truy xuất và lưu trữ dữ liệu vào các Relational DBMS</a:t>
+            </a:r>
+            <a:r>
+              <a:rPr lang="vi-VN" smtClean="0"/>
+              <a:t>.</a:t>
+            </a:r>
+            <a:endParaRPr lang="en-US" smtClean="0"/>
+          </a:p>
+          <a:p>
+            <a:r>
+              <a:rPr lang="en-US" sz="2400"/>
+              <a:t>Layer" là một khái niệm khác với "tier</a:t>
+            </a:r>
+            <a:r>
+              <a:rPr lang="en-US" sz="2400" smtClean="0"/>
+              <a:t>”?????</a:t>
+            </a:r>
+            <a:endParaRPr lang="en-US"/>
+          </a:p>
+          <a:p>
+            <a:pPr lvl="1"/>
+            <a:endParaRPr lang="en-US" smtClean="0"/>
+          </a:p>
+        </p:txBody>
+      </p:sp>
+    </p:spTree>
+    <p:extLst>
+      <p:ext uri="{BB962C8B-B14F-4D97-AF65-F5344CB8AC3E}">
+        <p14:creationId xmlns:p14="http://schemas.microsoft.com/office/powerpoint/2010/main" val="380868578"/>
+      </p:ext>
+    </p:extLst>
+  </p:cSld>
+  <p:clrMapOvr>
+    <a:masterClrMapping/>
+  </p:clrMapOvr>
+  <p:timing>
+    <p:tnLst>
+      <p:par>
+        <p:cTn id="1" dur="indefinite" restart="never" nodeType="tmRoot"/>
+      </p:par>
+    </p:tnLst>
+  </p:timing>
+</p:sld>
+</file>
+
+<file path=ppt/slides/slide19.xml><?xml version="1.0" encoding="utf-8"?>
+<p:sld xmlns:a="http://schemas.openxmlformats.org/drawingml/2006/main" xmlns:r="http://schemas.openxmlformats.org/officeDocument/2006/relationships" xmlns:p="http://schemas.openxmlformats.org/presentationml/2006/main">
+  <p:cSld>
+    <p:spTree>
+      <p:nvGrpSpPr>
+        <p:cNvPr id="1" name=""/>
+        <p:cNvGrpSpPr/>
+        <p:nvPr/>
+      </p:nvGrpSpPr>
+      <p:grpSpPr>
+        <a:xfrm>
+          <a:off x="0" y="0"/>
+          <a:ext cx="0" cy="0"/>
+          <a:chOff x="0" y="0"/>
+          <a:chExt cx="0" cy="0"/>
+        </a:xfrm>
+      </p:grpSpPr>
+      <p:sp>
+        <p:nvSpPr>
+          <p:cNvPr id="2" name="Title 1"/>
+          <p:cNvSpPr>
+            <a:spLocks noGrp="1"/>
+          </p:cNvSpPr>
+          <p:nvPr>
+            <p:ph type="title"/>
+          </p:nvPr>
+        </p:nvSpPr>
+        <p:spPr/>
+        <p:txBody>
+          <a:bodyPr/>
+          <a:lstStyle/>
+          <a:p>
+            <a:r>
+              <a:rPr lang="en-US"/>
+              <a:t>Hibernate framework</a:t>
+            </a:r>
+          </a:p>
+        </p:txBody>
+      </p:sp>
+      <p:sp>
+        <p:nvSpPr>
+          <p:cNvPr id="3" name="Content Placeholder 2"/>
+          <p:cNvSpPr>
+            <a:spLocks noGrp="1"/>
+          </p:cNvSpPr>
+          <p:nvPr>
+            <p:ph idx="1"/>
+          </p:nvPr>
+        </p:nvSpPr>
+        <p:spPr>
+          <a:xfrm>
+            <a:off x="457200" y="950976"/>
+            <a:ext cx="8229600" cy="4489704"/>
+          </a:xfrm>
+        </p:spPr>
+        <p:txBody>
+          <a:bodyPr>
+            <a:normAutofit/>
+          </a:bodyPr>
+          <a:lstStyle/>
+          <a:p>
+            <a:pPr marL="457200" lvl="1">
+              <a:lnSpc>
+                <a:spcPct val="150000"/>
+              </a:lnSpc>
+            </a:pPr>
+            <a:r>
+              <a:rPr lang="en-US" sz="2400"/>
+              <a:t>Hibernate framework là một framework cho persistence </a:t>
+            </a:r>
+            <a:r>
+              <a:rPr lang="en-US" sz="2400" smtClean="0"/>
+              <a:t>layer.</a:t>
+            </a:r>
+          </a:p>
+          <a:p>
+            <a:pPr marL="457200" lvl="1">
+              <a:lnSpc>
+                <a:spcPct val="150000"/>
+              </a:lnSpc>
+            </a:pPr>
+            <a:r>
+              <a:rPr lang="vi-VN" sz="2400"/>
+              <a:t>Hibernate là một dịch vụ lưu trữ và truy vấn dữ liệu quan hệ mạnh mẽ và </a:t>
+            </a:r>
+            <a:r>
+              <a:rPr lang="vi-VN" sz="2400" smtClean="0"/>
+              <a:t>nhanh</a:t>
+            </a:r>
+            <a:r>
+              <a:rPr lang="en-US" sz="2400" smtClean="0"/>
+              <a:t>.</a:t>
+            </a:r>
+          </a:p>
+          <a:p>
+            <a:pPr marL="457200" lvl="1">
+              <a:lnSpc>
+                <a:spcPct val="150000"/>
+              </a:lnSpc>
+            </a:pPr>
+            <a:r>
+              <a:rPr lang="vi-VN" sz="2400"/>
+              <a:t>Hibernate giúp bạn phát triển các class dùng để lưu trữ dữ liệu theo cách thức </a:t>
+            </a:r>
+            <a:r>
+              <a:rPr lang="vi-VN" sz="2400" smtClean="0"/>
+              <a:t>là </a:t>
+            </a:r>
+            <a:r>
+              <a:rPr lang="vi-VN" sz="2400"/>
+              <a:t>hướng đối </a:t>
+            </a:r>
+            <a:r>
+              <a:rPr lang="vi-VN" sz="2400" smtClean="0"/>
+              <a:t>tượng</a:t>
+            </a:r>
+            <a:r>
+              <a:rPr lang="en-US" sz="2400" smtClean="0"/>
+              <a:t>.</a:t>
+            </a:r>
+          </a:p>
+        </p:txBody>
+      </p:sp>
+    </p:spTree>
+    <p:extLst>
+      <p:ext uri="{BB962C8B-B14F-4D97-AF65-F5344CB8AC3E}">
+        <p14:creationId xmlns:p14="http://schemas.microsoft.com/office/powerpoint/2010/main" val="1299983535"/>
+      </p:ext>
+    </p:extLst>
+  </p:cSld>
+  <p:clrMapOvr>
+    <a:masterClrMapping/>
+  </p:clrMapOvr>
+  <p:timing>
+    <p:tnLst>
+      <p:par>
+        <p:cTn id="1" dur="indefinite" restart="never" nodeType="tmRoot"/>
+      </p:par>
+    </p:tnLst>
+  </p:timing>
+</p:sld>
+</file>
+
+<file path=ppt/slides/slide2.xml><?xml version="1.0" encoding="utf-8"?>
+<p:sld xmlns:a="http://schemas.openxmlformats.org/drawingml/2006/main" xmlns:r="http://schemas.openxmlformats.org/officeDocument/2006/relationships" xmlns:p="http://schemas.openxmlformats.org/presentationml/2006/main">
+  <p:cSld>
+    <p:spTree>
+      <p:nvGrpSpPr>
+        <p:cNvPr id="1" name=""/>
+        <p:cNvGrpSpPr/>
+        <p:nvPr/>
+      </p:nvGrpSpPr>
+      <p:grpSpPr>
+        <a:xfrm>
+          <a:off x="0" y="0"/>
+          <a:ext cx="0" cy="0"/>
+          <a:chOff x="0" y="0"/>
+          <a:chExt cx="0" cy="0"/>
+        </a:xfrm>
+      </p:grpSpPr>
+      <p:sp>
+        <p:nvSpPr>
+          <p:cNvPr id="7" name="Title 6"/>
+          <p:cNvSpPr>
+            <a:spLocks noGrp="1"/>
+          </p:cNvSpPr>
+          <p:nvPr>
+            <p:ph type="title"/>
+          </p:nvPr>
+        </p:nvSpPr>
+        <p:spPr/>
+        <p:txBody>
+          <a:bodyPr/>
+          <a:lstStyle/>
+          <a:p>
+            <a:r>
+              <a:rPr lang="en-GB" smtClean="0"/>
+              <a:t>Nội Dung</a:t>
+            </a:r>
+            <a:endParaRPr lang="en-GB" dirty="0"/>
+          </a:p>
+        </p:txBody>
+      </p:sp>
+      <p:sp>
+        <p:nvSpPr>
+          <p:cNvPr id="9" name="Content Placeholder 8"/>
+          <p:cNvSpPr>
+            <a:spLocks noGrp="1"/>
+          </p:cNvSpPr>
+          <p:nvPr>
+            <p:ph idx="1"/>
+          </p:nvPr>
+        </p:nvSpPr>
+        <p:spPr>
+          <a:xfrm>
+            <a:off x="457200" y="926593"/>
+            <a:ext cx="8229600" cy="4178544"/>
+          </a:xfrm>
+        </p:spPr>
+        <p:txBody>
+          <a:bodyPr/>
+          <a:lstStyle/>
+          <a:p>
+            <a:pPr>
+              <a:lnSpc>
+                <a:spcPct val="200000"/>
+              </a:lnSpc>
+              <a:buFont typeface="Wingdings" panose="05000000000000000000" pitchFamily="2" charset="2"/>
+              <a:buChar char="q"/>
+            </a:pPr>
+            <a:r>
+              <a:rPr lang="en-GB" smtClean="0"/>
+              <a:t>Tổng quan Java</a:t>
+            </a:r>
+          </a:p>
+          <a:p>
+            <a:pPr>
+              <a:lnSpc>
+                <a:spcPct val="200000"/>
+              </a:lnSpc>
+              <a:buFont typeface="Wingdings" panose="05000000000000000000" pitchFamily="2" charset="2"/>
+              <a:buChar char="q"/>
+            </a:pPr>
+            <a:r>
+              <a:rPr lang="en-GB" smtClean="0"/>
+              <a:t>Tổng quan MVC</a:t>
+            </a:r>
+          </a:p>
+          <a:p>
+            <a:pPr>
+              <a:lnSpc>
+                <a:spcPct val="200000"/>
+              </a:lnSpc>
+              <a:buFont typeface="Wingdings" panose="05000000000000000000" pitchFamily="2" charset="2"/>
+              <a:buChar char="q"/>
+            </a:pPr>
+            <a:r>
+              <a:rPr lang="en-GB" smtClean="0"/>
+              <a:t>Tổng quan Spring Framework</a:t>
+            </a:r>
+          </a:p>
+          <a:p>
+            <a:pPr>
+              <a:lnSpc>
+                <a:spcPct val="200000"/>
+              </a:lnSpc>
+              <a:buFont typeface="Wingdings" panose="05000000000000000000" pitchFamily="2" charset="2"/>
+              <a:buChar char="q"/>
+            </a:pPr>
+            <a:r>
+              <a:rPr lang="en-GB" smtClean="0"/>
+              <a:t>Giới </a:t>
+            </a:r>
+            <a:r>
+              <a:rPr lang="en-GB" smtClean="0"/>
+              <a:t>thiệu về Maven</a:t>
+            </a:r>
+          </a:p>
+          <a:p>
+            <a:pPr>
+              <a:lnSpc>
+                <a:spcPct val="200000"/>
+              </a:lnSpc>
+              <a:buFont typeface="Wingdings" panose="05000000000000000000" pitchFamily="2" charset="2"/>
+              <a:buChar char="q"/>
+            </a:pPr>
+            <a:r>
+              <a:rPr lang="en-GB" smtClean="0"/>
+              <a:t>Giới thiệu về </a:t>
+            </a:r>
+            <a:r>
+              <a:rPr lang="en-US"/>
+              <a:t>Hibernate framework </a:t>
+            </a:r>
+            <a:endParaRPr lang="en-GB" smtClean="0"/>
+          </a:p>
+        </p:txBody>
+      </p:sp>
+    </p:spTree>
+    <p:extLst>
+      <p:ext uri="{BB962C8B-B14F-4D97-AF65-F5344CB8AC3E}">
+        <p14:creationId xmlns:p14="http://schemas.microsoft.com/office/powerpoint/2010/main" val="3519353775"/>
+      </p:ext>
+    </p:extLst>
+  </p:cSld>
+  <p:clrMapOvr>
+    <a:masterClrMapping/>
+  </p:clrMapOvr>
+  <p:timing>
+    <p:tnLst>
+      <p:par>
+        <p:cTn id="1" dur="indefinite" restart="never" nodeType="tmRoot">
+          <p:childTnLst>
+            <p:seq concurrent="1" nextAc="seek">
+              <p:cTn id="2" dur="indefinite" nodeType="mainSeq">
+                <p:childTnLst>
+                  <p:par>
+                    <p:cTn id="3" fill="hold">
+                      <p:stCondLst>
+                        <p:cond delay="indefinite"/>
+                        <p:cond evt="onBegin" delay="0">
+                          <p:tn val="2"/>
+                        </p:cond>
+                      </p:stCondLst>
+                      <p:childTnLst>
+                        <p:par>
+                          <p:cTn id="4" fill="hold">
+                            <p:stCondLst>
+                              <p:cond delay="0"/>
+                            </p:stCondLst>
+                            <p:childTnLst>
+                              <p:par>
+                                <p:cTn id="5" presetID="22" presetClass="entr" presetSubtype="8" fill="hold" grpId="0" nodeType="withEffect">
+                                  <p:stCondLst>
+                                    <p:cond delay="0"/>
+                                  </p:stCondLst>
+                                  <p:childTnLst>
+                                    <p:set>
+                                      <p:cBhvr>
+                                        <p:cTn id="6" dur="1" fill="hold">
+                                          <p:stCondLst>
+                                            <p:cond delay="0"/>
+                                          </p:stCondLst>
+                                        </p:cTn>
+                                        <p:tgtEl>
+                                          <p:spTgt spid="7"/>
+                                        </p:tgtEl>
+                                        <p:attrNameLst>
+                                          <p:attrName>style.visibility</p:attrName>
+                                        </p:attrNameLst>
+                                      </p:cBhvr>
+                                      <p:to>
+                                        <p:strVal val="visible"/>
+                                      </p:to>
+                                    </p:set>
+                                    <p:animEffect transition="in" filter="wipe(left)">
+                                      <p:cBhvr>
+                                        <p:cTn id="7" dur="500"/>
+                                        <p:tgtEl>
+                                          <p:spTgt spid="7"/>
+                                        </p:tgtEl>
+                                      </p:cBhvr>
+                                    </p:animEffect>
+                                  </p:childTnLst>
+                                </p:cTn>
+                              </p:par>
+                              <p:par>
+                                <p:cTn id="8" presetID="10" presetClass="entr" presetSubtype="0" fill="hold" grpId="0" nodeType="withEffect">
+                                  <p:stCondLst>
+                                    <p:cond delay="0"/>
+                                  </p:stCondLst>
+                                  <p:childTnLst>
+                                    <p:set>
+                                      <p:cBhvr>
+                                        <p:cTn id="9" dur="1" fill="hold">
+                                          <p:stCondLst>
+                                            <p:cond delay="0"/>
+                                          </p:stCondLst>
+                                        </p:cTn>
+                                        <p:tgtEl>
+                                          <p:spTgt spid="9">
+                                            <p:txEl>
+                                              <p:pRg st="0" end="0"/>
+                                            </p:txEl>
+                                          </p:spTgt>
+                                        </p:tgtEl>
+                                        <p:attrNameLst>
+                                          <p:attrName>style.visibility</p:attrName>
+                                        </p:attrNameLst>
+                                      </p:cBhvr>
+                                      <p:to>
+                                        <p:strVal val="visible"/>
+                                      </p:to>
+                                    </p:set>
+                                    <p:animEffect transition="in" filter="fade">
+                                      <p:cBhvr>
+                                        <p:cTn id="10" dur="500"/>
+                                        <p:tgtEl>
+                                          <p:spTgt spid="9">
+                                            <p:txEl>
+                                              <p:pRg st="0" end="0"/>
+                                            </p:txEl>
+                                          </p:spTgt>
+                                        </p:tgtEl>
+                                      </p:cBhvr>
+                                    </p:animEffect>
+                                  </p:childTnLst>
+                                </p:cTn>
+                              </p:par>
+                            </p:childTnLst>
+                          </p:cTn>
+                        </p:par>
+                      </p:childTnLst>
+                    </p:cTn>
+                  </p:par>
+                  <p:par>
+                    <p:cTn id="11" fill="hold">
+                      <p:stCondLst>
+                        <p:cond delay="indefinite"/>
+                      </p:stCondLst>
+                      <p:childTnLst>
+                        <p:par>
+                          <p:cTn id="12" fill="hold">
+                            <p:stCondLst>
+                              <p:cond delay="0"/>
+                            </p:stCondLst>
+                            <p:childTnLst>
+                              <p:par>
+                                <p:cTn id="13" presetID="10" presetClass="entr" presetSubtype="0" fill="hold" grpId="0" nodeType="clickEffect">
+                                  <p:stCondLst>
+                                    <p:cond delay="0"/>
+                                  </p:stCondLst>
+                                  <p:childTnLst>
+                                    <p:set>
+                                      <p:cBhvr>
+                                        <p:cTn id="14" dur="1" fill="hold">
+                                          <p:stCondLst>
+                                            <p:cond delay="0"/>
+                                          </p:stCondLst>
+                                        </p:cTn>
+                                        <p:tgtEl>
+                                          <p:spTgt spid="9">
+                                            <p:txEl>
+                                              <p:pRg st="1" end="1"/>
+                                            </p:txEl>
+                                          </p:spTgt>
+                                        </p:tgtEl>
+                                        <p:attrNameLst>
+                                          <p:attrName>style.visibility</p:attrName>
+                                        </p:attrNameLst>
+                                      </p:cBhvr>
+                                      <p:to>
+                                        <p:strVal val="visible"/>
+                                      </p:to>
+                                    </p:set>
+                                    <p:animEffect transition="in" filter="fade">
+                                      <p:cBhvr>
+                                        <p:cTn id="15" dur="500"/>
+                                        <p:tgtEl>
+                                          <p:spTgt spid="9">
+                                            <p:txEl>
+                                              <p:pRg st="1" end="1"/>
+                                            </p:txEl>
+                                          </p:spTgt>
+                                        </p:tgtEl>
+                                      </p:cBhvr>
+                                    </p:animEffect>
+                                  </p:childTnLst>
+                                </p:cTn>
+                              </p:par>
+                            </p:childTnLst>
+                          </p:cTn>
+                        </p:par>
+                      </p:childTnLst>
+                    </p:cTn>
+                  </p:par>
+                  <p:par>
+                    <p:cTn id="16" fill="hold">
+                      <p:stCondLst>
+                        <p:cond delay="indefinite"/>
+                      </p:stCondLst>
+                      <p:childTnLst>
+                        <p:par>
+                          <p:cTn id="17" fill="hold">
+                            <p:stCondLst>
+                              <p:cond delay="0"/>
+                            </p:stCondLst>
+                            <p:childTnLst>
+                              <p:par>
+                                <p:cTn id="18" presetID="10" presetClass="entr" presetSubtype="0" fill="hold" grpId="0" nodeType="clickEffect">
+                                  <p:stCondLst>
+                                    <p:cond delay="0"/>
+                                  </p:stCondLst>
+                                  <p:childTnLst>
+                                    <p:set>
+                                      <p:cBhvr>
+                                        <p:cTn id="19" dur="1" fill="hold">
+                                          <p:stCondLst>
+                                            <p:cond delay="0"/>
+                                          </p:stCondLst>
+                                        </p:cTn>
+                                        <p:tgtEl>
+                                          <p:spTgt spid="9">
+                                            <p:txEl>
+                                              <p:pRg st="2" end="2"/>
+                                            </p:txEl>
+                                          </p:spTgt>
+                                        </p:tgtEl>
+                                        <p:attrNameLst>
+                                          <p:attrName>style.visibility</p:attrName>
+                                        </p:attrNameLst>
+                                      </p:cBhvr>
+                                      <p:to>
+                                        <p:strVal val="visible"/>
+                                      </p:to>
+                                    </p:set>
+                                    <p:animEffect transition="in" filter="fade">
+                                      <p:cBhvr>
+                                        <p:cTn id="20" dur="500"/>
+                                        <p:tgtEl>
+                                          <p:spTgt spid="9">
+                                            <p:txEl>
+                                              <p:pRg st="2" end="2"/>
+                                            </p:txEl>
+                                          </p:spTgt>
+                                        </p:tgtEl>
+                                      </p:cBhvr>
+                                    </p:animEffect>
+                                  </p:childTnLst>
+                                </p:cTn>
+                              </p:par>
+                            </p:childTnLst>
+                          </p:cTn>
+                        </p:par>
+                      </p:childTnLst>
+                    </p:cTn>
+                  </p:par>
+                  <p:par>
+                    <p:cTn id="21" fill="hold">
+                      <p:stCondLst>
+                        <p:cond delay="indefinite"/>
+                      </p:stCondLst>
+                      <p:childTnLst>
+                        <p:par>
+                          <p:cTn id="22" fill="hold">
+                            <p:stCondLst>
+                              <p:cond delay="0"/>
+                            </p:stCondLst>
+                            <p:childTnLst>
+                              <p:par>
+                                <p:cTn id="23" presetID="10" presetClass="entr" presetSubtype="0" fill="hold" grpId="0" nodeType="clickEffect">
+                                  <p:stCondLst>
+                                    <p:cond delay="0"/>
+                                  </p:stCondLst>
+                                  <p:childTnLst>
+                                    <p:set>
+                                      <p:cBhvr>
+                                        <p:cTn id="24" dur="1" fill="hold">
+                                          <p:stCondLst>
+                                            <p:cond delay="0"/>
+                                          </p:stCondLst>
+                                        </p:cTn>
+                                        <p:tgtEl>
+                                          <p:spTgt spid="9">
+                                            <p:txEl>
+                                              <p:pRg st="3" end="3"/>
+                                            </p:txEl>
+                                          </p:spTgt>
+                                        </p:tgtEl>
+                                        <p:attrNameLst>
+                                          <p:attrName>style.visibility</p:attrName>
+                                        </p:attrNameLst>
+                                      </p:cBhvr>
+                                      <p:to>
+                                        <p:strVal val="visible"/>
+                                      </p:to>
+                                    </p:set>
+                                    <p:animEffect transition="in" filter="fade">
+                                      <p:cBhvr>
+                                        <p:cTn id="25" dur="500"/>
+                                        <p:tgtEl>
+                                          <p:spTgt spid="9">
+                                            <p:txEl>
+                                              <p:pRg st="3" end="3"/>
+                                            </p:txEl>
+                                          </p:spTgt>
+                                        </p:tgtEl>
+                                      </p:cBhvr>
+                                    </p:animEffect>
+                                  </p:childTnLst>
+                                </p:cTn>
+                              </p:par>
+                            </p:childTnLst>
+                          </p:cTn>
+                        </p:par>
+                      </p:childTnLst>
+                    </p:cTn>
+                  </p:par>
+                  <p:par>
+                    <p:cTn id="26" fill="hold">
+                      <p:stCondLst>
+                        <p:cond delay="indefinite"/>
+                      </p:stCondLst>
+                      <p:childTnLst>
+                        <p:par>
+                          <p:cTn id="27" fill="hold">
+                            <p:stCondLst>
+                              <p:cond delay="0"/>
+                            </p:stCondLst>
+                            <p:childTnLst>
+                              <p:par>
+                                <p:cTn id="28" presetID="10" presetClass="entr" presetSubtype="0" fill="hold" grpId="0" nodeType="clickEffect">
+                                  <p:stCondLst>
+                                    <p:cond delay="0"/>
+                                  </p:stCondLst>
+                                  <p:childTnLst>
+                                    <p:set>
+                                      <p:cBhvr>
+                                        <p:cTn id="29" dur="1" fill="hold">
+                                          <p:stCondLst>
+                                            <p:cond delay="0"/>
+                                          </p:stCondLst>
+                                        </p:cTn>
+                                        <p:tgtEl>
+                                          <p:spTgt spid="9">
+                                            <p:txEl>
+                                              <p:pRg st="4" end="4"/>
+                                            </p:txEl>
+                                          </p:spTgt>
+                                        </p:tgtEl>
+                                        <p:attrNameLst>
+                                          <p:attrName>style.visibility</p:attrName>
+                                        </p:attrNameLst>
+                                      </p:cBhvr>
+                                      <p:to>
+                                        <p:strVal val="visible"/>
+                                      </p:to>
+                                    </p:set>
+                                    <p:animEffect transition="in" filter="fade">
+                                      <p:cBhvr>
+                                        <p:cTn id="30" dur="500"/>
+                                        <p:tgtEl>
+                                          <p:spTgt spid="9">
+                                            <p:txEl>
+                                              <p:pRg st="4" end="4"/>
+                                            </p:txEl>
+                                          </p:spTgt>
+                                        </p:tgtEl>
+                                      </p:cBhvr>
+                                    </p:animEffect>
+                                  </p:childTnLst>
+                                </p:cTn>
+                              </p:par>
+                            </p:childTnLst>
+                          </p:cTn>
+                        </p:par>
+                      </p:childTnLst>
+                    </p:cTn>
+                  </p:par>
+                </p:childTnLst>
+              </p:cTn>
+              <p:prevCondLst>
+                <p:cond evt="onPrev" delay="0">
+                  <p:tgtEl>
+                    <p:sldTgt/>
+                  </p:tgtEl>
+                </p:cond>
+              </p:prevCondLst>
+              <p:nextCondLst>
+                <p:cond evt="onNext" delay="0">
+                  <p:tgtEl>
+                    <p:sldTgt/>
+                  </p:tgtEl>
+                </p:cond>
+              </p:nextCondLst>
+            </p:seq>
+          </p:childTnLst>
+        </p:cTn>
+      </p:par>
+    </p:tnLst>
+    <p:bldLst>
+      <p:bldP spid="7" grpId="0"/>
+      <p:bldP spid="9" grpId="0" uiExpand="1" build="p"/>
+    </p:bldLst>
+  </p:timing>
+</p:sld>
+</file>
+
+<file path=ppt/slides/slide20.xml><?xml version="1.0" encoding="utf-8"?>
+<p:sld xmlns:a="http://schemas.openxmlformats.org/drawingml/2006/main" xmlns:r="http://schemas.openxmlformats.org/officeDocument/2006/relationships" xmlns:p="http://schemas.openxmlformats.org/presentationml/2006/main">
+  <p:cSld>
+    <p:spTree>
+      <p:nvGrpSpPr>
+        <p:cNvPr id="1" name=""/>
+        <p:cNvGrpSpPr/>
+        <p:nvPr/>
+      </p:nvGrpSpPr>
+      <p:grpSpPr>
+        <a:xfrm>
+          <a:off x="0" y="0"/>
+          <a:ext cx="0" cy="0"/>
+          <a:chOff x="0" y="0"/>
+          <a:chExt cx="0" cy="0"/>
+        </a:xfrm>
+      </p:grpSpPr>
+      <p:sp>
+        <p:nvSpPr>
+          <p:cNvPr id="2" name="Title 1"/>
+          <p:cNvSpPr>
+            <a:spLocks noGrp="1"/>
+          </p:cNvSpPr>
+          <p:nvPr>
+            <p:ph type="title"/>
+          </p:nvPr>
+        </p:nvSpPr>
+        <p:spPr/>
+        <p:txBody>
+          <a:bodyPr/>
+          <a:lstStyle/>
+          <a:p>
+            <a:r>
+              <a:rPr lang="en-US"/>
+              <a:t>Hibernate framework</a:t>
+            </a:r>
+          </a:p>
+        </p:txBody>
+      </p:sp>
+      <p:sp>
+        <p:nvSpPr>
+          <p:cNvPr id="3" name="Content Placeholder 2"/>
+          <p:cNvSpPr>
+            <a:spLocks noGrp="1"/>
+          </p:cNvSpPr>
+          <p:nvPr>
+            <p:ph idx="1"/>
+          </p:nvPr>
+        </p:nvSpPr>
+        <p:spPr>
+          <a:xfrm>
+            <a:off x="457200" y="950976"/>
+            <a:ext cx="8229600" cy="4489704"/>
+          </a:xfrm>
+        </p:spPr>
+        <p:txBody>
+          <a:bodyPr>
+            <a:normAutofit/>
+          </a:bodyPr>
+          <a:lstStyle/>
+          <a:p>
+            <a:pPr marL="457200" lvl="1">
+              <a:lnSpc>
+                <a:spcPct val="150000"/>
+              </a:lnSpc>
+            </a:pPr>
+            <a:r>
+              <a:rPr lang="vi-VN" sz="2400"/>
+              <a:t>Hibernate cho phép bạn thực hiện các câu truy vấn dữ liệu bằng cách sử dụng ngôn ngữ SQL mở rộng của Hibernate (HQL) hoặc là ngôn ngữ SQL nguyên thuỷ cũng như là sử dụng các API</a:t>
+            </a:r>
+            <a:r>
+              <a:rPr lang="vi-VN" sz="2400" smtClean="0"/>
+              <a:t>.</a:t>
+            </a:r>
+            <a:endParaRPr lang="en-US" sz="2400" smtClean="0"/>
+          </a:p>
+          <a:p>
+            <a:pPr marL="457200" lvl="1">
+              <a:lnSpc>
+                <a:spcPct val="150000"/>
+              </a:lnSpc>
+            </a:pPr>
+            <a:r>
+              <a:rPr lang="en-US" sz="2400" smtClean="0"/>
+              <a:t>Có </a:t>
+            </a:r>
+            <a:r>
+              <a:rPr lang="en-US" sz="2400"/>
+              <a:t>Hibernate framework mà giờ đây khi bạn phát triển một ứng dụng bạn chỉ còn chú tâm vào những layer khác mà không phải bận tâm nhiều về persistence layer nữa.</a:t>
+            </a:r>
+          </a:p>
+        </p:txBody>
+      </p:sp>
+    </p:spTree>
+    <p:extLst>
+      <p:ext uri="{BB962C8B-B14F-4D97-AF65-F5344CB8AC3E}">
+        <p14:creationId xmlns:p14="http://schemas.microsoft.com/office/powerpoint/2010/main" val="227213640"/>
+      </p:ext>
+    </p:extLst>
+  </p:cSld>
+  <p:clrMapOvr>
+    <a:masterClrMapping/>
+  </p:clrMapOvr>
+  <p:timing>
+    <p:tnLst>
+      <p:par>
+        <p:cTn id="1" dur="indefinite" restart="never" nodeType="tmRoot"/>
+      </p:par>
+    </p:tnLst>
+  </p:timing>
+</p:sld>
+</file>
+
+<file path=ppt/slides/slide21.xml><?xml version="1.0" encoding="utf-8"?>
+<p:sld xmlns:a="http://schemas.openxmlformats.org/drawingml/2006/main" xmlns:r="http://schemas.openxmlformats.org/officeDocument/2006/relationships" xmlns:p="http://schemas.openxmlformats.org/presentationml/2006/main">
+  <p:cSld>
+    <p:spTree>
+      <p:nvGrpSpPr>
+        <p:cNvPr id="1" name=""/>
+        <p:cNvGrpSpPr/>
+        <p:nvPr/>
+      </p:nvGrpSpPr>
+      <p:grpSpPr>
+        <a:xfrm>
+          <a:off x="0" y="0"/>
+          <a:ext cx="0" cy="0"/>
+          <a:chOff x="0" y="0"/>
+          <a:chExt cx="0" cy="0"/>
+        </a:xfrm>
+      </p:grpSpPr>
+      <p:sp>
+        <p:nvSpPr>
+          <p:cNvPr id="2" name="Title 1"/>
+          <p:cNvSpPr>
+            <a:spLocks noGrp="1"/>
+          </p:cNvSpPr>
+          <p:nvPr>
+            <p:ph type="title"/>
+          </p:nvPr>
+        </p:nvSpPr>
+        <p:spPr/>
+        <p:txBody>
+          <a:bodyPr/>
+          <a:lstStyle/>
+          <a:p>
+            <a:r>
+              <a:rPr lang="en-US"/>
+              <a:t>Hibernate framework</a:t>
+            </a:r>
+          </a:p>
+        </p:txBody>
+      </p:sp>
+      <p:pic>
+        <p:nvPicPr>
+          <p:cNvPr id="1026" name="Picture 2"/>
+          <p:cNvPicPr>
+            <a:picLocks noChangeAspect="1" noChangeArrowheads="1"/>
+          </p:cNvPicPr>
+          <p:nvPr/>
+        </p:nvPicPr>
+        <p:blipFill>
+          <a:blip r:embed="rId3">
+            <a:extLst>
+              <a:ext uri="{28A0092B-C50C-407E-A947-70E740481C1C}">
+                <a14:useLocalDpi xmlns:a14="http://schemas.microsoft.com/office/drawing/2010/main" val="0"/>
+              </a:ext>
+            </a:extLst>
+          </a:blip>
+          <a:srcRect/>
+          <a:stretch>
+            <a:fillRect/>
+          </a:stretch>
+        </p:blipFill>
+        <p:spPr bwMode="auto">
+          <a:xfrm>
+            <a:off x="1127760" y="1271270"/>
+            <a:ext cx="6888480" cy="3895090"/>
+          </a:xfrm>
+          <a:prstGeom prst="rect">
+            <a:avLst/>
+          </a:prstGeom>
+          <a:noFill/>
+          <a:ln>
+            <a:noFill/>
+          </a:ln>
+          <a:extLst>
+            <a:ext uri="{909E8E84-426E-40DD-AFC4-6F175D3DCCD1}">
+              <a14:hiddenFill xmlns:a14="http://schemas.microsoft.com/office/drawing/2010/main">
+                <a:solidFill>
+                  <a:srgbClr val="FFFFFF"/>
+                </a:solidFill>
+              </a14:hiddenFill>
+            </a:ext>
+            <a:ext uri="{91240B29-F687-4F45-9708-019B960494DF}">
+              <a14:hiddenLine xmlns:a14="http://schemas.microsoft.com/office/drawing/2010/main" w="9525">
+                <a:solidFill>
+                  <a:srgbClr val="000000"/>
+                </a:solidFill>
+                <a:miter lim="800000"/>
+                <a:headEnd/>
+                <a:tailEnd/>
+              </a14:hiddenLine>
+            </a:ext>
+          </a:extLst>
+        </p:spPr>
+      </p:pic>
+    </p:spTree>
+    <p:extLst>
+      <p:ext uri="{BB962C8B-B14F-4D97-AF65-F5344CB8AC3E}">
+        <p14:creationId xmlns:p14="http://schemas.microsoft.com/office/powerpoint/2010/main" val="2782599275"/>
+      </p:ext>
+    </p:extLst>
+  </p:cSld>
+  <p:clrMapOvr>
+    <a:masterClrMapping/>
+  </p:clrMapOvr>
+  <p:timing>
+    <p:tnLst>
+      <p:par>
+        <p:cTn id="1" dur="indefinite" restart="never" nodeType="tmRoot"/>
+      </p:par>
+    </p:tnLst>
+  </p:timing>
+</p:sld>
+</file>
+
+<file path=ppt/slides/slide22.xml><?xml version="1.0" encoding="utf-8"?>
+<p:sld xmlns:a="http://schemas.openxmlformats.org/drawingml/2006/main" xmlns:r="http://schemas.openxmlformats.org/officeDocument/2006/relationships" xmlns:p="http://schemas.openxmlformats.org/presentationml/2006/main">
+  <p:cSld>
+    <p:spTree>
+      <p:nvGrpSpPr>
+        <p:cNvPr id="1" name=""/>
+        <p:cNvGrpSpPr/>
+        <p:nvPr/>
+      </p:nvGrpSpPr>
+      <p:grpSpPr>
+        <a:xfrm>
+          <a:off x="0" y="0"/>
+          <a:ext cx="0" cy="0"/>
+          <a:chOff x="0" y="0"/>
+          <a:chExt cx="0" cy="0"/>
+        </a:xfrm>
+      </p:grpSpPr>
+      <p:sp>
+        <p:nvSpPr>
+          <p:cNvPr id="4" name="Title 3"/>
+          <p:cNvSpPr>
+            <a:spLocks noGrp="1"/>
+          </p:cNvSpPr>
+          <p:nvPr>
+            <p:ph type="title"/>
+          </p:nvPr>
+        </p:nvSpPr>
+        <p:spPr/>
+        <p:txBody>
+          <a:bodyPr/>
+          <a:lstStyle/>
+          <a:p>
+            <a:r>
+              <a:rPr lang="en-GB" dirty="0" smtClean="0"/>
+              <a:t>Thank you</a:t>
+            </a:r>
+            <a:r>
+              <a:rPr lang="en-GB" smtClean="0"/>
+              <a:t/>
+            </a:r>
+            <a:br>
+              <a:rPr lang="en-GB" smtClean="0"/>
+            </a:br>
+            <a:endParaRPr lang="en-GB" dirty="0">
+              <a:solidFill>
+                <a:srgbClr val="422F20"/>
+              </a:solidFill>
+            </a:endParaRPr>
+          </a:p>
+        </p:txBody>
+      </p:sp>
+      <p:pic>
+        <p:nvPicPr>
+          <p:cNvPr id="11" name="Picture Placeholder 10"/>
+          <p:cNvPicPr>
+            <a:picLocks noGrp="1" noChangeAspect="1"/>
+          </p:cNvPicPr>
+          <p:nvPr>
+            <p:ph type="pic" sz="quarter" idx="10"/>
+          </p:nvPr>
+        </p:nvPicPr>
+        <p:blipFill>
+          <a:blip r:embed="rId2" cstate="print">
+            <a:extLst>
+              <a:ext uri="{28A0092B-C50C-407E-A947-70E740481C1C}">
+                <a14:useLocalDpi xmlns:a14="http://schemas.microsoft.com/office/drawing/2010/main" val="0"/>
+              </a:ext>
+            </a:extLst>
+          </a:blip>
+          <a:srcRect l="42466" r="42466"/>
+          <a:stretch>
+            <a:fillRect/>
+          </a:stretch>
+        </p:blipFill>
+        <p:spPr/>
+      </p:pic>
+      <p:sp>
+        <p:nvSpPr>
+          <p:cNvPr id="2" name="Subtitle 1"/>
+          <p:cNvSpPr>
+            <a:spLocks noGrp="1"/>
+          </p:cNvSpPr>
+          <p:nvPr>
+            <p:ph type="subTitle" idx="1"/>
+          </p:nvPr>
+        </p:nvSpPr>
+        <p:spPr/>
+        <p:txBody>
+          <a:bodyPr/>
+          <a:lstStyle/>
+          <a:p>
+            <a:endParaRPr lang="en-US"/>
+          </a:p>
+        </p:txBody>
+      </p:sp>
+    </p:spTree>
+    <p:extLst>
+      <p:ext uri="{BB962C8B-B14F-4D97-AF65-F5344CB8AC3E}">
+        <p14:creationId xmlns:p14="http://schemas.microsoft.com/office/powerpoint/2010/main" val="2714980414"/>
+      </p:ext>
+    </p:extLst>
+  </p:cSld>
+  <p:clrMapOvr>
+    <a:masterClrMapping/>
+  </p:clrMapOvr>
+  <p:timing>
+    <p:tnLst>
+      <p:par>
+        <p:cTn id="1" dur="indefinite" restart="never" nodeType="tmRoot">
+          <p:childTnLst>
+            <p:seq concurrent="1" nextAc="seek">
+              <p:cTn id="2" dur="indefinite" nodeType="mainSeq">
+                <p:childTnLst>
+                  <p:par>
+                    <p:cTn id="3" fill="hold">
+                      <p:stCondLst>
+                        <p:cond delay="indefinite"/>
+                        <p:cond evt="onBegin" delay="0">
+                          <p:tn val="2"/>
+                        </p:cond>
+                      </p:stCondLst>
+                      <p:childTnLst>
+                        <p:par>
+                          <p:cTn id="4" fill="hold">
+                            <p:stCondLst>
+                              <p:cond delay="0"/>
+                            </p:stCondLst>
+                            <p:childTnLst>
+                              <p:par>
+                                <p:cTn id="5" presetID="22" presetClass="entr" presetSubtype="8" fill="hold" grpId="0" nodeType="withEffect">
+                                  <p:stCondLst>
+                                    <p:cond delay="0"/>
+                                  </p:stCondLst>
+                                  <p:iterate type="wd">
+                                    <p:tmPct val="10000"/>
+                                  </p:iterate>
+                                  <p:childTnLst>
+                                    <p:set>
+                                      <p:cBhvr>
+                                        <p:cTn id="6" dur="1" fill="hold">
+                                          <p:stCondLst>
+                                            <p:cond delay="0"/>
+                                          </p:stCondLst>
+                                        </p:cTn>
+                                        <p:tgtEl>
+                                          <p:spTgt spid="4"/>
+                                        </p:tgtEl>
+                                        <p:attrNameLst>
+                                          <p:attrName>style.visibility</p:attrName>
+                                        </p:attrNameLst>
+                                      </p:cBhvr>
+                                      <p:to>
+                                        <p:strVal val="visible"/>
+                                      </p:to>
+                                    </p:set>
+                                    <p:animEffect transition="in" filter="wipe(left)">
+                                      <p:cBhvr>
+                                        <p:cTn id="7" dur="500"/>
+                                        <p:tgtEl>
+                                          <p:spTgt spid="4"/>
+                                        </p:tgtEl>
+                                      </p:cBhvr>
+                                    </p:animEffect>
+                                  </p:childTnLst>
+                                </p:cTn>
+                              </p:par>
+                            </p:childTnLst>
+                          </p:cTn>
+                        </p:par>
+                      </p:childTnLst>
+                    </p:cTn>
+                  </p:par>
+                </p:childTnLst>
+              </p:cTn>
+              <p:prevCondLst>
+                <p:cond evt="onPrev" delay="0">
+                  <p:tgtEl>
+                    <p:sldTgt/>
+                  </p:tgtEl>
+                </p:cond>
+              </p:prevCondLst>
+              <p:nextCondLst>
+                <p:cond evt="onNext" delay="0">
+                  <p:tgtEl>
+                    <p:sldTgt/>
+                  </p:tgtEl>
+                </p:cond>
+              </p:nextCondLst>
+            </p:seq>
+          </p:childTnLst>
+        </p:cTn>
+      </p:par>
+    </p:tnLst>
+    <p:bldLst>
+      <p:bldP spid="4" grpId="0"/>
+    </p:bldLst>
+  </p:timing>
+</p:sld>
+</file>
+
+<file path=ppt/slides/slide3.xml><?xml version="1.0" encoding="utf-8"?>
+<p:sld xmlns:a="http://schemas.openxmlformats.org/drawingml/2006/main" xmlns:r="http://schemas.openxmlformats.org/officeDocument/2006/relationships" xmlns:p="http://schemas.openxmlformats.org/presentationml/2006/main">
+  <p:cSld>
+    <p:spTree>
+      <p:nvGrpSpPr>
+        <p:cNvPr id="1" name=""/>
+        <p:cNvGrpSpPr/>
+        <p:nvPr/>
+      </p:nvGrpSpPr>
+      <p:grpSpPr>
+        <a:xfrm>
+          <a:off x="0" y="0"/>
+          <a:ext cx="0" cy="0"/>
+          <a:chOff x="0" y="0"/>
+          <a:chExt cx="0" cy="0"/>
+        </a:xfrm>
+      </p:grpSpPr>
+      <p:sp>
+        <p:nvSpPr>
+          <p:cNvPr id="7" name="Title 6"/>
+          <p:cNvSpPr>
+            <a:spLocks noGrp="1"/>
+          </p:cNvSpPr>
+          <p:nvPr>
+            <p:ph type="title"/>
+          </p:nvPr>
+        </p:nvSpPr>
+        <p:spPr/>
+        <p:txBody>
+          <a:bodyPr>
+            <a:normAutofit/>
+          </a:bodyPr>
+          <a:lstStyle/>
+          <a:p>
+            <a:r>
+              <a:rPr lang="en-GB"/>
+              <a:t>Tổng </a:t>
+            </a:r>
+            <a:r>
+              <a:rPr lang="en-GB"/>
+              <a:t>quan </a:t>
+            </a:r>
+            <a:r>
+              <a:rPr lang="en-GB" smtClean="0"/>
+              <a:t>Java</a:t>
+            </a:r>
+            <a:endParaRPr lang="en-GB" dirty="0"/>
+          </a:p>
+        </p:txBody>
+      </p:sp>
+      <p:sp>
+        <p:nvSpPr>
+          <p:cNvPr id="9" name="Content Placeholder 8"/>
+          <p:cNvSpPr>
+            <a:spLocks noGrp="1"/>
+          </p:cNvSpPr>
+          <p:nvPr>
+            <p:ph idx="1"/>
+          </p:nvPr>
+        </p:nvSpPr>
+        <p:spPr>
+          <a:xfrm>
+            <a:off x="457200" y="836892"/>
+            <a:ext cx="8229600" cy="4664748"/>
+          </a:xfrm>
+        </p:spPr>
+        <p:txBody>
+          <a:bodyPr>
+            <a:normAutofit lnSpcReduction="10000"/>
+          </a:bodyPr>
+          <a:lstStyle/>
+          <a:p>
+            <a:pPr>
+              <a:lnSpc>
+                <a:spcPct val="120000"/>
+              </a:lnSpc>
+              <a:buFont typeface="Wingdings" panose="05000000000000000000" pitchFamily="2" charset="2"/>
+              <a:buChar char="§"/>
+            </a:pPr>
+            <a:r>
+              <a:rPr lang="vi-VN"/>
+              <a:t>J2SE: hỗ trợ xây dựng các Desktop Application </a:t>
+            </a:r>
+            <a:r>
+              <a:rPr lang="vi-VN" b="1"/>
+              <a:t>&lt;desktop&gt;</a:t>
+            </a:r>
+            <a:endParaRPr lang="en-US"/>
+          </a:p>
+          <a:p>
+            <a:pPr>
+              <a:lnSpc>
+                <a:spcPct val="120000"/>
+              </a:lnSpc>
+              <a:buFont typeface="Wingdings" panose="05000000000000000000" pitchFamily="2" charset="2"/>
+              <a:buChar char="§"/>
+            </a:pPr>
+            <a:r>
+              <a:rPr lang="vi-VN"/>
+              <a:t>J2ME là lập trình cho thiết bị di động. </a:t>
+            </a:r>
+            <a:r>
+              <a:rPr lang="vi-VN" b="1"/>
+              <a:t>&lt;</a:t>
+            </a:r>
+            <a:r>
+              <a:rPr lang="vi-VN" b="1" smtClean="0"/>
+              <a:t>Mobile&gt;</a:t>
+            </a:r>
+            <a:endParaRPr lang="en-US"/>
+          </a:p>
+          <a:p>
+            <a:pPr>
+              <a:lnSpc>
+                <a:spcPct val="120000"/>
+              </a:lnSpc>
+              <a:buFont typeface="Wingdings" panose="05000000000000000000" pitchFamily="2" charset="2"/>
+              <a:buChar char="§"/>
+            </a:pPr>
+            <a:r>
+              <a:rPr lang="vi-VN" smtClean="0"/>
+              <a:t>J2EE</a:t>
+            </a:r>
+            <a:r>
+              <a:rPr lang="vi-VN"/>
+              <a:t>: </a:t>
+            </a:r>
+            <a:r>
+              <a:rPr lang="vi-VN"/>
+              <a:t>hỗ </a:t>
+            </a:r>
+            <a:r>
+              <a:rPr lang="vi-VN" smtClean="0"/>
+              <a:t>trợ </a:t>
+            </a:r>
+            <a:r>
+              <a:rPr lang="vi-VN"/>
+              <a:t>xây dựng Web Application và các dịch vụ Web </a:t>
+            </a:r>
+            <a:r>
+              <a:rPr lang="vi-VN" b="1"/>
+              <a:t>&lt;</a:t>
+            </a:r>
+            <a:r>
+              <a:rPr lang="vi-VN" b="1"/>
+              <a:t>Web</a:t>
+            </a:r>
+            <a:r>
+              <a:rPr lang="vi-VN" b="1" smtClean="0"/>
+              <a:t>&gt;</a:t>
+            </a:r>
+            <a:endParaRPr lang="en-US" b="1" smtClean="0"/>
+          </a:p>
+          <a:p>
+            <a:pPr>
+              <a:lnSpc>
+                <a:spcPct val="120000"/>
+              </a:lnSpc>
+              <a:buFont typeface="Wingdings" panose="05000000000000000000" pitchFamily="2" charset="2"/>
+              <a:buChar char="§"/>
+            </a:pPr>
+            <a:r>
+              <a:rPr lang="vi-VN"/>
+              <a:t>Java được xây dựng trên nền tảng của C và C++</a:t>
+            </a:r>
+            <a:endParaRPr lang="en-US"/>
+          </a:p>
+          <a:p>
+            <a:pPr>
+              <a:lnSpc>
+                <a:spcPct val="120000"/>
+              </a:lnSpc>
+              <a:buFont typeface="Wingdings" panose="05000000000000000000" pitchFamily="2" charset="2"/>
+              <a:buChar char="§"/>
+            </a:pPr>
+            <a:r>
+              <a:rPr lang="vi-VN"/>
+              <a:t>Đặc trưng của java:</a:t>
+            </a:r>
+            <a:endParaRPr lang="en-US"/>
+          </a:p>
+          <a:p>
+            <a:pPr marL="974725" lvl="0">
+              <a:lnSpc>
+                <a:spcPct val="120000"/>
+              </a:lnSpc>
+              <a:buFont typeface="Wingdings" panose="05000000000000000000" pitchFamily="2" charset="2"/>
+              <a:buChar char="Ø"/>
+              <a:tabLst>
+                <a:tab pos="1082675" algn="l"/>
+              </a:tabLst>
+            </a:pPr>
+            <a:r>
+              <a:rPr lang="vi-VN"/>
+              <a:t>Đơn giản</a:t>
+            </a:r>
+            <a:endParaRPr lang="en-US"/>
+          </a:p>
+          <a:p>
+            <a:pPr marL="974725" lvl="0">
+              <a:lnSpc>
+                <a:spcPct val="120000"/>
+              </a:lnSpc>
+              <a:buFont typeface="Wingdings" panose="05000000000000000000" pitchFamily="2" charset="2"/>
+              <a:buChar char="Ø"/>
+              <a:tabLst>
+                <a:tab pos="1082675" algn="l"/>
+              </a:tabLst>
+            </a:pPr>
+            <a:r>
+              <a:rPr lang="vi-VN"/>
+              <a:t>Hướng đối tượng</a:t>
+            </a:r>
+            <a:endParaRPr lang="en-US"/>
+          </a:p>
+          <a:p>
+            <a:pPr marL="974725" lvl="0">
+              <a:lnSpc>
+                <a:spcPct val="120000"/>
+              </a:lnSpc>
+              <a:buFont typeface="Wingdings" panose="05000000000000000000" pitchFamily="2" charset="2"/>
+              <a:buChar char="Ø"/>
+              <a:tabLst>
+                <a:tab pos="1082675" algn="l"/>
+              </a:tabLst>
+            </a:pPr>
+            <a:r>
+              <a:rPr lang="vi-VN"/>
+              <a:t>Độc lập với hệ nền</a:t>
+            </a:r>
+            <a:endParaRPr lang="en-US"/>
+          </a:p>
+          <a:p>
+            <a:pPr marL="974725" lvl="0">
+              <a:lnSpc>
+                <a:spcPct val="120000"/>
+              </a:lnSpc>
+              <a:buFont typeface="Wingdings" panose="05000000000000000000" pitchFamily="2" charset="2"/>
+              <a:buChar char="Ø"/>
+              <a:tabLst>
+                <a:tab pos="1082675" algn="l"/>
+              </a:tabLst>
+            </a:pPr>
+            <a:r>
+              <a:rPr lang="vi-VN"/>
+              <a:t>Hỗ trợ lập trình </a:t>
+            </a:r>
+            <a:r>
+              <a:rPr lang="vi-VN"/>
+              <a:t>đa </a:t>
+            </a:r>
+            <a:r>
+              <a:rPr lang="vi-VN" smtClean="0"/>
+              <a:t>tuyến</a:t>
+            </a:r>
+            <a:endParaRPr lang="en-US" smtClean="0"/>
+          </a:p>
+          <a:p>
+            <a:pPr marL="974725" lvl="0">
+              <a:lnSpc>
+                <a:spcPct val="120000"/>
+              </a:lnSpc>
+              <a:buFont typeface="Wingdings" panose="05000000000000000000" pitchFamily="2" charset="2"/>
+              <a:buChar char="Ø"/>
+              <a:tabLst>
+                <a:tab pos="1082675" algn="l"/>
+              </a:tabLst>
+            </a:pPr>
+            <a:r>
+              <a:rPr lang="en-US" smtClean="0"/>
+              <a:t>.....</a:t>
+            </a:r>
+            <a:endParaRPr lang="en-US"/>
+          </a:p>
+          <a:p>
+            <a:pPr>
+              <a:buFont typeface="Wingdings" panose="05000000000000000000" pitchFamily="2" charset="2"/>
+              <a:buChar char="§"/>
+            </a:pPr>
+            <a:endParaRPr lang="en-GB" smtClean="0"/>
+          </a:p>
+        </p:txBody>
+      </p:sp>
+    </p:spTree>
+    <p:extLst>
+      <p:ext uri="{BB962C8B-B14F-4D97-AF65-F5344CB8AC3E}">
+        <p14:creationId xmlns:p14="http://schemas.microsoft.com/office/powerpoint/2010/main" val="1199389651"/>
+      </p:ext>
+    </p:extLst>
+  </p:cSld>
+  <p:clrMapOvr>
+    <a:masterClrMapping/>
+  </p:clrMapOvr>
+  <p:timing>
+    <p:tnLst>
+      <p:par>
+        <p:cTn id="1" dur="indefinite" restart="never" nodeType="tmRoot">
+          <p:childTnLst>
+            <p:seq concurrent="1" nextAc="seek">
+              <p:cTn id="2" dur="indefinite" nodeType="mainSeq">
+                <p:childTnLst>
+                  <p:par>
+                    <p:cTn id="3" fill="hold">
+                      <p:stCondLst>
+                        <p:cond delay="indefinite"/>
+                        <p:cond evt="onBegin" delay="0">
+                          <p:tn val="2"/>
+                        </p:cond>
+                      </p:stCondLst>
+                      <p:childTnLst>
+                        <p:par>
+                          <p:cTn id="4" fill="hold">
+                            <p:stCondLst>
+                              <p:cond delay="0"/>
+                            </p:stCondLst>
+                            <p:childTnLst>
+                              <p:par>
+                                <p:cTn id="5" presetID="22" presetClass="entr" presetSubtype="8" fill="hold" grpId="0" nodeType="withEffect">
+                                  <p:stCondLst>
+                                    <p:cond delay="0"/>
+                                  </p:stCondLst>
+                                  <p:childTnLst>
+                                    <p:set>
+                                      <p:cBhvr>
+                                        <p:cTn id="6" dur="1" fill="hold">
+                                          <p:stCondLst>
+                                            <p:cond delay="0"/>
+                                          </p:stCondLst>
+                                        </p:cTn>
+                                        <p:tgtEl>
+                                          <p:spTgt spid="7"/>
+                                        </p:tgtEl>
+                                        <p:attrNameLst>
+                                          <p:attrName>style.visibility</p:attrName>
+                                        </p:attrNameLst>
+                                      </p:cBhvr>
+                                      <p:to>
+                                        <p:strVal val="visible"/>
+                                      </p:to>
+                                    </p:set>
+                                    <p:animEffect transition="in" filter="wipe(left)">
+                                      <p:cBhvr>
+                                        <p:cTn id="7" dur="500"/>
+                                        <p:tgtEl>
+                                          <p:spTgt spid="7"/>
+                                        </p:tgtEl>
+                                      </p:cBhvr>
+                                    </p:animEffect>
+                                  </p:childTnLst>
+                                </p:cTn>
+                              </p:par>
+                              <p:par>
+                                <p:cTn id="8" presetID="10" presetClass="entr" presetSubtype="0" fill="hold" grpId="0" nodeType="withEffect">
+                                  <p:stCondLst>
+                                    <p:cond delay="0"/>
+                                  </p:stCondLst>
+                                  <p:childTnLst>
+                                    <p:set>
+                                      <p:cBhvr>
+                                        <p:cTn id="9" dur="1" fill="hold">
+                                          <p:stCondLst>
+                                            <p:cond delay="0"/>
+                                          </p:stCondLst>
+                                        </p:cTn>
+                                        <p:tgtEl>
+                                          <p:spTgt spid="9">
+                                            <p:txEl>
+                                              <p:pRg st="0" end="0"/>
+                                            </p:txEl>
+                                          </p:spTgt>
+                                        </p:tgtEl>
+                                        <p:attrNameLst>
+                                          <p:attrName>style.visibility</p:attrName>
+                                        </p:attrNameLst>
+                                      </p:cBhvr>
+                                      <p:to>
+                                        <p:strVal val="visible"/>
+                                      </p:to>
+                                    </p:set>
+                                    <p:animEffect transition="in" filter="fade">
+                                      <p:cBhvr>
+                                        <p:cTn id="10" dur="500"/>
+                                        <p:tgtEl>
+                                          <p:spTgt spid="9">
+                                            <p:txEl>
+                                              <p:pRg st="0" end="0"/>
+                                            </p:txEl>
+                                          </p:spTgt>
+                                        </p:tgtEl>
+                                      </p:cBhvr>
+                                    </p:animEffect>
+                                  </p:childTnLst>
+                                </p:cTn>
+                              </p:par>
+                              <p:par>
+                                <p:cTn id="11" presetID="10" presetClass="entr" presetSubtype="0" fill="hold" grpId="0" nodeType="withEffect">
+                                  <p:stCondLst>
+                                    <p:cond delay="0"/>
+                                  </p:stCondLst>
+                                  <p:childTnLst>
+                                    <p:set>
+                                      <p:cBhvr>
+                                        <p:cTn id="12" dur="1" fill="hold">
+                                          <p:stCondLst>
+                                            <p:cond delay="0"/>
+                                          </p:stCondLst>
+                                        </p:cTn>
+                                        <p:tgtEl>
+                                          <p:spTgt spid="9">
+                                            <p:txEl>
+                                              <p:pRg st="1" end="1"/>
+                                            </p:txEl>
+                                          </p:spTgt>
+                                        </p:tgtEl>
+                                        <p:attrNameLst>
+                                          <p:attrName>style.visibility</p:attrName>
+                                        </p:attrNameLst>
+                                      </p:cBhvr>
+                                      <p:to>
+                                        <p:strVal val="visible"/>
+                                      </p:to>
+                                    </p:set>
+                                    <p:animEffect transition="in" filter="fade">
+                                      <p:cBhvr>
+                                        <p:cTn id="13" dur="500"/>
+                                        <p:tgtEl>
+                                          <p:spTgt spid="9">
+                                            <p:txEl>
+                                              <p:pRg st="1" end="1"/>
+                                            </p:txEl>
+                                          </p:spTgt>
+                                        </p:tgtEl>
+                                      </p:cBhvr>
+                                    </p:animEffect>
+                                  </p:childTnLst>
+                                </p:cTn>
+                              </p:par>
+                              <p:par>
+                                <p:cTn id="14" presetID="10" presetClass="entr" presetSubtype="0" fill="hold" grpId="0" nodeType="withEffect">
+                                  <p:stCondLst>
+                                    <p:cond delay="0"/>
+                                  </p:stCondLst>
+                                  <p:childTnLst>
+                                    <p:set>
+                                      <p:cBhvr>
+                                        <p:cTn id="15" dur="1" fill="hold">
+                                          <p:stCondLst>
+                                            <p:cond delay="0"/>
+                                          </p:stCondLst>
+                                        </p:cTn>
+                                        <p:tgtEl>
+                                          <p:spTgt spid="9">
+                                            <p:txEl>
+                                              <p:pRg st="2" end="2"/>
+                                            </p:txEl>
+                                          </p:spTgt>
+                                        </p:tgtEl>
+                                        <p:attrNameLst>
+                                          <p:attrName>style.visibility</p:attrName>
+                                        </p:attrNameLst>
+                                      </p:cBhvr>
+                                      <p:to>
+                                        <p:strVal val="visible"/>
+                                      </p:to>
+                                    </p:set>
+                                    <p:animEffect transition="in" filter="fade">
+                                      <p:cBhvr>
+                                        <p:cTn id="16" dur="500"/>
+                                        <p:tgtEl>
+                                          <p:spTgt spid="9">
+                                            <p:txEl>
+                                              <p:pRg st="2" end="2"/>
+                                            </p:txEl>
+                                          </p:spTgt>
+                                        </p:tgtEl>
+                                      </p:cBhvr>
+                                    </p:animEffect>
+                                  </p:childTnLst>
+                                </p:cTn>
+                              </p:par>
+                            </p:childTnLst>
+                          </p:cTn>
+                        </p:par>
+                      </p:childTnLst>
+                    </p:cTn>
+                  </p:par>
+                  <p:par>
+                    <p:cTn id="17" fill="hold">
+                      <p:stCondLst>
+                        <p:cond delay="indefinite"/>
+                      </p:stCondLst>
+                      <p:childTnLst>
+                        <p:par>
+                          <p:cTn id="18" fill="hold">
+                            <p:stCondLst>
+                              <p:cond delay="0"/>
+                            </p:stCondLst>
+                            <p:childTnLst>
+                              <p:par>
+                                <p:cTn id="19" presetID="10" presetClass="entr" presetSubtype="0" fill="hold" grpId="0" nodeType="clickEffect">
+                                  <p:stCondLst>
+                                    <p:cond delay="0"/>
+                                  </p:stCondLst>
+                                  <p:childTnLst>
+                                    <p:set>
+                                      <p:cBhvr>
+                                        <p:cTn id="20" dur="1" fill="hold">
+                                          <p:stCondLst>
+                                            <p:cond delay="0"/>
+                                          </p:stCondLst>
+                                        </p:cTn>
+                                        <p:tgtEl>
+                                          <p:spTgt spid="9">
+                                            <p:txEl>
+                                              <p:pRg st="3" end="3"/>
+                                            </p:txEl>
+                                          </p:spTgt>
+                                        </p:tgtEl>
+                                        <p:attrNameLst>
+                                          <p:attrName>style.visibility</p:attrName>
+                                        </p:attrNameLst>
+                                      </p:cBhvr>
+                                      <p:to>
+                                        <p:strVal val="visible"/>
+                                      </p:to>
+                                    </p:set>
+                                    <p:animEffect transition="in" filter="fade">
+                                      <p:cBhvr>
+                                        <p:cTn id="21" dur="500"/>
+                                        <p:tgtEl>
+                                          <p:spTgt spid="9">
+                                            <p:txEl>
+                                              <p:pRg st="3" end="3"/>
+                                            </p:txEl>
+                                          </p:spTgt>
+                                        </p:tgtEl>
+                                      </p:cBhvr>
+                                    </p:animEffect>
+                                  </p:childTnLst>
+                                </p:cTn>
+                              </p:par>
+                            </p:childTnLst>
+                          </p:cTn>
+                        </p:par>
+                      </p:childTnLst>
+                    </p:cTn>
+                  </p:par>
+                  <p:par>
+                    <p:cTn id="22" fill="hold">
+                      <p:stCondLst>
+                        <p:cond delay="indefinite"/>
+                      </p:stCondLst>
+                      <p:childTnLst>
+                        <p:par>
+                          <p:cTn id="23" fill="hold">
+                            <p:stCondLst>
+                              <p:cond delay="0"/>
+                            </p:stCondLst>
+                            <p:childTnLst>
+                              <p:par>
+                                <p:cTn id="24" presetID="10" presetClass="entr" presetSubtype="0" fill="hold" grpId="0" nodeType="clickEffect">
+                                  <p:stCondLst>
+                                    <p:cond delay="0"/>
+                                  </p:stCondLst>
+                                  <p:childTnLst>
+                                    <p:set>
+                                      <p:cBhvr>
+                                        <p:cTn id="25" dur="1" fill="hold">
+                                          <p:stCondLst>
+                                            <p:cond delay="0"/>
+                                          </p:stCondLst>
+                                        </p:cTn>
+                                        <p:tgtEl>
+                                          <p:spTgt spid="9">
+                                            <p:txEl>
+                                              <p:pRg st="4" end="4"/>
+                                            </p:txEl>
+                                          </p:spTgt>
+                                        </p:tgtEl>
+                                        <p:attrNameLst>
+                                          <p:attrName>style.visibility</p:attrName>
+                                        </p:attrNameLst>
+                                      </p:cBhvr>
+                                      <p:to>
+                                        <p:strVal val="visible"/>
+                                      </p:to>
+                                    </p:set>
+                                    <p:animEffect transition="in" filter="fade">
+                                      <p:cBhvr>
+                                        <p:cTn id="26" dur="500"/>
+                                        <p:tgtEl>
+                                          <p:spTgt spid="9">
+                                            <p:txEl>
+                                              <p:pRg st="4" end="4"/>
+                                            </p:txEl>
+                                          </p:spTgt>
+                                        </p:tgtEl>
+                                      </p:cBhvr>
+                                    </p:animEffect>
+                                  </p:childTnLst>
+                                </p:cTn>
+                              </p:par>
+                            </p:childTnLst>
+                          </p:cTn>
+                        </p:par>
+                      </p:childTnLst>
+                    </p:cTn>
+                  </p:par>
+                  <p:par>
+                    <p:cTn id="27" fill="hold">
+                      <p:stCondLst>
+                        <p:cond delay="indefinite"/>
+                      </p:stCondLst>
+                      <p:childTnLst>
+                        <p:par>
+                          <p:cTn id="28" fill="hold">
+                            <p:stCondLst>
+                              <p:cond delay="0"/>
+                            </p:stCondLst>
+                            <p:childTnLst>
+                              <p:par>
+                                <p:cTn id="29" presetID="10" presetClass="entr" presetSubtype="0" fill="hold" grpId="0" nodeType="clickEffect">
+                                  <p:stCondLst>
+                                    <p:cond delay="0"/>
+                                  </p:stCondLst>
+                                  <p:childTnLst>
+                                    <p:set>
+                                      <p:cBhvr>
+                                        <p:cTn id="30" dur="1" fill="hold">
+                                          <p:stCondLst>
+                                            <p:cond delay="0"/>
+                                          </p:stCondLst>
+                                        </p:cTn>
+                                        <p:tgtEl>
+                                          <p:spTgt spid="9">
+                                            <p:txEl>
+                                              <p:pRg st="5" end="5"/>
+                                            </p:txEl>
+                                          </p:spTgt>
+                                        </p:tgtEl>
+                                        <p:attrNameLst>
+                                          <p:attrName>style.visibility</p:attrName>
+                                        </p:attrNameLst>
+                                      </p:cBhvr>
+                                      <p:to>
+                                        <p:strVal val="visible"/>
+                                      </p:to>
+                                    </p:set>
+                                    <p:animEffect transition="in" filter="fade">
+                                      <p:cBhvr>
+                                        <p:cTn id="31" dur="500"/>
+                                        <p:tgtEl>
+                                          <p:spTgt spid="9">
+                                            <p:txEl>
+                                              <p:pRg st="5" end="5"/>
+                                            </p:txEl>
+                                          </p:spTgt>
+                                        </p:tgtEl>
+                                      </p:cBhvr>
+                                    </p:animEffect>
+                                  </p:childTnLst>
+                                </p:cTn>
+                              </p:par>
+                            </p:childTnLst>
+                          </p:cTn>
+                        </p:par>
+                      </p:childTnLst>
+                    </p:cTn>
+                  </p:par>
+                  <p:par>
+                    <p:cTn id="32" fill="hold">
+                      <p:stCondLst>
+                        <p:cond delay="indefinite"/>
+                      </p:stCondLst>
+                      <p:childTnLst>
+                        <p:par>
+                          <p:cTn id="33" fill="hold">
+                            <p:stCondLst>
+                              <p:cond delay="0"/>
+                            </p:stCondLst>
+                            <p:childTnLst>
+                              <p:par>
+                                <p:cTn id="34" presetID="10" presetClass="entr" presetSubtype="0" fill="hold" grpId="0" nodeType="clickEffect">
+                                  <p:stCondLst>
+                                    <p:cond delay="0"/>
+                                  </p:stCondLst>
+                                  <p:childTnLst>
+                                    <p:set>
+                                      <p:cBhvr>
+                                        <p:cTn id="35" dur="1" fill="hold">
+                                          <p:stCondLst>
+                                            <p:cond delay="0"/>
+                                          </p:stCondLst>
+                                        </p:cTn>
+                                        <p:tgtEl>
+                                          <p:spTgt spid="9">
+                                            <p:txEl>
+                                              <p:pRg st="6" end="6"/>
+                                            </p:txEl>
+                                          </p:spTgt>
+                                        </p:tgtEl>
+                                        <p:attrNameLst>
+                                          <p:attrName>style.visibility</p:attrName>
+                                        </p:attrNameLst>
+                                      </p:cBhvr>
+                                      <p:to>
+                                        <p:strVal val="visible"/>
+                                      </p:to>
+                                    </p:set>
+                                    <p:animEffect transition="in" filter="fade">
+                                      <p:cBhvr>
+                                        <p:cTn id="36" dur="500"/>
+                                        <p:tgtEl>
+                                          <p:spTgt spid="9">
+                                            <p:txEl>
+                                              <p:pRg st="6" end="6"/>
+                                            </p:txEl>
+                                          </p:spTgt>
+                                        </p:tgtEl>
+                                      </p:cBhvr>
+                                    </p:animEffect>
+                                  </p:childTnLst>
+                                </p:cTn>
+                              </p:par>
+                            </p:childTnLst>
+                          </p:cTn>
+                        </p:par>
+                      </p:childTnLst>
+                    </p:cTn>
+                  </p:par>
+                  <p:par>
+                    <p:cTn id="37" fill="hold">
+                      <p:stCondLst>
+                        <p:cond delay="indefinite"/>
+                      </p:stCondLst>
+                      <p:childTnLst>
+                        <p:par>
+                          <p:cTn id="38" fill="hold">
+                            <p:stCondLst>
+                              <p:cond delay="0"/>
+                            </p:stCondLst>
+                            <p:childTnLst>
+                              <p:par>
+                                <p:cTn id="39" presetID="10" presetClass="entr" presetSubtype="0" fill="hold" grpId="0" nodeType="clickEffect">
+                                  <p:stCondLst>
+                                    <p:cond delay="0"/>
+                                  </p:stCondLst>
+                                  <p:childTnLst>
+                                    <p:set>
+                                      <p:cBhvr>
+                                        <p:cTn id="40" dur="1" fill="hold">
+                                          <p:stCondLst>
+                                            <p:cond delay="0"/>
+                                          </p:stCondLst>
+                                        </p:cTn>
+                                        <p:tgtEl>
+                                          <p:spTgt spid="9">
+                                            <p:txEl>
+                                              <p:pRg st="7" end="7"/>
+                                            </p:txEl>
+                                          </p:spTgt>
+                                        </p:tgtEl>
+                                        <p:attrNameLst>
+                                          <p:attrName>style.visibility</p:attrName>
+                                        </p:attrNameLst>
+                                      </p:cBhvr>
+                                      <p:to>
+                                        <p:strVal val="visible"/>
+                                      </p:to>
+                                    </p:set>
+                                    <p:animEffect transition="in" filter="fade">
+                                      <p:cBhvr>
+                                        <p:cTn id="41" dur="500"/>
+                                        <p:tgtEl>
+                                          <p:spTgt spid="9">
+                                            <p:txEl>
+                                              <p:pRg st="7" end="7"/>
+                                            </p:txEl>
+                                          </p:spTgt>
+                                        </p:tgtEl>
+                                      </p:cBhvr>
+                                    </p:animEffect>
+                                  </p:childTnLst>
+                                </p:cTn>
+                              </p:par>
+                            </p:childTnLst>
+                          </p:cTn>
+                        </p:par>
+                      </p:childTnLst>
+                    </p:cTn>
+                  </p:par>
+                  <p:par>
+                    <p:cTn id="42" fill="hold">
+                      <p:stCondLst>
+                        <p:cond delay="indefinite"/>
+                      </p:stCondLst>
+                      <p:childTnLst>
+                        <p:par>
+                          <p:cTn id="43" fill="hold">
+                            <p:stCondLst>
+                              <p:cond delay="0"/>
+                            </p:stCondLst>
+                            <p:childTnLst>
+                              <p:par>
+                                <p:cTn id="44" presetID="10" presetClass="entr" presetSubtype="0" fill="hold" grpId="0" nodeType="clickEffect">
+                                  <p:stCondLst>
+                                    <p:cond delay="0"/>
+                                  </p:stCondLst>
+                                  <p:childTnLst>
+                                    <p:set>
+                                      <p:cBhvr>
+                                        <p:cTn id="45" dur="1" fill="hold">
+                                          <p:stCondLst>
+                                            <p:cond delay="0"/>
+                                          </p:stCondLst>
+                                        </p:cTn>
+                                        <p:tgtEl>
+                                          <p:spTgt spid="9">
+                                            <p:txEl>
+                                              <p:pRg st="8" end="8"/>
+                                            </p:txEl>
+                                          </p:spTgt>
+                                        </p:tgtEl>
+                                        <p:attrNameLst>
+                                          <p:attrName>style.visibility</p:attrName>
+                                        </p:attrNameLst>
+                                      </p:cBhvr>
+                                      <p:to>
+                                        <p:strVal val="visible"/>
+                                      </p:to>
+                                    </p:set>
+                                    <p:animEffect transition="in" filter="fade">
+                                      <p:cBhvr>
+                                        <p:cTn id="46" dur="500"/>
+                                        <p:tgtEl>
+                                          <p:spTgt spid="9">
+                                            <p:txEl>
+                                              <p:pRg st="8" end="8"/>
+                                            </p:txEl>
+                                          </p:spTgt>
+                                        </p:tgtEl>
+                                      </p:cBhvr>
+                                    </p:animEffect>
+                                  </p:childTnLst>
+                                </p:cTn>
+                              </p:par>
+                            </p:childTnLst>
+                          </p:cTn>
+                        </p:par>
+                      </p:childTnLst>
+                    </p:cTn>
+                  </p:par>
+                  <p:par>
+                    <p:cTn id="47" fill="hold">
+                      <p:stCondLst>
+                        <p:cond delay="indefinite"/>
+                      </p:stCondLst>
+                      <p:childTnLst>
+                        <p:par>
+                          <p:cTn id="48" fill="hold">
+                            <p:stCondLst>
+                              <p:cond delay="0"/>
+                            </p:stCondLst>
+                            <p:childTnLst>
+                              <p:par>
+                                <p:cTn id="49" presetID="10" presetClass="entr" presetSubtype="0" fill="hold" grpId="0" nodeType="clickEffect">
+                                  <p:stCondLst>
+                                    <p:cond delay="0"/>
+                                  </p:stCondLst>
+                                  <p:childTnLst>
+                                    <p:set>
+                                      <p:cBhvr>
+                                        <p:cTn id="50" dur="1" fill="hold">
+                                          <p:stCondLst>
+                                            <p:cond delay="0"/>
+                                          </p:stCondLst>
+                                        </p:cTn>
+                                        <p:tgtEl>
+                                          <p:spTgt spid="9">
+                                            <p:txEl>
+                                              <p:pRg st="9" end="9"/>
+                                            </p:txEl>
+                                          </p:spTgt>
+                                        </p:tgtEl>
+                                        <p:attrNameLst>
+                                          <p:attrName>style.visibility</p:attrName>
+                                        </p:attrNameLst>
+                                      </p:cBhvr>
+                                      <p:to>
+                                        <p:strVal val="visible"/>
+                                      </p:to>
+                                    </p:set>
+                                    <p:animEffect transition="in" filter="fade">
+                                      <p:cBhvr>
+                                        <p:cTn id="51" dur="500"/>
+                                        <p:tgtEl>
+                                          <p:spTgt spid="9">
+                                            <p:txEl>
+                                              <p:pRg st="9" end="9"/>
+                                            </p:txEl>
+                                          </p:spTgt>
+                                        </p:tgtEl>
+                                      </p:cBhvr>
+                                    </p:animEffect>
+                                  </p:childTnLst>
+                                </p:cTn>
+                              </p:par>
+                            </p:childTnLst>
+                          </p:cTn>
+                        </p:par>
+                      </p:childTnLst>
+                    </p:cTn>
+                  </p:par>
+                </p:childTnLst>
+              </p:cTn>
+              <p:prevCondLst>
+                <p:cond evt="onPrev" delay="0">
+                  <p:tgtEl>
+                    <p:sldTgt/>
+                  </p:tgtEl>
+                </p:cond>
+              </p:prevCondLst>
+              <p:nextCondLst>
+                <p:cond evt="onNext" delay="0">
+                  <p:tgtEl>
+                    <p:sldTgt/>
+                  </p:tgtEl>
+                </p:cond>
+              </p:nextCondLst>
+            </p:seq>
+          </p:childTnLst>
+        </p:cTn>
+      </p:par>
+    </p:tnLst>
+    <p:bldLst>
+      <p:bldP spid="7" grpId="0"/>
+      <p:bldP spid="9" grpId="0" build="p"/>
+    </p:bldLst>
+  </p:timing>
+</p:sld>
+</file>
+
 <file path=ppt/slides/slide4.xml><?xml version="1.0" encoding="utf-8"?>
 <p:sld xmlns:a="http://schemas.openxmlformats.org/drawingml/2006/main" xmlns:r="http://schemas.openxmlformats.org/officeDocument/2006/relationships" xmlns:p="http://schemas.openxmlformats.org/presentationml/2006/main">
   <p:cSld>
@@ -9973,12 +14101,14 @@
         </p:nvSpPr>
         <p:spPr/>
         <p:txBody>
-          <a:bodyPr/>
+          <a:bodyPr>
+            <a:normAutofit/>
+          </a:bodyPr>
           <a:lstStyle/>
           <a:p>
             <a:r>
-              <a:rPr lang="en-US" smtClean="0"/>
-              <a:t>Ưu điểm của Maven </a:t>
+              <a:rPr lang="en-GB" smtClean="0"/>
+              <a:t>Các kiểu ứng dụng java</a:t>
             </a:r>
             <a:endParaRPr lang="en-GB" dirty="0"/>
           </a:p>
@@ -9996,77 +14126,136 @@
         </p:nvSpPr>
         <p:spPr>
           <a:xfrm>
-            <a:off x="457200" y="926593"/>
-            <a:ext cx="8229600" cy="4178544"/>
+            <a:off x="457200" y="836892"/>
+            <a:ext cx="8473440" cy="4771428"/>
           </a:xfrm>
         </p:spPr>
         <p:txBody>
           <a:bodyPr>
-            <a:normAutofit/>
+            <a:normAutofit fontScale="92500" lnSpcReduction="10000"/>
           </a:bodyPr>
           <a:lstStyle/>
           <a:p>
             <a:pPr>
               <a:lnSpc>
-                <a:spcPct val="150000"/>
+                <a:spcPct val="120000"/>
               </a:lnSpc>
+            </a:pPr>
+            <a:r>
+              <a:rPr lang="vi-VN" b="1" smtClean="0"/>
+              <a:t>Applets</a:t>
+            </a:r>
+            <a:r>
+              <a:rPr lang="vi-VN" smtClean="0"/>
+              <a:t>:</a:t>
+            </a:r>
+            <a:r>
+              <a:rPr lang="en-US" smtClean="0"/>
+              <a:t> </a:t>
+            </a:r>
+            <a:r>
+              <a:rPr lang="vi-VN" b="1" smtClean="0"/>
+              <a:t>Applet </a:t>
+            </a:r>
+            <a:r>
+              <a:rPr lang="vi-VN" b="1"/>
+              <a:t>là chương trình Java được tạo ra để sử dụng trên Internet</a:t>
+            </a:r>
+            <a:r>
+              <a:rPr lang="vi-VN"/>
+              <a:t> thông qua các trình duyệt hỗ trợ Java như IE hay Netscape. </a:t>
+            </a:r>
+            <a:r>
+              <a:rPr lang="vi-VN" b="1"/>
+              <a:t>Applet được nhúng bên trong trang Web</a:t>
+            </a:r>
+            <a:r>
+              <a:rPr lang="vi-VN"/>
+              <a:t>. </a:t>
+            </a:r>
+            <a:r>
+              <a:rPr lang="vi-VN" b="1"/>
+              <a:t>Khi trang Web hiển thị trong trình duyệt, Applet sẽ được tải về và thực thi tại trình </a:t>
+            </a:r>
+            <a:r>
+              <a:rPr lang="vi-VN" b="1"/>
+              <a:t>duyệt</a:t>
+            </a:r>
+            <a:r>
+              <a:rPr lang="vi-VN" b="1" smtClean="0"/>
+              <a:t>.</a:t>
+            </a:r>
+            <a:endParaRPr lang="en-US" b="1" smtClean="0"/>
+          </a:p>
+          <a:p>
+            <a:pPr>
+              <a:lnSpc>
+                <a:spcPct val="120000"/>
+              </a:lnSpc>
+            </a:pPr>
+            <a:r>
+              <a:rPr lang="vi-VN" b="1"/>
+              <a:t>JSP</a:t>
+            </a:r>
+            <a:r>
+              <a:rPr lang="vi-VN"/>
+              <a:t>/</a:t>
+            </a:r>
+            <a:r>
+              <a:rPr lang="vi-VN" b="1"/>
+              <a:t>Servlet</a:t>
+            </a:r>
+            <a:endParaRPr lang="en-US"/>
+          </a:p>
+          <a:p>
+            <a:pPr marL="0" indent="0">
+              <a:lnSpc>
+                <a:spcPct val="120000"/>
+              </a:lnSpc>
+              <a:buNone/>
+            </a:pPr>
+            <a:r>
+              <a:rPr lang="vi-VN" smtClean="0"/>
+              <a:t>Ở </a:t>
+            </a:r>
+            <a:r>
+              <a:rPr lang="vi-VN"/>
+              <a:t>các ứng dụng Web, máy trạm gửi yêu cầu tới máy chủ. Máy chủ xử lý và gửi kết quả trở lại máy trạm. Các Java API chạy trên máy chủ chịu trách nhiệm xử lý tại máy chủ và trả lời các yêu cầu của máy trạm. Các Java API chạy trên máy chủ này mở rộng khả năng của các ứng dụng Java API chuẩn. </a:t>
+            </a:r>
+            <a:r>
+              <a:rPr lang="vi-VN" b="1" u="sng"/>
+              <a:t>Các ứng dụng trên máy chủ này được gọi là các JSP/Servlet</a:t>
+            </a:r>
+            <a:r>
+              <a:rPr lang="vi-VN"/>
+              <a:t>. </a:t>
+            </a:r>
+            <a:r>
+              <a:rPr lang="vi-VN" b="1" u="sng"/>
+              <a:t>hoặc Applet tại máy chủ</a:t>
+            </a:r>
+            <a:r>
+              <a:rPr lang="vi-VN"/>
+              <a:t>. Xử lý Form của HTML là cách sử dụng đơn giản nhất của JSP/Servlet. Chúng còn có thể được dùng để xử lý dữ liệu, thực thi các giao dịch và thường được thực thi thông qua máy chủ Web.</a:t>
+            </a:r>
+            <a:endParaRPr lang="en-US"/>
+          </a:p>
+          <a:p>
+            <a:endParaRPr lang="en-US"/>
+          </a:p>
+          <a:p>
+            <a:pPr>
               <a:buFont typeface="Wingdings" panose="05000000000000000000" pitchFamily="2" charset="2"/>
               <a:buChar char="§"/>
             </a:pPr>
-            <a:r>
-              <a:rPr lang="en-US" sz="2400"/>
-              <a:t>Tự động hóa toàn bộ quá trình release project, khởi tạo, cập nhật thư viện, build &amp; unit test </a:t>
-            </a:r>
-            <a:r>
-              <a:rPr lang="en-US" sz="2400"/>
-              <a:t>và </a:t>
-            </a:r>
-            <a:r>
-              <a:rPr lang="en-US" sz="2400" smtClean="0"/>
-              <a:t>release.</a:t>
-            </a:r>
-          </a:p>
-          <a:p>
-            <a:pPr>
-              <a:lnSpc>
-                <a:spcPct val="150000"/>
-              </a:lnSpc>
-              <a:buFont typeface="Wingdings" panose="05000000000000000000" pitchFamily="2" charset="2"/>
-              <a:buChar char="§"/>
-            </a:pPr>
-            <a:r>
-              <a:rPr lang="en-US" sz="2400"/>
-              <a:t>Quản lý các dependency (các thư viện) trong project một các ưu việt: tự động cập nhật, mở rộng dễ dàng, </a:t>
-            </a:r>
-            <a:r>
-              <a:rPr lang="en-US" sz="2400"/>
-              <a:t>đóng </a:t>
-            </a:r>
-            <a:r>
-              <a:rPr lang="en-US" sz="2400" smtClean="0"/>
-              <a:t>gói.</a:t>
-            </a:r>
-          </a:p>
-          <a:p>
-            <a:pPr>
-              <a:lnSpc>
-                <a:spcPct val="150000"/>
-              </a:lnSpc>
-              <a:buFont typeface="Wingdings" panose="05000000000000000000" pitchFamily="2" charset="2"/>
-              <a:buChar char="§"/>
-            </a:pPr>
-            <a:r>
-              <a:rPr lang="en-US" sz="2400"/>
-              <a:t>Phân chia 1 project lớn thành các module nhỏ, từ đó cho phép làm việc đồng thời trên các module khác nhau, đồng thời vẫn tạo được tính thống nhất</a:t>
-            </a:r>
-            <a:endParaRPr lang="en-GB" sz="2400" dirty="0"/>
+            <a:endParaRPr lang="en-GB" smtClean="0"/>
           </a:p>
         </p:txBody>
       </p:sp>
     </p:spTree>
     <p:extLst>
       <p:ext uri="{BB962C8B-B14F-4D97-AF65-F5344CB8AC3E}">
-        <p14:creationId xmlns:p14="http://schemas.microsoft.com/office/powerpoint/2010/main" val="3697880506"/>
+        <p14:creationId xmlns:p14="http://schemas.microsoft.com/office/powerpoint/2010/main" val="1627609806"/>
       </p:ext>
     </p:extLst>
   </p:cSld>
@@ -10350,7 +14539,7 @@
       </p:grpSpPr>
       <p:sp>
         <p:nvSpPr>
-          <p:cNvPr id="2" name="Title 1"/>
+          <p:cNvPr id="7" name="Title 6"/>
           <p:cNvSpPr>
             <a:spLocks noGrp="1"/>
           </p:cNvSpPr>
@@ -10359,38 +14548,6 @@
           </p:nvPr>
         </p:nvSpPr>
         <p:spPr/>
-        <p:txBody>
-          <a:bodyPr/>
-          <a:lstStyle/>
-          <a:p>
-            <a:r>
-              <a:rPr lang="en-US" smtClean="0"/>
-              <a:t>F</a:t>
-            </a:r>
-            <a:r>
-              <a:rPr lang="vi-VN" smtClean="0"/>
-              <a:t>ramework</a:t>
-            </a:r>
-            <a:endParaRPr lang="en-US"/>
-          </a:p>
-        </p:txBody>
-      </p:sp>
-      <p:sp>
-        <p:nvSpPr>
-          <p:cNvPr id="3" name="Content Placeholder 2"/>
-          <p:cNvSpPr>
-            <a:spLocks noGrp="1"/>
-          </p:cNvSpPr>
-          <p:nvPr>
-            <p:ph idx="1"/>
-          </p:nvPr>
-        </p:nvSpPr>
-        <p:spPr>
-          <a:xfrm>
-            <a:off x="457200" y="1036321"/>
-            <a:ext cx="8229600" cy="4068816"/>
-          </a:xfrm>
-        </p:spPr>
         <p:txBody>
           <a:bodyPr>
             <a:normAutofit/>
@@ -10398,73 +14555,210 @@
           <a:lstStyle/>
           <a:p>
             <a:r>
-              <a:rPr lang="vi-VN" sz="2400"/>
-              <a:t>Theo cộng đồng wikipedia, </a:t>
-            </a:r>
-            <a:r>
-              <a:rPr lang="vi-VN" sz="2400"/>
-              <a:t>từ </a:t>
-            </a:r>
-            <a:r>
-              <a:rPr lang="en-US" sz="2400" smtClean="0"/>
-              <a:t>“</a:t>
-            </a:r>
-            <a:r>
-              <a:rPr lang="vi-VN" sz="2400" b="1" smtClean="0"/>
-              <a:t>framework</a:t>
-            </a:r>
-            <a:r>
-              <a:rPr lang="en-US" sz="2400" smtClean="0"/>
-              <a:t>”</a:t>
-            </a:r>
-            <a:r>
-              <a:rPr lang="vi-VN" sz="2400" smtClean="0"/>
-              <a:t> </a:t>
-            </a:r>
-            <a:r>
-              <a:rPr lang="vi-VN" sz="2400"/>
-              <a:t>dùng trong phát triển phần mềm là một khái niệm dùng để chỉ những "</a:t>
-            </a:r>
-            <a:r>
-              <a:rPr lang="vi-VN" sz="2400" b="1"/>
-              <a:t>cấu trúc hỗ trợ được định nghĩa</a:t>
-            </a:r>
-            <a:r>
-              <a:rPr lang="vi-VN" sz="2400"/>
-              <a:t>" mà trong đó những dự án phần mềm khác có thể được sắp xếp vào đó và phát triển. Thông thường, một framework bao gồm những </a:t>
-            </a:r>
-            <a:r>
-              <a:rPr lang="vi-VN" sz="2400" b="1"/>
-              <a:t>program hỗ trợ</a:t>
-            </a:r>
-            <a:r>
-              <a:rPr lang="vi-VN" sz="2400"/>
-              <a:t>, </a:t>
-            </a:r>
-            <a:r>
-              <a:rPr lang="vi-VN" sz="2400" b="1"/>
-              <a:t>code libs </a:t>
-            </a:r>
-            <a:r>
-              <a:rPr lang="vi-VN" sz="2400"/>
-              <a:t>và</a:t>
-            </a:r>
-            <a:r>
-              <a:rPr lang="vi-VN" sz="2400" b="1"/>
-              <a:t> một ngôn ngữ scripting</a:t>
-            </a:r>
-            <a:r>
-              <a:rPr lang="vi-VN" sz="2400"/>
-              <a:t> nằm giữa các chương trình phần mềm khác để giúp phát triển và gắn những thành phần khác nhau trong dự án phần mềm lại với nhau.</a:t>
-            </a:r>
-            <a:endParaRPr lang="en-US" sz="2400"/>
+              <a:rPr lang="en-GB" smtClean="0"/>
+              <a:t>Các kiểu ứng dụng java</a:t>
+            </a:r>
+            <a:endParaRPr lang="en-GB" dirty="0"/>
+          </a:p>
+        </p:txBody>
+      </p:sp>
+      <p:sp>
+        <p:nvSpPr>
+          <p:cNvPr id="9" name="Content Placeholder 8"/>
+          <p:cNvSpPr>
+            <a:spLocks noGrp="1"/>
+          </p:cNvSpPr>
+          <p:nvPr>
+            <p:ph idx="1"/>
+          </p:nvPr>
+        </p:nvSpPr>
+        <p:spPr>
+          <a:xfrm>
+            <a:off x="457200" y="836892"/>
+            <a:ext cx="8473440" cy="4771428"/>
+          </a:xfrm>
+        </p:spPr>
+        <p:txBody>
+          <a:bodyPr>
+            <a:normAutofit fontScale="92500"/>
+          </a:bodyPr>
+          <a:lstStyle/>
+          <a:p>
+            <a:pPr>
+              <a:lnSpc>
+                <a:spcPct val="120000"/>
+              </a:lnSpc>
+            </a:pPr>
+            <a:r>
+              <a:rPr lang="vi-VN"/>
+              <a:t>Ứng dụng </a:t>
+            </a:r>
+            <a:r>
+              <a:rPr lang="vi-VN"/>
+              <a:t>dòng </a:t>
+            </a:r>
+            <a:r>
+              <a:rPr lang="vi-VN" smtClean="0"/>
+              <a:t>lệnh</a:t>
+            </a:r>
+            <a:r>
+              <a:rPr lang="en-US" smtClean="0"/>
+              <a:t>:</a:t>
+            </a:r>
+            <a:r>
+              <a:rPr lang="vi-VN" smtClean="0"/>
+              <a:t>Các </a:t>
+            </a:r>
+            <a:r>
+              <a:rPr lang="vi-VN"/>
+              <a:t>chương trình này chạy từ dấu nhắc lệnh và không sử dụng giao diện đồ họa. Các thông tin nhập xuất được thể hiện tại dấu nhắc lệnh.</a:t>
+            </a:r>
+            <a:endParaRPr lang="en-US"/>
+          </a:p>
+          <a:p>
+            <a:pPr>
+              <a:lnSpc>
+                <a:spcPct val="120000"/>
+              </a:lnSpc>
+            </a:pPr>
+            <a:r>
+              <a:rPr lang="vi-VN"/>
+              <a:t>Ứng dụng đồ họa -- giao diện đồ </a:t>
+            </a:r>
+            <a:r>
+              <a:rPr lang="vi-VN"/>
+              <a:t>họa</a:t>
+            </a:r>
+            <a:r>
+              <a:rPr lang="vi-VN" smtClean="0"/>
+              <a:t>.</a:t>
+            </a:r>
+            <a:endParaRPr lang="en-US" smtClean="0"/>
+          </a:p>
+          <a:p>
+            <a:pPr>
+              <a:lnSpc>
+                <a:spcPct val="120000"/>
+              </a:lnSpc>
+            </a:pPr>
+            <a:r>
+              <a:rPr lang="vi-VN"/>
+              <a:t>Ứng dụng cơ sở </a:t>
+            </a:r>
+            <a:r>
+              <a:rPr lang="vi-VN"/>
+              <a:t>dữ </a:t>
+            </a:r>
+            <a:r>
+              <a:rPr lang="vi-VN" smtClean="0"/>
+              <a:t>liệu</a:t>
+            </a:r>
+            <a:r>
+              <a:rPr lang="en-US" smtClean="0"/>
+              <a:t>: </a:t>
+            </a:r>
+            <a:r>
+              <a:rPr lang="vi-VN" smtClean="0"/>
+              <a:t>Các </a:t>
+            </a:r>
+            <a:r>
+              <a:rPr lang="vi-VN"/>
+              <a:t>ứng dụng này sử dụng </a:t>
+            </a:r>
+            <a:r>
+              <a:rPr lang="vi-VN" b="1"/>
+              <a:t>JDBC API</a:t>
+            </a:r>
+            <a:r>
+              <a:rPr lang="vi-VN"/>
+              <a:t> để kết nối tới cơ sở dữ liệu. Chúng có thể là Applet hay ứng dụng, nhưng Applet bị giới hạn bởi tính bảo mật.</a:t>
+            </a:r>
+            <a:endParaRPr lang="en-US"/>
+          </a:p>
+          <a:p>
+            <a:pPr>
+              <a:lnSpc>
+                <a:spcPct val="120000"/>
+              </a:lnSpc>
+            </a:pPr>
+            <a:r>
+              <a:rPr lang="vi-VN"/>
+              <a:t>Ứng </a:t>
+            </a:r>
+            <a:r>
+              <a:rPr lang="vi-VN"/>
+              <a:t>dụng </a:t>
+            </a:r>
+            <a:r>
+              <a:rPr lang="vi-VN" smtClean="0"/>
+              <a:t>mạng</a:t>
+            </a:r>
+            <a:r>
+              <a:rPr lang="en-US" smtClean="0"/>
+              <a:t>: </a:t>
+            </a:r>
+            <a:r>
+              <a:rPr lang="vi-VN" smtClean="0"/>
+              <a:t>Java </a:t>
+            </a:r>
+            <a:r>
+              <a:rPr lang="vi-VN"/>
+              <a:t>là một ngôn ngữ rất thích hợp cho việc xây dựng các ứng dụng mạng. Với thư viện Socket bạn có thể lập trình với hai giao thức: </a:t>
+            </a:r>
+            <a:r>
+              <a:rPr lang="vi-VN" b="1"/>
+              <a:t>UDP và TCP.</a:t>
+            </a:r>
+            <a:endParaRPr lang="en-US"/>
+          </a:p>
+          <a:p>
+            <a:pPr>
+              <a:lnSpc>
+                <a:spcPct val="120000"/>
+              </a:lnSpc>
+            </a:pPr>
+            <a:r>
+              <a:rPr lang="vi-VN"/>
+              <a:t>Ứng dụng </a:t>
+            </a:r>
+            <a:r>
+              <a:rPr lang="vi-VN"/>
+              <a:t>nhiều </a:t>
+            </a:r>
+            <a:r>
+              <a:rPr lang="vi-VN" smtClean="0"/>
+              <a:t>tầng</a:t>
+            </a:r>
+            <a:r>
+              <a:rPr lang="en-US" smtClean="0"/>
+              <a:t>: </a:t>
+            </a:r>
+            <a:r>
+              <a:rPr lang="vi-VN" smtClean="0"/>
+              <a:t>Với </a:t>
+            </a:r>
+            <a:r>
+              <a:rPr lang="vi-VN"/>
+              <a:t>Java bạn có thể xây dựng phân tán nhiều tầng với nhiều hỗ trợ khác nhau như: RMI, CORBA, EJB, Web Service</a:t>
+            </a:r>
+            <a:endParaRPr lang="en-US"/>
+          </a:p>
+          <a:p>
+            <a:endParaRPr lang="en-US"/>
+          </a:p>
+          <a:p>
+            <a:pPr>
+              <a:buFont typeface="Wingdings" panose="05000000000000000000" pitchFamily="2" charset="2"/>
+              <a:buChar char="§"/>
+            </a:pPr>
+            <a:endParaRPr lang="en-GB" smtClean="0"/>
           </a:p>
         </p:txBody>
       </p:sp>
     </p:spTree>
     <p:extLst>
       <p:ext uri="{BB962C8B-B14F-4D97-AF65-F5344CB8AC3E}">
-        <p14:creationId xmlns:p14="http://schemas.microsoft.com/office/powerpoint/2010/main" val="3702408369"/>
+        <p14:creationId xmlns:p14="http://schemas.microsoft.com/office/powerpoint/2010/main" val="3926155198"/>
       </p:ext>
     </p:extLst>
   </p:cSld>
@@ -10474,9 +14768,361 @@
   <p:timing>
     <p:tnLst>
       <p:par>
-        <p:cTn id="1" dur="indefinite" restart="never" nodeType="tmRoot"/>
+        <p:cTn id="1" dur="indefinite" restart="never" nodeType="tmRoot">
+          <p:childTnLst>
+            <p:seq concurrent="1" nextAc="seek">
+              <p:cTn id="2" dur="indefinite" nodeType="mainSeq">
+                <p:childTnLst>
+                  <p:par>
+                    <p:cTn id="3" fill="hold">
+                      <p:stCondLst>
+                        <p:cond delay="indefinite"/>
+                        <p:cond evt="onBegin" delay="0">
+                          <p:tn val="2"/>
+                        </p:cond>
+                      </p:stCondLst>
+                      <p:childTnLst>
+                        <p:par>
+                          <p:cTn id="4" fill="hold">
+                            <p:stCondLst>
+                              <p:cond delay="0"/>
+                            </p:stCondLst>
+                            <p:childTnLst>
+                              <p:par>
+                                <p:cTn id="5" presetID="22" presetClass="entr" presetSubtype="8" fill="hold" grpId="0" nodeType="withEffect">
+                                  <p:stCondLst>
+                                    <p:cond delay="0"/>
+                                  </p:stCondLst>
+                                  <p:childTnLst>
+                                    <p:set>
+                                      <p:cBhvr>
+                                        <p:cTn id="6" dur="1" fill="hold">
+                                          <p:stCondLst>
+                                            <p:cond delay="0"/>
+                                          </p:stCondLst>
+                                        </p:cTn>
+                                        <p:tgtEl>
+                                          <p:spTgt spid="7"/>
+                                        </p:tgtEl>
+                                        <p:attrNameLst>
+                                          <p:attrName>style.visibility</p:attrName>
+                                        </p:attrNameLst>
+                                      </p:cBhvr>
+                                      <p:to>
+                                        <p:strVal val="visible"/>
+                                      </p:to>
+                                    </p:set>
+                                    <p:animEffect transition="in" filter="wipe(left)">
+                                      <p:cBhvr>
+                                        <p:cTn id="7" dur="500"/>
+                                        <p:tgtEl>
+                                          <p:spTgt spid="7"/>
+                                        </p:tgtEl>
+                                      </p:cBhvr>
+                                    </p:animEffect>
+                                  </p:childTnLst>
+                                </p:cTn>
+                              </p:par>
+                              <p:par>
+                                <p:cTn id="8" presetID="10" presetClass="entr" presetSubtype="0" fill="hold" grpId="0" nodeType="withEffect">
+                                  <p:stCondLst>
+                                    <p:cond delay="0"/>
+                                  </p:stCondLst>
+                                  <p:childTnLst>
+                                    <p:set>
+                                      <p:cBhvr>
+                                        <p:cTn id="9" dur="1" fill="hold">
+                                          <p:stCondLst>
+                                            <p:cond delay="0"/>
+                                          </p:stCondLst>
+                                        </p:cTn>
+                                        <p:tgtEl>
+                                          <p:spTgt spid="9">
+                                            <p:txEl>
+                                              <p:pRg st="0" end="0"/>
+                                            </p:txEl>
+                                          </p:spTgt>
+                                        </p:tgtEl>
+                                        <p:attrNameLst>
+                                          <p:attrName>style.visibility</p:attrName>
+                                        </p:attrNameLst>
+                                      </p:cBhvr>
+                                      <p:to>
+                                        <p:strVal val="visible"/>
+                                      </p:to>
+                                    </p:set>
+                                    <p:animEffect transition="in" filter="fade">
+                                      <p:cBhvr>
+                                        <p:cTn id="10" dur="500"/>
+                                        <p:tgtEl>
+                                          <p:spTgt spid="9">
+                                            <p:txEl>
+                                              <p:pRg st="0" end="0"/>
+                                            </p:txEl>
+                                          </p:spTgt>
+                                        </p:tgtEl>
+                                      </p:cBhvr>
+                                    </p:animEffect>
+                                  </p:childTnLst>
+                                </p:cTn>
+                              </p:par>
+                              <p:par>
+                                <p:cTn id="11" presetID="10" presetClass="entr" presetSubtype="0" fill="hold" grpId="0" nodeType="withEffect">
+                                  <p:stCondLst>
+                                    <p:cond delay="0"/>
+                                  </p:stCondLst>
+                                  <p:childTnLst>
+                                    <p:set>
+                                      <p:cBhvr>
+                                        <p:cTn id="12" dur="1" fill="hold">
+                                          <p:stCondLst>
+                                            <p:cond delay="0"/>
+                                          </p:stCondLst>
+                                        </p:cTn>
+                                        <p:tgtEl>
+                                          <p:spTgt spid="9">
+                                            <p:txEl>
+                                              <p:pRg st="1" end="1"/>
+                                            </p:txEl>
+                                          </p:spTgt>
+                                        </p:tgtEl>
+                                        <p:attrNameLst>
+                                          <p:attrName>style.visibility</p:attrName>
+                                        </p:attrNameLst>
+                                      </p:cBhvr>
+                                      <p:to>
+                                        <p:strVal val="visible"/>
+                                      </p:to>
+                                    </p:set>
+                                    <p:animEffect transition="in" filter="fade">
+                                      <p:cBhvr>
+                                        <p:cTn id="13" dur="500"/>
+                                        <p:tgtEl>
+                                          <p:spTgt spid="9">
+                                            <p:txEl>
+                                              <p:pRg st="1" end="1"/>
+                                            </p:txEl>
+                                          </p:spTgt>
+                                        </p:tgtEl>
+                                      </p:cBhvr>
+                                    </p:animEffect>
+                                  </p:childTnLst>
+                                </p:cTn>
+                              </p:par>
+                            </p:childTnLst>
+                          </p:cTn>
+                        </p:par>
+                      </p:childTnLst>
+                    </p:cTn>
+                  </p:par>
+                  <p:par>
+                    <p:cTn id="14" fill="hold">
+                      <p:stCondLst>
+                        <p:cond delay="indefinite"/>
+                      </p:stCondLst>
+                      <p:childTnLst>
+                        <p:par>
+                          <p:cTn id="15" fill="hold">
+                            <p:stCondLst>
+                              <p:cond delay="0"/>
+                            </p:stCondLst>
+                            <p:childTnLst>
+                              <p:par>
+                                <p:cTn id="16" presetID="10" presetClass="entr" presetSubtype="0" fill="hold" grpId="0" nodeType="clickEffect">
+                                  <p:stCondLst>
+                                    <p:cond delay="0"/>
+                                  </p:stCondLst>
+                                  <p:childTnLst>
+                                    <p:set>
+                                      <p:cBhvr>
+                                        <p:cTn id="17" dur="1" fill="hold">
+                                          <p:stCondLst>
+                                            <p:cond delay="0"/>
+                                          </p:stCondLst>
+                                        </p:cTn>
+                                        <p:tgtEl>
+                                          <p:spTgt spid="9">
+                                            <p:txEl>
+                                              <p:pRg st="2" end="2"/>
+                                            </p:txEl>
+                                          </p:spTgt>
+                                        </p:tgtEl>
+                                        <p:attrNameLst>
+                                          <p:attrName>style.visibility</p:attrName>
+                                        </p:attrNameLst>
+                                      </p:cBhvr>
+                                      <p:to>
+                                        <p:strVal val="visible"/>
+                                      </p:to>
+                                    </p:set>
+                                    <p:animEffect transition="in" filter="fade">
+                                      <p:cBhvr>
+                                        <p:cTn id="18" dur="500"/>
+                                        <p:tgtEl>
+                                          <p:spTgt spid="9">
+                                            <p:txEl>
+                                              <p:pRg st="2" end="2"/>
+                                            </p:txEl>
+                                          </p:spTgt>
+                                        </p:tgtEl>
+                                      </p:cBhvr>
+                                    </p:animEffect>
+                                  </p:childTnLst>
+                                </p:cTn>
+                              </p:par>
+                            </p:childTnLst>
+                          </p:cTn>
+                        </p:par>
+                      </p:childTnLst>
+                    </p:cTn>
+                  </p:par>
+                  <p:par>
+                    <p:cTn id="19" fill="hold">
+                      <p:stCondLst>
+                        <p:cond delay="indefinite"/>
+                      </p:stCondLst>
+                      <p:childTnLst>
+                        <p:par>
+                          <p:cTn id="20" fill="hold">
+                            <p:stCondLst>
+                              <p:cond delay="0"/>
+                            </p:stCondLst>
+                            <p:childTnLst>
+                              <p:par>
+                                <p:cTn id="21" presetID="10" presetClass="entr" presetSubtype="0" fill="hold" grpId="0" nodeType="clickEffect">
+                                  <p:stCondLst>
+                                    <p:cond delay="0"/>
+                                  </p:stCondLst>
+                                  <p:childTnLst>
+                                    <p:set>
+                                      <p:cBhvr>
+                                        <p:cTn id="22" dur="1" fill="hold">
+                                          <p:stCondLst>
+                                            <p:cond delay="0"/>
+                                          </p:stCondLst>
+                                        </p:cTn>
+                                        <p:tgtEl>
+                                          <p:spTgt spid="9">
+                                            <p:txEl>
+                                              <p:pRg st="3" end="3"/>
+                                            </p:txEl>
+                                          </p:spTgt>
+                                        </p:tgtEl>
+                                        <p:attrNameLst>
+                                          <p:attrName>style.visibility</p:attrName>
+                                        </p:attrNameLst>
+                                      </p:cBhvr>
+                                      <p:to>
+                                        <p:strVal val="visible"/>
+                                      </p:to>
+                                    </p:set>
+                                    <p:animEffect transition="in" filter="fade">
+                                      <p:cBhvr>
+                                        <p:cTn id="23" dur="500"/>
+                                        <p:tgtEl>
+                                          <p:spTgt spid="9">
+                                            <p:txEl>
+                                              <p:pRg st="3" end="3"/>
+                                            </p:txEl>
+                                          </p:spTgt>
+                                        </p:tgtEl>
+                                      </p:cBhvr>
+                                    </p:animEffect>
+                                  </p:childTnLst>
+                                </p:cTn>
+                              </p:par>
+                            </p:childTnLst>
+                          </p:cTn>
+                        </p:par>
+                      </p:childTnLst>
+                    </p:cTn>
+                  </p:par>
+                  <p:par>
+                    <p:cTn id="24" fill="hold">
+                      <p:stCondLst>
+                        <p:cond delay="indefinite"/>
+                      </p:stCondLst>
+                      <p:childTnLst>
+                        <p:par>
+                          <p:cTn id="25" fill="hold">
+                            <p:stCondLst>
+                              <p:cond delay="0"/>
+                            </p:stCondLst>
+                            <p:childTnLst>
+                              <p:par>
+                                <p:cTn id="26" presetID="10" presetClass="entr" presetSubtype="0" fill="hold" grpId="0" nodeType="clickEffect">
+                                  <p:stCondLst>
+                                    <p:cond delay="0"/>
+                                  </p:stCondLst>
+                                  <p:childTnLst>
+                                    <p:set>
+                                      <p:cBhvr>
+                                        <p:cTn id="27" dur="1" fill="hold">
+                                          <p:stCondLst>
+                                            <p:cond delay="0"/>
+                                          </p:stCondLst>
+                                        </p:cTn>
+                                        <p:tgtEl>
+                                          <p:spTgt spid="9">
+                                            <p:txEl>
+                                              <p:pRg st="4" end="4"/>
+                                            </p:txEl>
+                                          </p:spTgt>
+                                        </p:tgtEl>
+                                        <p:attrNameLst>
+                                          <p:attrName>style.visibility</p:attrName>
+                                        </p:attrNameLst>
+                                      </p:cBhvr>
+                                      <p:to>
+                                        <p:strVal val="visible"/>
+                                      </p:to>
+                                    </p:set>
+                                    <p:animEffect transition="in" filter="fade">
+                                      <p:cBhvr>
+                                        <p:cTn id="28" dur="500"/>
+                                        <p:tgtEl>
+                                          <p:spTgt spid="9">
+                                            <p:txEl>
+                                              <p:pRg st="4" end="4"/>
+                                            </p:txEl>
+                                          </p:spTgt>
+                                        </p:tgtEl>
+                                      </p:cBhvr>
+                                    </p:animEffect>
+                                  </p:childTnLst>
+                                </p:cTn>
+                              </p:par>
+                            </p:childTnLst>
+                          </p:cTn>
+                        </p:par>
+                      </p:childTnLst>
+                    </p:cTn>
+                  </p:par>
+                </p:childTnLst>
+              </p:cTn>
+              <p:prevCondLst>
+                <p:cond evt="onPrev" delay="0">
+                  <p:tgtEl>
+                    <p:sldTgt/>
+                  </p:tgtEl>
+                </p:cond>
+              </p:prevCondLst>
+              <p:nextCondLst>
+                <p:cond evt="onNext" delay="0">
+                  <p:tgtEl>
+                    <p:sldTgt/>
+                  </p:tgtEl>
+                </p:cond>
+              </p:nextCondLst>
+            </p:seq>
+          </p:childTnLst>
+        </p:cTn>
       </p:par>
     </p:tnLst>
+    <p:bldLst>
+      <p:bldP spid="7" grpId="0"/>
+      <p:bldP spid="9" grpId="0" build="p"/>
+    </p:bldLst>
   </p:timing>
 </p:sld>
 </file>
@@ -10500,7 +15146,7 @@
       </p:grpSpPr>
       <p:sp>
         <p:nvSpPr>
-          <p:cNvPr id="2" name="Title 1"/>
+          <p:cNvPr id="7" name="Title 6"/>
           <p:cNvSpPr>
             <a:spLocks noGrp="1"/>
           </p:cNvSpPr>
@@ -10510,32 +15156,22 @@
         </p:nvSpPr>
         <p:spPr/>
         <p:txBody>
-          <a:bodyPr/>
+          <a:bodyPr>
+            <a:normAutofit/>
+          </a:bodyPr>
           <a:lstStyle/>
           <a:p>
             <a:r>
-              <a:rPr lang="en-US"/>
-              <a:t>P</a:t>
-            </a:r>
-            <a:r>
-              <a:rPr lang="en-US" smtClean="0"/>
-              <a:t>ersistence </a:t>
-            </a:r>
-            <a:r>
-              <a:rPr lang="en-US"/>
-              <a:t>L</a:t>
-            </a:r>
-            <a:r>
-              <a:rPr lang="en-US" smtClean="0"/>
-              <a:t>ayer</a:t>
-            </a:r>
-            <a:endParaRPr lang="en-US"/>
-          </a:p>
-        </p:txBody>
-      </p:sp>
-      <p:sp>
-        <p:nvSpPr>
-          <p:cNvPr id="3" name="Content Placeholder 2"/>
+              <a:rPr lang="en-GB" smtClean="0"/>
+              <a:t>Tổng quan MVC</a:t>
+            </a:r>
+            <a:endParaRPr lang="en-GB" dirty="0"/>
+          </a:p>
+        </p:txBody>
+      </p:sp>
+      <p:sp>
+        <p:nvSpPr>
+          <p:cNvPr id="9" name="Content Placeholder 8"/>
           <p:cNvSpPr>
             <a:spLocks noGrp="1"/>
           </p:cNvSpPr>
@@ -10545,63 +15181,74 @@
         </p:nvSpPr>
         <p:spPr>
           <a:xfrm>
-            <a:off x="457200" y="950976"/>
-            <a:ext cx="8229600" cy="4489704"/>
+            <a:off x="457200" y="836892"/>
+            <a:ext cx="8473440" cy="4771428"/>
           </a:xfrm>
         </p:spPr>
         <p:txBody>
           <a:bodyPr>
-            <a:normAutofit fontScale="92500"/>
+            <a:normAutofit/>
           </a:bodyPr>
           <a:lstStyle/>
           <a:p>
-            <a:r>
-              <a:rPr lang="en-US" smtClean="0"/>
-              <a:t>M</a:t>
-            </a:r>
-            <a:r>
-              <a:rPr lang="vi-VN" smtClean="0"/>
-              <a:t>ột </a:t>
-            </a:r>
+            <a:pPr>
+              <a:buFont typeface="Wingdings" panose="05000000000000000000" pitchFamily="2" charset="2"/>
+              <a:buChar char="§"/>
+            </a:pPr>
             <a:r>
               <a:rPr lang="vi-VN"/>
-              <a:t>ứng dụng có thể chia làm 3 phần như sau: phần giao diện người dùng (UI layer), phần xử lý nghiệp vụ (business layer) và phần chứa dữ liệu (data layer). Cụ thể ra, business layer sẽ có thể chia nhỏ thành 2 layer con là business logic layer (chỉ quan tâm đến ý nghĩa của các nghiệp vụ, các tính toán mang nhằm thoả mãn yêu cầu của người dùng) và persitence layer. Persistence layer chịu trách nhiệm giao tiếp với data layer (thường là một hệ quản trị cơ sở dữ liệu quan hệ - Relational DBMS). Persistence layer sẽ đảm nhiệm các nhiệm vụ mở kết nối, truy xuất và lưu trữ dữ liệu vào các Relational </a:t>
-            </a:r>
-            <a:r>
-              <a:rPr lang="vi-VN"/>
-              <a:t>DBMS</a:t>
-            </a:r>
-            <a:r>
-              <a:rPr lang="vi-VN" smtClean="0"/>
-              <a:t>.</a:t>
-            </a:r>
-            <a:endParaRPr lang="en-US" smtClean="0"/>
-          </a:p>
-          <a:p>
-            <a:r>
-              <a:rPr lang="en-US" sz="2400"/>
-              <a:t>Layer" là một khái niệm khác với "</a:t>
-            </a:r>
-            <a:r>
-              <a:rPr lang="en-US" sz="2400"/>
-              <a:t>tier</a:t>
-            </a:r>
-            <a:r>
-              <a:rPr lang="en-US" sz="2400" smtClean="0"/>
-              <a:t>”?????</a:t>
+              <a:t>Mô hình MVC (Model - View - Controller) là một kiến trúc phần mềm hay mô hình thiết kế được sử dụng trong kỹ thuật phần mềm. Nó giúp cho các developer tách ứng dụng của họ ra 3 thành phần khác nhau Model, View và Controller. Mỗi thành phần có một nhiệm vụ riêng biệt và độc lập với các thành phần khác.</a:t>
             </a:r>
             <a:endParaRPr lang="en-US"/>
           </a:p>
           <a:p>
-            <a:pPr lvl="1"/>
-            <a:endParaRPr lang="en-US" smtClean="0"/>
-          </a:p>
-        </p:txBody>
-      </p:sp>
+            <a:pPr>
+              <a:buFont typeface="Wingdings" panose="05000000000000000000" pitchFamily="2" charset="2"/>
+              <a:buChar char="§"/>
+            </a:pPr>
+            <a:endParaRPr lang="en-GB" smtClean="0"/>
+          </a:p>
+        </p:txBody>
+      </p:sp>
+      <p:pic>
+        <p:nvPicPr>
+          <p:cNvPr id="4" name="Picture 3" descr="Tìm hiểu mô hình MVC là gì ?">
+            <a:hlinkClick r:id="rId3" tooltip="&quot;Click vào để xem hình ảnh&quot;"/>
+          </p:cNvPr>
+          <p:cNvPicPr/>
+          <p:nvPr/>
+        </p:nvPicPr>
+        <p:blipFill>
+          <a:blip r:embed="rId4">
+            <a:extLst>
+              <a:ext uri="{28A0092B-C50C-407E-A947-70E740481C1C}">
+                <a14:useLocalDpi xmlns:a14="http://schemas.microsoft.com/office/drawing/2010/main" val="0"/>
+              </a:ext>
+            </a:extLst>
+          </a:blip>
+          <a:srcRect/>
+          <a:stretch>
+            <a:fillRect/>
+          </a:stretch>
+        </p:blipFill>
+        <p:spPr bwMode="auto">
+          <a:xfrm>
+            <a:off x="2026920" y="3222606"/>
+            <a:ext cx="5394959" cy="2202834"/>
+          </a:xfrm>
+          <a:prstGeom prst="rect">
+            <a:avLst/>
+          </a:prstGeom>
+          <a:noFill/>
+          <a:ln>
+            <a:noFill/>
+          </a:ln>
+        </p:spPr>
+      </p:pic>
     </p:spTree>
     <p:extLst>
       <p:ext uri="{BB962C8B-B14F-4D97-AF65-F5344CB8AC3E}">
-        <p14:creationId xmlns:p14="http://schemas.microsoft.com/office/powerpoint/2010/main" val="380868578"/>
+        <p14:creationId xmlns:p14="http://schemas.microsoft.com/office/powerpoint/2010/main" val="2405251790"/>
       </p:ext>
     </p:extLst>
   </p:cSld>
@@ -10611,9 +15258,135 @@
   <p:timing>
     <p:tnLst>
       <p:par>
-        <p:cTn id="1" dur="indefinite" restart="never" nodeType="tmRoot"/>
+        <p:cTn id="1" dur="indefinite" restart="never" nodeType="tmRoot">
+          <p:childTnLst>
+            <p:seq concurrent="1" nextAc="seek">
+              <p:cTn id="2" dur="indefinite" nodeType="mainSeq">
+                <p:childTnLst>
+                  <p:par>
+                    <p:cTn id="3" fill="hold">
+                      <p:stCondLst>
+                        <p:cond delay="indefinite"/>
+                        <p:cond evt="onBegin" delay="0">
+                          <p:tn val="2"/>
+                        </p:cond>
+                      </p:stCondLst>
+                      <p:childTnLst>
+                        <p:par>
+                          <p:cTn id="4" fill="hold">
+                            <p:stCondLst>
+                              <p:cond delay="0"/>
+                            </p:stCondLst>
+                            <p:childTnLst>
+                              <p:par>
+                                <p:cTn id="5" presetID="22" presetClass="entr" presetSubtype="8" fill="hold" grpId="0" nodeType="withEffect">
+                                  <p:stCondLst>
+                                    <p:cond delay="0"/>
+                                  </p:stCondLst>
+                                  <p:childTnLst>
+                                    <p:set>
+                                      <p:cBhvr>
+                                        <p:cTn id="6" dur="1" fill="hold">
+                                          <p:stCondLst>
+                                            <p:cond delay="0"/>
+                                          </p:stCondLst>
+                                        </p:cTn>
+                                        <p:tgtEl>
+                                          <p:spTgt spid="7"/>
+                                        </p:tgtEl>
+                                        <p:attrNameLst>
+                                          <p:attrName>style.visibility</p:attrName>
+                                        </p:attrNameLst>
+                                      </p:cBhvr>
+                                      <p:to>
+                                        <p:strVal val="visible"/>
+                                      </p:to>
+                                    </p:set>
+                                    <p:animEffect transition="in" filter="wipe(left)">
+                                      <p:cBhvr>
+                                        <p:cTn id="7" dur="500"/>
+                                        <p:tgtEl>
+                                          <p:spTgt spid="7"/>
+                                        </p:tgtEl>
+                                      </p:cBhvr>
+                                    </p:animEffect>
+                                  </p:childTnLst>
+                                </p:cTn>
+                              </p:par>
+                              <p:par>
+                                <p:cTn id="8" presetID="10" presetClass="entr" presetSubtype="0" fill="hold" grpId="0" nodeType="withEffect">
+                                  <p:stCondLst>
+                                    <p:cond delay="0"/>
+                                  </p:stCondLst>
+                                  <p:childTnLst>
+                                    <p:set>
+                                      <p:cBhvr>
+                                        <p:cTn id="9" dur="1" fill="hold">
+                                          <p:stCondLst>
+                                            <p:cond delay="0"/>
+                                          </p:stCondLst>
+                                        </p:cTn>
+                                        <p:tgtEl>
+                                          <p:spTgt spid="9">
+                                            <p:txEl>
+                                              <p:pRg st="0" end="0"/>
+                                            </p:txEl>
+                                          </p:spTgt>
+                                        </p:tgtEl>
+                                        <p:attrNameLst>
+                                          <p:attrName>style.visibility</p:attrName>
+                                        </p:attrNameLst>
+                                      </p:cBhvr>
+                                      <p:to>
+                                        <p:strVal val="visible"/>
+                                      </p:to>
+                                    </p:set>
+                                    <p:animEffect transition="in" filter="fade">
+                                      <p:cBhvr>
+                                        <p:cTn id="10" dur="500"/>
+                                        <p:tgtEl>
+                                          <p:spTgt spid="9">
+                                            <p:txEl>
+                                              <p:pRg st="0" end="0"/>
+                                            </p:txEl>
+                                          </p:spTgt>
+                                        </p:tgtEl>
+                                      </p:cBhvr>
+                                    </p:animEffect>
+                                  </p:childTnLst>
+                                </p:cTn>
+                              </p:par>
+                            </p:childTnLst>
+                          </p:cTn>
+                        </p:par>
+                      </p:childTnLst>
+                    </p:cTn>
+                  </p:par>
+                </p:childTnLst>
+              </p:cTn>
+              <p:prevCondLst>
+                <p:cond evt="onPrev" delay="0">
+                  <p:tgtEl>
+                    <p:sldTgt/>
+                  </p:tgtEl>
+                </p:cond>
+              </p:prevCondLst>
+              <p:nextCondLst>
+                <p:cond evt="onNext" delay="0">
+                  <p:tgtEl>
+                    <p:sldTgt/>
+                  </p:tgtEl>
+                </p:cond>
+              </p:nextCondLst>
+            </p:seq>
+          </p:childTnLst>
+        </p:cTn>
       </p:par>
     </p:tnLst>
+    <p:bldLst>
+      <p:bldP spid="7" grpId="0"/>
+      <p:bldP spid="9" grpId="0" build="p"/>
+    </p:bldLst>
   </p:timing>
 </p:sld>
 </file>
@@ -10637,7 +15410,7 @@
       </p:grpSpPr>
       <p:sp>
         <p:nvSpPr>
-          <p:cNvPr id="2" name="Title 1"/>
+          <p:cNvPr id="7" name="Title 6"/>
           <p:cNvSpPr>
             <a:spLocks noGrp="1"/>
           </p:cNvSpPr>
@@ -10646,121 +15419,65 @@
           </p:nvPr>
         </p:nvSpPr>
         <p:spPr/>
-        <p:txBody>
-          <a:bodyPr/>
-          <a:lstStyle/>
-          <a:p>
-            <a:r>
-              <a:rPr lang="en-US"/>
-              <a:t>Hibernate framework</a:t>
-            </a:r>
-          </a:p>
-        </p:txBody>
-      </p:sp>
-      <p:sp>
-        <p:nvSpPr>
-          <p:cNvPr id="3" name="Content Placeholder 2"/>
-          <p:cNvSpPr>
-            <a:spLocks noGrp="1"/>
-          </p:cNvSpPr>
-          <p:nvPr>
-            <p:ph idx="1"/>
-          </p:nvPr>
-        </p:nvSpPr>
-        <p:spPr>
-          <a:xfrm>
-            <a:off x="457200" y="950976"/>
-            <a:ext cx="8229600" cy="4489704"/>
-          </a:xfrm>
-        </p:spPr>
         <p:txBody>
           <a:bodyPr>
             <a:normAutofit/>
           </a:bodyPr>
           <a:lstStyle/>
           <a:p>
-            <a:pPr marL="457200" lvl="1">
-              <a:lnSpc>
-                <a:spcPct val="150000"/>
-              </a:lnSpc>
+            <a:r>
+              <a:rPr lang="vi-VN" b="1"/>
+              <a:t>Model</a:t>
+            </a:r>
+            <a:endParaRPr lang="en-US"/>
+          </a:p>
+        </p:txBody>
+      </p:sp>
+      <p:sp>
+        <p:nvSpPr>
+          <p:cNvPr id="9" name="Content Placeholder 8"/>
+          <p:cNvSpPr>
+            <a:spLocks noGrp="1"/>
+          </p:cNvSpPr>
+          <p:nvPr>
+            <p:ph idx="1"/>
+          </p:nvPr>
+        </p:nvSpPr>
+        <p:spPr>
+          <a:xfrm>
+            <a:off x="457200" y="836892"/>
+            <a:ext cx="8473440" cy="4771428"/>
+          </a:xfrm>
+        </p:spPr>
+        <p:txBody>
+          <a:bodyPr>
+            <a:normAutofit/>
+          </a:bodyPr>
+          <a:lstStyle/>
+          <a:p>
+            <a:pPr>
+              <a:buFont typeface="Wingdings" panose="05000000000000000000" pitchFamily="2" charset="2"/>
+              <a:buChar char="§"/>
             </a:pPr>
             <a:r>
-              <a:rPr lang="en-US" sz="2400"/>
-              <a:t>Hibernate framework là một framework cho </a:t>
-            </a:r>
-            <a:r>
-              <a:rPr lang="en-US" sz="2400"/>
-              <a:t>persistence </a:t>
-            </a:r>
-            <a:r>
-              <a:rPr lang="en-US" sz="2400" smtClean="0"/>
-              <a:t>layer.</a:t>
-            </a:r>
-          </a:p>
-          <a:p>
-            <a:pPr marL="457200" lvl="1">
-              <a:lnSpc>
-                <a:spcPct val="150000"/>
-              </a:lnSpc>
+              <a:rPr lang="vi-VN"/>
+              <a:t>Đây là thành phần chứa tất cả các nghiệp vụ logic, phương thức xử lý, truy xuất database, đối tượng mô tả dữ liệu như các Class, hàm xử lý...</a:t>
+            </a:r>
+            <a:endParaRPr lang="en-US"/>
+          </a:p>
+          <a:p>
+            <a:pPr>
+              <a:buFont typeface="Wingdings" panose="05000000000000000000" pitchFamily="2" charset="2"/>
+              <a:buChar char="§"/>
             </a:pPr>
-            <a:r>
-              <a:rPr lang="vi-VN" sz="2400"/>
-              <a:t>Hibernate là một dịch vụ lưu trữ và truy vấn dữ liệu quan hệ mạnh mẽ </a:t>
-            </a:r>
-            <a:r>
-              <a:rPr lang="vi-VN" sz="2400"/>
-              <a:t>và </a:t>
-            </a:r>
-            <a:r>
-              <a:rPr lang="vi-VN" sz="2400" smtClean="0"/>
-              <a:t>nhanh</a:t>
-            </a:r>
-            <a:r>
-              <a:rPr lang="en-US" sz="2400" smtClean="0"/>
-              <a:t>.</a:t>
-            </a:r>
-          </a:p>
-          <a:p>
-            <a:pPr marL="457200" lvl="1">
-              <a:lnSpc>
-                <a:spcPct val="150000"/>
-              </a:lnSpc>
-            </a:pPr>
-            <a:r>
-              <a:rPr lang="vi-VN" sz="2400"/>
-              <a:t>Hibernate giúp bạn phát triển các class dùng để lưu trữ dữ liệu theo cách </a:t>
-            </a:r>
-            <a:r>
-              <a:rPr lang="vi-VN" sz="2400"/>
-              <a:t>thức </a:t>
-            </a:r>
-            <a:r>
-              <a:rPr lang="vi-VN" sz="2400" smtClean="0"/>
-              <a:t>là </a:t>
-            </a:r>
-            <a:r>
-              <a:rPr lang="vi-VN" sz="2400"/>
-              <a:t>hướng </a:t>
-            </a:r>
-            <a:r>
-              <a:rPr lang="vi-VN" sz="2400"/>
-              <a:t>đối </a:t>
-            </a:r>
-            <a:r>
-              <a:rPr lang="vi-VN" sz="2400" smtClean="0"/>
-              <a:t>tượng</a:t>
-            </a:r>
-            <a:r>
-              <a:rPr lang="en-US" sz="2400" smtClean="0"/>
-              <a:t>.</a:t>
-            </a:r>
+            <a:endParaRPr lang="en-GB" smtClean="0"/>
           </a:p>
         </p:txBody>
       </p:sp>
     </p:spTree>
     <p:extLst>
       <p:ext uri="{BB962C8B-B14F-4D97-AF65-F5344CB8AC3E}">
-        <p14:creationId xmlns:p14="http://schemas.microsoft.com/office/powerpoint/2010/main" val="1299983535"/>
+        <p14:creationId xmlns:p14="http://schemas.microsoft.com/office/powerpoint/2010/main" val="2239442494"/>
       </p:ext>
     </p:extLst>
   </p:cSld>
@@ -10770,9 +15487,135 @@
   <p:timing>
     <p:tnLst>
       <p:par>
-        <p:cTn id="1" dur="indefinite" restart="never" nodeType="tmRoot"/>
+        <p:cTn id="1" dur="indefinite" restart="never" nodeType="tmRoot">
+          <p:childTnLst>
+            <p:seq concurrent="1" nextAc="seek">
+              <p:cTn id="2" dur="indefinite" nodeType="mainSeq">
+                <p:childTnLst>
+                  <p:par>
+                    <p:cTn id="3" fill="hold">
+                      <p:stCondLst>
+                        <p:cond delay="indefinite"/>
+                        <p:cond evt="onBegin" delay="0">
+                          <p:tn val="2"/>
+                        </p:cond>
+                      </p:stCondLst>
+                      <p:childTnLst>
+                        <p:par>
+                          <p:cTn id="4" fill="hold">
+                            <p:stCondLst>
+                              <p:cond delay="0"/>
+                            </p:stCondLst>
+                            <p:childTnLst>
+                              <p:par>
+                                <p:cTn id="5" presetID="22" presetClass="entr" presetSubtype="8" fill="hold" grpId="0" nodeType="withEffect">
+                                  <p:stCondLst>
+                                    <p:cond delay="0"/>
+                                  </p:stCondLst>
+                                  <p:childTnLst>
+                                    <p:set>
+                                      <p:cBhvr>
+                                        <p:cTn id="6" dur="1" fill="hold">
+                                          <p:stCondLst>
+                                            <p:cond delay="0"/>
+                                          </p:stCondLst>
+                                        </p:cTn>
+                                        <p:tgtEl>
+                                          <p:spTgt spid="7"/>
+                                        </p:tgtEl>
+                                        <p:attrNameLst>
+                                          <p:attrName>style.visibility</p:attrName>
+                                        </p:attrNameLst>
+                                      </p:cBhvr>
+                                      <p:to>
+                                        <p:strVal val="visible"/>
+                                      </p:to>
+                                    </p:set>
+                                    <p:animEffect transition="in" filter="wipe(left)">
+                                      <p:cBhvr>
+                                        <p:cTn id="7" dur="500"/>
+                                        <p:tgtEl>
+                                          <p:spTgt spid="7"/>
+                                        </p:tgtEl>
+                                      </p:cBhvr>
+                                    </p:animEffect>
+                                  </p:childTnLst>
+                                </p:cTn>
+                              </p:par>
+                              <p:par>
+                                <p:cTn id="8" presetID="10" presetClass="entr" presetSubtype="0" fill="hold" grpId="0" nodeType="withEffect">
+                                  <p:stCondLst>
+                                    <p:cond delay="0"/>
+                                  </p:stCondLst>
+                                  <p:childTnLst>
+                                    <p:set>
+                                      <p:cBhvr>
+                                        <p:cTn id="9" dur="1" fill="hold">
+                                          <p:stCondLst>
+                                            <p:cond delay="0"/>
+                                          </p:stCondLst>
+                                        </p:cTn>
+                                        <p:tgtEl>
+                                          <p:spTgt spid="9">
+                                            <p:txEl>
+                                              <p:pRg st="0" end="0"/>
+                                            </p:txEl>
+                                          </p:spTgt>
+                                        </p:tgtEl>
+                                        <p:attrNameLst>
+                                          <p:attrName>style.visibility</p:attrName>
+                                        </p:attrNameLst>
+                                      </p:cBhvr>
+                                      <p:to>
+                                        <p:strVal val="visible"/>
+                                      </p:to>
+                                    </p:set>
+                                    <p:animEffect transition="in" filter="fade">
+                                      <p:cBhvr>
+                                        <p:cTn id="10" dur="500"/>
+                                        <p:tgtEl>
+                                          <p:spTgt spid="9">
+                                            <p:txEl>
+                                              <p:pRg st="0" end="0"/>
+                                            </p:txEl>
+                                          </p:spTgt>
+                                        </p:tgtEl>
+                                      </p:cBhvr>
+                                    </p:animEffect>
+                                  </p:childTnLst>
+                                </p:cTn>
+                              </p:par>
+                            </p:childTnLst>
+                          </p:cTn>
+                        </p:par>
+                      </p:childTnLst>
+                    </p:cTn>
+                  </p:par>
+                </p:childTnLst>
+              </p:cTn>
+              <p:prevCondLst>
+                <p:cond evt="onPrev" delay="0">
+                  <p:tgtEl>
+                    <p:sldTgt/>
+                  </p:tgtEl>
+                </p:cond>
+              </p:prevCondLst>
+              <p:nextCondLst>
+                <p:cond evt="onNext" delay="0">
+                  <p:tgtEl>
+                    <p:sldTgt/>
+                  </p:tgtEl>
+                </p:cond>
+              </p:nextCondLst>
+            </p:seq>
+          </p:childTnLst>
+        </p:cTn>
       </p:par>
     </p:tnLst>
+    <p:bldLst>
+      <p:bldP spid="7" grpId="0"/>
+      <p:bldP spid="9" grpId="0" build="p"/>
+    </p:bldLst>
   </p:timing>
 </p:sld>
 </file>
@@ -10796,7 +15639,7 @@
       </p:grpSpPr>
       <p:sp>
         <p:nvSpPr>
-          <p:cNvPr id="2" name="Title 1"/>
+          <p:cNvPr id="7" name="Title 6"/>
           <p:cNvSpPr>
             <a:spLocks noGrp="1"/>
           </p:cNvSpPr>
@@ -10805,79 +15648,54 @@
           </p:nvPr>
         </p:nvSpPr>
         <p:spPr/>
-        <p:txBody>
-          <a:bodyPr/>
-          <a:lstStyle/>
-          <a:p>
-            <a:r>
-              <a:rPr lang="en-US"/>
-              <a:t>Hibernate framework</a:t>
-            </a:r>
-          </a:p>
-        </p:txBody>
-      </p:sp>
-      <p:sp>
-        <p:nvSpPr>
-          <p:cNvPr id="3" name="Content Placeholder 2"/>
-          <p:cNvSpPr>
-            <a:spLocks noGrp="1"/>
-          </p:cNvSpPr>
-          <p:nvPr>
-            <p:ph idx="1"/>
-          </p:nvPr>
-        </p:nvSpPr>
-        <p:spPr>
-          <a:xfrm>
-            <a:off x="457200" y="950976"/>
-            <a:ext cx="8229600" cy="4489704"/>
-          </a:xfrm>
-        </p:spPr>
         <p:txBody>
           <a:bodyPr>
             <a:normAutofit/>
           </a:bodyPr>
           <a:lstStyle/>
           <a:p>
-            <a:pPr marL="457200" lvl="1">
-              <a:lnSpc>
-                <a:spcPct val="150000"/>
-              </a:lnSpc>
-            </a:pPr>
-            <a:r>
-              <a:rPr lang="vi-VN" sz="2400"/>
-              <a:t>Hibernate cho phép bạn thực hiện các câu truy vấn dữ liệu bằng cách sử dụng ngôn ngữ SQL mở rộng của Hibernate (HQL) hoặc là ngôn ngữ SQL nguyên thuỷ cũng như là sử dụng các </a:t>
-            </a:r>
-            <a:r>
-              <a:rPr lang="vi-VN" sz="2400"/>
-              <a:t>API</a:t>
-            </a:r>
-            <a:r>
-              <a:rPr lang="vi-VN" sz="2400" smtClean="0"/>
-              <a:t>.</a:t>
-            </a:r>
-            <a:endParaRPr lang="en-US" sz="2400" smtClean="0"/>
-          </a:p>
-          <a:p>
-            <a:pPr marL="457200" lvl="1">
-              <a:lnSpc>
-                <a:spcPct val="150000"/>
-              </a:lnSpc>
-            </a:pPr>
-            <a:r>
-              <a:rPr lang="en-US" sz="2400" smtClean="0"/>
-              <a:t>Có </a:t>
-            </a:r>
-            <a:r>
-              <a:rPr lang="en-US" sz="2400"/>
-              <a:t>Hibernate framework mà giờ đây khi bạn phát triển một ứng dụng bạn chỉ còn chú tâm vào những layer khác mà không phải bận tâm nhiều về persistence layer nữa.</a:t>
-            </a:r>
+            <a:r>
+              <a:rPr lang="vi-VN" b="1" smtClean="0"/>
+              <a:t>View</a:t>
+            </a:r>
+            <a:endParaRPr lang="en-US"/>
+          </a:p>
+        </p:txBody>
+      </p:sp>
+      <p:sp>
+        <p:nvSpPr>
+          <p:cNvPr id="9" name="Content Placeholder 8"/>
+          <p:cNvSpPr>
+            <a:spLocks noGrp="1"/>
+          </p:cNvSpPr>
+          <p:nvPr>
+            <p:ph idx="1"/>
+          </p:nvPr>
+        </p:nvSpPr>
+        <p:spPr>
+          <a:xfrm>
+            <a:off x="457200" y="836892"/>
+            <a:ext cx="8473440" cy="4771428"/>
+          </a:xfrm>
+        </p:spPr>
+        <p:txBody>
+          <a:bodyPr>
+            <a:normAutofit/>
+          </a:bodyPr>
+          <a:lstStyle/>
+          <a:p>
+            <a:r>
+              <a:rPr lang="vi-VN"/>
+              <a:t>Đảm nhận việc hiển thị thông tin, tương tác với người dùng, nơi chứa tất cả các đối tượng GUI như textbox, images...Hiểu một cách đơn giản, nó là tập hợp các form hoặc các file HTML.</a:t>
+            </a:r>
+            <a:endParaRPr lang="en-US"/>
           </a:p>
         </p:txBody>
       </p:sp>
     </p:spTree>
     <p:extLst>
       <p:ext uri="{BB962C8B-B14F-4D97-AF65-F5344CB8AC3E}">
-        <p14:creationId xmlns:p14="http://schemas.microsoft.com/office/powerpoint/2010/main" val="227213640"/>
+        <p14:creationId xmlns:p14="http://schemas.microsoft.com/office/powerpoint/2010/main" val="2901973778"/>
       </p:ext>
     </p:extLst>
   </p:cSld>
@@ -10887,9 +15705,135 @@
   <p:timing>
     <p:tnLst>
       <p:par>
-        <p:cTn id="1" dur="indefinite" restart="never" nodeType="tmRoot"/>
+        <p:cTn id="1" dur="indefinite" restart="never" nodeType="tmRoot">
+          <p:childTnLst>
+            <p:seq concurrent="1" nextAc="seek">
+              <p:cTn id="2" dur="indefinite" nodeType="mainSeq">
+                <p:childTnLst>
+                  <p:par>
+                    <p:cTn id="3" fill="hold">
+                      <p:stCondLst>
+                        <p:cond delay="indefinite"/>
+                        <p:cond evt="onBegin" delay="0">
+                          <p:tn val="2"/>
+                        </p:cond>
+                      </p:stCondLst>
+                      <p:childTnLst>
+                        <p:par>
+                          <p:cTn id="4" fill="hold">
+                            <p:stCondLst>
+                              <p:cond delay="0"/>
+                            </p:stCondLst>
+                            <p:childTnLst>
+                              <p:par>
+                                <p:cTn id="5" presetID="22" presetClass="entr" presetSubtype="8" fill="hold" grpId="0" nodeType="withEffect">
+                                  <p:stCondLst>
+                                    <p:cond delay="0"/>
+                                  </p:stCondLst>
+                                  <p:childTnLst>
+                                    <p:set>
+                                      <p:cBhvr>
+                                        <p:cTn id="6" dur="1" fill="hold">
+                                          <p:stCondLst>
+                                            <p:cond delay="0"/>
+                                          </p:stCondLst>
+                                        </p:cTn>
+                                        <p:tgtEl>
+                                          <p:spTgt spid="7"/>
+                                        </p:tgtEl>
+                                        <p:attrNameLst>
+                                          <p:attrName>style.visibility</p:attrName>
+                                        </p:attrNameLst>
+                                      </p:cBhvr>
+                                      <p:to>
+                                        <p:strVal val="visible"/>
+                                      </p:to>
+                                    </p:set>
+                                    <p:animEffect transition="in" filter="wipe(left)">
+                                      <p:cBhvr>
+                                        <p:cTn id="7" dur="500"/>
+                                        <p:tgtEl>
+                                          <p:spTgt spid="7"/>
+                                        </p:tgtEl>
+                                      </p:cBhvr>
+                                    </p:animEffect>
+                                  </p:childTnLst>
+                                </p:cTn>
+                              </p:par>
+                              <p:par>
+                                <p:cTn id="8" presetID="10" presetClass="entr" presetSubtype="0" fill="hold" grpId="0" nodeType="withEffect">
+                                  <p:stCondLst>
+                                    <p:cond delay="0"/>
+                                  </p:stCondLst>
+                                  <p:childTnLst>
+                                    <p:set>
+                                      <p:cBhvr>
+                                        <p:cTn id="9" dur="1" fill="hold">
+                                          <p:stCondLst>
+                                            <p:cond delay="0"/>
+                                          </p:stCondLst>
+                                        </p:cTn>
+                                        <p:tgtEl>
+                                          <p:spTgt spid="9">
+                                            <p:txEl>
+                                              <p:pRg st="0" end="0"/>
+                                            </p:txEl>
+                                          </p:spTgt>
+                                        </p:tgtEl>
+                                        <p:attrNameLst>
+                                          <p:attrName>style.visibility</p:attrName>
+                                        </p:attrNameLst>
+                                      </p:cBhvr>
+                                      <p:to>
+                                        <p:strVal val="visible"/>
+                                      </p:to>
+                                    </p:set>
+                                    <p:animEffect transition="in" filter="fade">
+                                      <p:cBhvr>
+                                        <p:cTn id="10" dur="500"/>
+                                        <p:tgtEl>
+                                          <p:spTgt spid="9">
+                                            <p:txEl>
+                                              <p:pRg st="0" end="0"/>
+                                            </p:txEl>
+                                          </p:spTgt>
+                                        </p:tgtEl>
+                                      </p:cBhvr>
+                                    </p:animEffect>
+                                  </p:childTnLst>
+                                </p:cTn>
+                              </p:par>
+                            </p:childTnLst>
+                          </p:cTn>
+                        </p:par>
+                      </p:childTnLst>
+                    </p:cTn>
+                  </p:par>
+                </p:childTnLst>
+              </p:cTn>
+              <p:prevCondLst>
+                <p:cond evt="onPrev" delay="0">
+                  <p:tgtEl>
+                    <p:sldTgt/>
+                  </p:tgtEl>
+                </p:cond>
+              </p:prevCondLst>
+              <p:nextCondLst>
+                <p:cond evt="onNext" delay="0">
+                  <p:tgtEl>
+                    <p:sldTgt/>
+                  </p:tgtEl>
+                </p:cond>
+              </p:nextCondLst>
+            </p:seq>
+          </p:childTnLst>
+        </p:cTn>
       </p:par>
     </p:tnLst>
+    <p:bldLst>
+      <p:bldP spid="7" grpId="0"/>
+      <p:bldP spid="9" grpId="0" build="p"/>
+    </p:bldLst>
   </p:timing>
 </p:sld>
 </file>
@@ -10913,7 +15857,7 @@
       </p:grpSpPr>
       <p:sp>
         <p:nvSpPr>
-          <p:cNvPr id="2" name="Title 1"/>
+          <p:cNvPr id="7" name="Title 6"/>
           <p:cNvSpPr>
             <a:spLocks noGrp="1"/>
           </p:cNvSpPr>
@@ -10923,74 +15867,57 @@
         </p:nvSpPr>
         <p:spPr/>
         <p:txBody>
-          <a:bodyPr/>
+          <a:bodyPr>
+            <a:normAutofit/>
+          </a:bodyPr>
           <a:lstStyle/>
           <a:p>
             <a:r>
-              <a:rPr lang="en-US"/>
-              <a:t>Hibernate framework</a:t>
-            </a:r>
-          </a:p>
-        </p:txBody>
-      </p:sp>
-      <p:pic>
-        <p:nvPicPr>
-          <p:cNvPr id="1026" name="Picture 2"/>
-          <p:cNvPicPr>
-            <a:picLocks noChangeAspect="1" noChangeArrowheads="1"/>
-          </p:cNvPicPr>
-          <p:nvPr/>
-        </p:nvPicPr>
-        <p:blipFill>
-          <a:blip r:embed="rId3">
-            <a:extLst>
-              <a:ext uri="{28A0092B-C50C-407E-A947-70E740481C1C}">
-                <a14:useLocalDpi xmlns:a14="http://schemas.microsoft.com/office/drawing/2010/main" val="0"/>
-              </a:ext>
-            </a:extLst>
-          </a:blip>
-          <a:srcRect/>
-          <a:stretch>
-            <a:fillRect/>
-          </a:stretch>
-        </p:blipFill>
-        <p:spPr bwMode="auto">
+              <a:rPr lang="vi-VN" b="1" smtClean="0"/>
+              <a:t>Controller</a:t>
+            </a:r>
+            <a:endParaRPr lang="en-US"/>
+          </a:p>
+        </p:txBody>
+      </p:sp>
+      <p:sp>
+        <p:nvSpPr>
+          <p:cNvPr id="9" name="Content Placeholder 8"/>
+          <p:cNvSpPr>
+            <a:spLocks noGrp="1"/>
+          </p:cNvSpPr>
+          <p:nvPr>
+            <p:ph idx="1"/>
+          </p:nvPr>
+        </p:nvSpPr>
+        <p:spPr>
           <a:xfrm>
-            <a:off x="1127760" y="1271270"/>
-            <a:ext cx="6888480" cy="3895090"/>
+            <a:off x="457200" y="836892"/>
+            <a:ext cx="8473440" cy="4771428"/>
           </a:xfrm>
-          <a:prstGeom prst="rect">
-            <a:avLst/>
-          </a:prstGeom>
-          <a:noFill/>
-          <a:ln>
-            <a:noFill/>
-          </a:ln>
-          <a:extLst>
-            <a:ext uri="{909E8E84-426E-40DD-AFC4-6F175D3DCCD1}">
-              <a14:hiddenFill xmlns:a14="http://schemas.microsoft.com/office/drawing/2010/main">
-                <a:solidFill>
-                  <a:srgbClr val="FFFFFF"/>
-                </a:solidFill>
-              </a14:hiddenFill>
-            </a:ext>
-            <a:ext uri="{91240B29-F687-4F45-9708-019B960494DF}">
-              <a14:hiddenLine xmlns:a14="http://schemas.microsoft.com/office/drawing/2010/main" w="9525">
-                <a:solidFill>
-                  <a:srgbClr val="000000"/>
-                </a:solidFill>
-                <a:miter lim="800000"/>
-                <a:headEnd/>
-                <a:tailEnd/>
-              </a14:hiddenLine>
-            </a:ext>
-          </a:extLst>
         </p:spPr>
-      </p:pic>
+        <p:txBody>
+          <a:bodyPr>
+            <a:normAutofit/>
+          </a:bodyPr>
+          <a:lstStyle/>
+          <a:p>
+            <a:r>
+              <a:rPr lang="vi-VN"/>
+              <a:t>Giữ nhiệm vụ nhận điều hướng các yêu cầu từ người dùng và gọi đúng những phương thức xử lý chúng... </a:t>
+            </a:r>
+            <a:r>
+              <a:rPr lang="vi-VN" b="1"/>
+              <a:t>Chẳng hạn thành phần này sẽ nhận request từ url và form để thao tác trực tiếp với Model.</a:t>
+            </a:r>
+            <a:endParaRPr lang="en-US"/>
+          </a:p>
+        </p:txBody>
+      </p:sp>
     </p:spTree>
     <p:extLst>
       <p:ext uri="{BB962C8B-B14F-4D97-AF65-F5344CB8AC3E}">
-        <p14:creationId xmlns:p14="http://schemas.microsoft.com/office/powerpoint/2010/main" val="2782599275"/>
+        <p14:creationId xmlns:p14="http://schemas.microsoft.com/office/powerpoint/2010/main" val="3849429422"/>
       </p:ext>
     </p:extLst>
   </p:cSld>
@@ -11000,9 +15927,135 @@
   <p:timing>
     <p:tnLst>
       <p:par>
-        <p:cTn id="1" dur="indefinite" restart="never" nodeType="tmRoot"/>
+        <p:cTn id="1" dur="indefinite" restart="never" nodeType="tmRoot">
+          <p:childTnLst>
+            <p:seq concurrent="1" nextAc="seek">
+              <p:cTn id="2" dur="indefinite" nodeType="mainSeq">
+                <p:childTnLst>
+                  <p:par>
+                    <p:cTn id="3" fill="hold">
+                      <p:stCondLst>
+                        <p:cond delay="indefinite"/>
+                        <p:cond evt="onBegin" delay="0">
+                          <p:tn val="2"/>
+                        </p:cond>
+                      </p:stCondLst>
+                      <p:childTnLst>
+                        <p:par>
+                          <p:cTn id="4" fill="hold">
+                            <p:stCondLst>
+                              <p:cond delay="0"/>
+                            </p:stCondLst>
+                            <p:childTnLst>
+                              <p:par>
+                                <p:cTn id="5" presetID="22" presetClass="entr" presetSubtype="8" fill="hold" grpId="0" nodeType="withEffect">
+                                  <p:stCondLst>
+                                    <p:cond delay="0"/>
+                                  </p:stCondLst>
+                                  <p:childTnLst>
+                                    <p:set>
+                                      <p:cBhvr>
+                                        <p:cTn id="6" dur="1" fill="hold">
+                                          <p:stCondLst>
+                                            <p:cond delay="0"/>
+                                          </p:stCondLst>
+                                        </p:cTn>
+                                        <p:tgtEl>
+                                          <p:spTgt spid="7"/>
+                                        </p:tgtEl>
+                                        <p:attrNameLst>
+                                          <p:attrName>style.visibility</p:attrName>
+                                        </p:attrNameLst>
+                                      </p:cBhvr>
+                                      <p:to>
+                                        <p:strVal val="visible"/>
+                                      </p:to>
+                                    </p:set>
+                                    <p:animEffect transition="in" filter="wipe(left)">
+                                      <p:cBhvr>
+                                        <p:cTn id="7" dur="500"/>
+                                        <p:tgtEl>
+                                          <p:spTgt spid="7"/>
+                                        </p:tgtEl>
+                                      </p:cBhvr>
+                                    </p:animEffect>
+                                  </p:childTnLst>
+                                </p:cTn>
+                              </p:par>
+                              <p:par>
+                                <p:cTn id="8" presetID="10" presetClass="entr" presetSubtype="0" fill="hold" grpId="0" nodeType="withEffect">
+                                  <p:stCondLst>
+                                    <p:cond delay="0"/>
+                                  </p:stCondLst>
+                                  <p:childTnLst>
+                                    <p:set>
+                                      <p:cBhvr>
+                                        <p:cTn id="9" dur="1" fill="hold">
+                                          <p:stCondLst>
+                                            <p:cond delay="0"/>
+                                          </p:stCondLst>
+                                        </p:cTn>
+                                        <p:tgtEl>
+                                          <p:spTgt spid="9">
+                                            <p:txEl>
+                                              <p:pRg st="0" end="0"/>
+                                            </p:txEl>
+                                          </p:spTgt>
+                                        </p:tgtEl>
+                                        <p:attrNameLst>
+                                          <p:attrName>style.visibility</p:attrName>
+                                        </p:attrNameLst>
+                                      </p:cBhvr>
+                                      <p:to>
+                                        <p:strVal val="visible"/>
+                                      </p:to>
+                                    </p:set>
+                                    <p:animEffect transition="in" filter="fade">
+                                      <p:cBhvr>
+                                        <p:cTn id="10" dur="500"/>
+                                        <p:tgtEl>
+                                          <p:spTgt spid="9">
+                                            <p:txEl>
+                                              <p:pRg st="0" end="0"/>
+                                            </p:txEl>
+                                          </p:spTgt>
+                                        </p:tgtEl>
+                                      </p:cBhvr>
+                                    </p:animEffect>
+                                  </p:childTnLst>
+                                </p:cTn>
+                              </p:par>
+                            </p:childTnLst>
+                          </p:cTn>
+                        </p:par>
+                      </p:childTnLst>
+                    </p:cTn>
+                  </p:par>
+                </p:childTnLst>
+              </p:cTn>
+              <p:prevCondLst>
+                <p:cond evt="onPrev" delay="0">
+                  <p:tgtEl>
+                    <p:sldTgt/>
+                  </p:tgtEl>
+                </p:cond>
+              </p:prevCondLst>
+              <p:nextCondLst>
+                <p:cond evt="onNext" delay="0">
+                  <p:tgtEl>
+                    <p:sldTgt/>
+                  </p:tgtEl>
+                </p:cond>
+              </p:nextCondLst>
+            </p:seq>
+          </p:childTnLst>
+        </p:cTn>
       </p:par>
     </p:tnLst>
+    <p:bldLst>
+      <p:bldP spid="7" grpId="0"/>
+      <p:bldP spid="9" grpId="0" build="p"/>
+    </p:bldLst>
   </p:timing>
 </p:sld>
 </file>
